--- a/agile.pptx
+++ b/agile.pptx
@@ -7,25 +7,26 @@
   </p:sldMasterIdLst>
   <p:sldIdLst>
     <p:sldId id="256" r:id="rId3"/>
-    <p:sldId id="274" r:id="rId4"/>
-    <p:sldId id="275" r:id="rId5"/>
-    <p:sldId id="276" r:id="rId6"/>
-    <p:sldId id="271" r:id="rId7"/>
-    <p:sldId id="272" r:id="rId8"/>
-    <p:sldId id="257" r:id="rId9"/>
-    <p:sldId id="258" r:id="rId10"/>
-    <p:sldId id="259" r:id="rId11"/>
-    <p:sldId id="260" r:id="rId12"/>
-    <p:sldId id="268" r:id="rId13"/>
-    <p:sldId id="261" r:id="rId14"/>
-    <p:sldId id="269" r:id="rId15"/>
-    <p:sldId id="270" r:id="rId16"/>
-    <p:sldId id="263" r:id="rId17"/>
-    <p:sldId id="264" r:id="rId18"/>
-    <p:sldId id="265" r:id="rId19"/>
-    <p:sldId id="266" r:id="rId20"/>
-    <p:sldId id="267" r:id="rId21"/>
-    <p:sldId id="273" r:id="rId22"/>
+    <p:sldId id="271" r:id="rId4"/>
+    <p:sldId id="274" r:id="rId5"/>
+    <p:sldId id="275" r:id="rId6"/>
+    <p:sldId id="276" r:id="rId7"/>
+    <p:sldId id="268" r:id="rId8"/>
+    <p:sldId id="277" r:id="rId9"/>
+    <p:sldId id="272" r:id="rId10"/>
+    <p:sldId id="257" r:id="rId11"/>
+    <p:sldId id="258" r:id="rId12"/>
+    <p:sldId id="259" r:id="rId13"/>
+    <p:sldId id="260" r:id="rId14"/>
+    <p:sldId id="261" r:id="rId15"/>
+    <p:sldId id="269" r:id="rId16"/>
+    <p:sldId id="270" r:id="rId17"/>
+    <p:sldId id="263" r:id="rId18"/>
+    <p:sldId id="264" r:id="rId19"/>
+    <p:sldId id="265" r:id="rId20"/>
+    <p:sldId id="266" r:id="rId21"/>
+    <p:sldId id="267" r:id="rId22"/>
+    <p:sldId id="273" r:id="rId23"/>
   </p:sldIdLst>
   <p:sldSz cx="9144000" cy="6858000" type="screen4x3"/>
   <p:notesSz cx="6858000" cy="9144000"/>
@@ -2290,8 +2291,8 @@
   <dgm:cxnLst>
     <dgm:cxn modelId="{8A4648C5-81CB-4F9B-B93E-D21EF80B59DB}" type="presOf" srcId="{2BF38915-1197-4849-825B-44E3B7EE045E}" destId="{39407288-1A4C-432A-9885-1AE82DE60D19}" srcOrd="0" destOrd="0" presId="urn:microsoft.com/office/officeart/2005/8/layout/venn1"/>
     <dgm:cxn modelId="{A5526360-C22B-44FF-A71E-5F60F3605F92}" srcId="{2BF38915-1197-4849-825B-44E3B7EE045E}" destId="{DE0A076D-E056-42CB-85F0-61E0F4C42BBF}" srcOrd="1" destOrd="0" parTransId="{FFDC0E2C-D44A-4145-8FC8-0ACFA9633A45}" sibTransId="{94DA9823-EE49-45B2-B50E-ED36A2B1ECEB}"/>
+    <dgm:cxn modelId="{2ACBB84E-A779-466D-BAA0-CDA3DE2D8606}" type="presOf" srcId="{27EC1E5F-FDDA-4330-8782-DA9366801C35}" destId="{B8878EAC-D6D3-4B01-A1E1-B2A3BC54747A}" srcOrd="1" destOrd="0" presId="urn:microsoft.com/office/officeart/2005/8/layout/venn1"/>
     <dgm:cxn modelId="{26EC7279-C588-44B1-A221-AB05FE98F1A5}" type="presOf" srcId="{DE0A076D-E056-42CB-85F0-61E0F4C42BBF}" destId="{CE3EFC63-3E07-4332-9534-57C1B86F6A69}" srcOrd="0" destOrd="0" presId="urn:microsoft.com/office/officeart/2005/8/layout/venn1"/>
-    <dgm:cxn modelId="{2ACBB84E-A779-466D-BAA0-CDA3DE2D8606}" type="presOf" srcId="{27EC1E5F-FDDA-4330-8782-DA9366801C35}" destId="{B8878EAC-D6D3-4B01-A1E1-B2A3BC54747A}" srcOrd="1" destOrd="0" presId="urn:microsoft.com/office/officeart/2005/8/layout/venn1"/>
     <dgm:cxn modelId="{801296E9-4BF4-4863-8D28-AE562066FDC8}" type="presOf" srcId="{27EC1E5F-FDDA-4330-8782-DA9366801C35}" destId="{D786F0F6-2089-4CFC-914C-3E6CF1F0D060}" srcOrd="0" destOrd="0" presId="urn:microsoft.com/office/officeart/2005/8/layout/venn1"/>
     <dgm:cxn modelId="{DA6BD72A-4B13-48FA-9FF1-5EFD34BA61FC}" srcId="{2BF38915-1197-4849-825B-44E3B7EE045E}" destId="{27EC1E5F-FDDA-4330-8782-DA9366801C35}" srcOrd="0" destOrd="0" parTransId="{ABBD1629-BF6B-4FCA-9731-3B74322AE7E5}" sibTransId="{20CA049E-34CF-489A-8A7C-972F24A7DD2A}"/>
     <dgm:cxn modelId="{80D971EE-982E-4851-893B-564F77AB5402}" type="presOf" srcId="{DE0A076D-E056-42CB-85F0-61E0F4C42BBF}" destId="{5982770A-76D9-40D6-AC76-DD476634C5CF}" srcOrd="1" destOrd="0" presId="urn:microsoft.com/office/officeart/2005/8/layout/venn1"/>
@@ -6935,7 +6936,7 @@
           <a:p>
             <a:fld id="{9FBEE847-C2C2-48ED-8BCD-764246C9498D}" type="datetimeFigureOut">
               <a:rPr kumimoji="1" lang="ja-JP" altLang="en-US" smtClean="0"/>
-              <a:t>2015/3/2</a:t>
+              <a:t>2015/3/4</a:t>
             </a:fld>
             <a:endParaRPr kumimoji="1" lang="ja-JP" altLang="en-US"/>
           </a:p>
@@ -7132,7 +7133,7 @@
           <a:p>
             <a:fld id="{9FBEE847-C2C2-48ED-8BCD-764246C9498D}" type="datetimeFigureOut">
               <a:rPr kumimoji="1" lang="ja-JP" altLang="en-US" smtClean="0"/>
-              <a:t>2015/3/2</a:t>
+              <a:t>2015/3/4</a:t>
             </a:fld>
             <a:endParaRPr kumimoji="1" lang="ja-JP" altLang="en-US"/>
           </a:p>
@@ -7339,7 +7340,7 @@
           <a:p>
             <a:fld id="{9FBEE847-C2C2-48ED-8BCD-764246C9498D}" type="datetimeFigureOut">
               <a:rPr kumimoji="1" lang="ja-JP" altLang="en-US" smtClean="0"/>
-              <a:t>2015/3/2</a:t>
+              <a:t>2015/3/4</a:t>
             </a:fld>
             <a:endParaRPr kumimoji="1" lang="ja-JP" altLang="en-US"/>
           </a:p>
@@ -7576,7 +7577,7 @@
           <a:p>
             <a:fld id="{9FBEE847-C2C2-48ED-8BCD-764246C9498D}" type="datetimeFigureOut">
               <a:rPr kumimoji="1" lang="ja-JP" altLang="en-US" smtClean="0"/>
-              <a:t>2015/3/2</a:t>
+              <a:t>2015/3/4</a:t>
             </a:fld>
             <a:endParaRPr kumimoji="1" lang="ja-JP" altLang="en-US"/>
           </a:p>
@@ -7778,7 +7779,7 @@
           <a:p>
             <a:fld id="{9FBEE847-C2C2-48ED-8BCD-764246C9498D}" type="datetimeFigureOut">
               <a:rPr kumimoji="1" lang="ja-JP" altLang="en-US" smtClean="0"/>
-              <a:t>2015/3/2</a:t>
+              <a:t>2015/3/4</a:t>
             </a:fld>
             <a:endParaRPr kumimoji="1" lang="ja-JP" altLang="en-US"/>
           </a:p>
@@ -8024,7 +8025,7 @@
           <a:p>
             <a:fld id="{9FBEE847-C2C2-48ED-8BCD-764246C9498D}" type="datetimeFigureOut">
               <a:rPr kumimoji="1" lang="ja-JP" altLang="en-US" smtClean="0"/>
-              <a:t>2015/3/2</a:t>
+              <a:t>2015/3/4</a:t>
             </a:fld>
             <a:endParaRPr kumimoji="1" lang="ja-JP" altLang="en-US"/>
           </a:p>
@@ -8376,7 +8377,7 @@
           <a:p>
             <a:fld id="{9FBEE847-C2C2-48ED-8BCD-764246C9498D}" type="datetimeFigureOut">
               <a:rPr kumimoji="1" lang="ja-JP" altLang="en-US" smtClean="0"/>
-              <a:t>2015/3/2</a:t>
+              <a:t>2015/3/4</a:t>
             </a:fld>
             <a:endParaRPr kumimoji="1" lang="ja-JP" altLang="en-US"/>
           </a:p>
@@ -8862,7 +8863,7 @@
           <a:p>
             <a:fld id="{9FBEE847-C2C2-48ED-8BCD-764246C9498D}" type="datetimeFigureOut">
               <a:rPr kumimoji="1" lang="ja-JP" altLang="en-US" smtClean="0"/>
-              <a:t>2015/3/2</a:t>
+              <a:t>2015/3/4</a:t>
             </a:fld>
             <a:endParaRPr kumimoji="1" lang="ja-JP" altLang="en-US"/>
           </a:p>
@@ -8980,7 +8981,7 @@
           <a:p>
             <a:fld id="{9FBEE847-C2C2-48ED-8BCD-764246C9498D}" type="datetimeFigureOut">
               <a:rPr kumimoji="1" lang="ja-JP" altLang="en-US" smtClean="0"/>
-              <a:t>2015/3/2</a:t>
+              <a:t>2015/3/4</a:t>
             </a:fld>
             <a:endParaRPr kumimoji="1" lang="ja-JP" altLang="en-US"/>
           </a:p>
@@ -9075,7 +9076,7 @@
           <a:p>
             <a:fld id="{9FBEE847-C2C2-48ED-8BCD-764246C9498D}" type="datetimeFigureOut">
               <a:rPr kumimoji="1" lang="ja-JP" altLang="en-US" smtClean="0"/>
-              <a:t>2015/3/2</a:t>
+              <a:t>2015/3/4</a:t>
             </a:fld>
             <a:endParaRPr kumimoji="1" lang="ja-JP" altLang="en-US"/>
           </a:p>
@@ -9384,7 +9385,7 @@
           <a:p>
             <a:fld id="{9FBEE847-C2C2-48ED-8BCD-764246C9498D}" type="datetimeFigureOut">
               <a:rPr kumimoji="1" lang="ja-JP" altLang="en-US" smtClean="0"/>
-              <a:t>2015/3/2</a:t>
+              <a:t>2015/3/4</a:t>
             </a:fld>
             <a:endParaRPr kumimoji="1" lang="ja-JP" altLang="en-US"/>
           </a:p>
@@ -9586,7 +9587,7 @@
           <a:p>
             <a:fld id="{9FBEE847-C2C2-48ED-8BCD-764246C9498D}" type="datetimeFigureOut">
               <a:rPr kumimoji="1" lang="ja-JP" altLang="en-US" smtClean="0"/>
-              <a:t>2015/3/2</a:t>
+              <a:t>2015/3/4</a:t>
             </a:fld>
             <a:endParaRPr kumimoji="1" lang="ja-JP" altLang="en-US"/>
           </a:p>
@@ -9834,7 +9835,7 @@
           <a:p>
             <a:fld id="{9FBEE847-C2C2-48ED-8BCD-764246C9498D}" type="datetimeFigureOut">
               <a:rPr kumimoji="1" lang="ja-JP" altLang="en-US" smtClean="0"/>
-              <a:t>2015/3/2</a:t>
+              <a:t>2015/3/4</a:t>
             </a:fld>
             <a:endParaRPr kumimoji="1" lang="ja-JP" altLang="en-US"/>
           </a:p>
@@ -10036,7 +10037,7 @@
           <a:p>
             <a:fld id="{9FBEE847-C2C2-48ED-8BCD-764246C9498D}" type="datetimeFigureOut">
               <a:rPr kumimoji="1" lang="ja-JP" altLang="en-US" smtClean="0"/>
-              <a:t>2015/3/2</a:t>
+              <a:t>2015/3/4</a:t>
             </a:fld>
             <a:endParaRPr kumimoji="1" lang="ja-JP" altLang="en-US"/>
           </a:p>
@@ -10248,7 +10249,7 @@
           <a:p>
             <a:fld id="{9FBEE847-C2C2-48ED-8BCD-764246C9498D}" type="datetimeFigureOut">
               <a:rPr kumimoji="1" lang="ja-JP" altLang="en-US" smtClean="0"/>
-              <a:t>2015/3/2</a:t>
+              <a:t>2015/3/4</a:t>
             </a:fld>
             <a:endParaRPr kumimoji="1" lang="ja-JP" altLang="en-US"/>
           </a:p>
@@ -10806,7 +10807,7 @@
           <a:p>
             <a:fld id="{9FBEE847-C2C2-48ED-8BCD-764246C9498D}" type="datetimeFigureOut">
               <a:rPr kumimoji="1" lang="ja-JP" altLang="en-US" smtClean="0"/>
-              <a:t>2015/3/2</a:t>
+              <a:t>2015/3/4</a:t>
             </a:fld>
             <a:endParaRPr kumimoji="1" lang="ja-JP" altLang="en-US"/>
           </a:p>
@@ -11130,7 +11131,7 @@
           <a:p>
             <a:fld id="{9FBEE847-C2C2-48ED-8BCD-764246C9498D}" type="datetimeFigureOut">
               <a:rPr kumimoji="1" lang="ja-JP" altLang="en-US" smtClean="0"/>
-              <a:t>2015/3/2</a:t>
+              <a:t>2015/3/4</a:t>
             </a:fld>
             <a:endParaRPr kumimoji="1" lang="ja-JP" altLang="en-US"/>
           </a:p>
@@ -11682,7 +11683,7 @@
           <a:p>
             <a:fld id="{9FBEE847-C2C2-48ED-8BCD-764246C9498D}" type="datetimeFigureOut">
               <a:rPr kumimoji="1" lang="ja-JP" altLang="en-US" smtClean="0"/>
-              <a:t>2015/3/2</a:t>
+              <a:t>2015/3/4</a:t>
             </a:fld>
             <a:endParaRPr kumimoji="1" lang="ja-JP" altLang="en-US"/>
           </a:p>
@@ -11795,7 +11796,7 @@
           <a:p>
             <a:fld id="{9FBEE847-C2C2-48ED-8BCD-764246C9498D}" type="datetimeFigureOut">
               <a:rPr kumimoji="1" lang="ja-JP" altLang="en-US" smtClean="0"/>
-              <a:t>2015/3/2</a:t>
+              <a:t>2015/3/4</a:t>
             </a:fld>
             <a:endParaRPr kumimoji="1" lang="ja-JP" altLang="en-US"/>
           </a:p>
@@ -11885,7 +11886,7 @@
           <a:p>
             <a:fld id="{9FBEE847-C2C2-48ED-8BCD-764246C9498D}" type="datetimeFigureOut">
               <a:rPr kumimoji="1" lang="ja-JP" altLang="en-US" smtClean="0"/>
-              <a:t>2015/3/2</a:t>
+              <a:t>2015/3/4</a:t>
             </a:fld>
             <a:endParaRPr kumimoji="1" lang="ja-JP" altLang="en-US"/>
           </a:p>
@@ -12266,7 +12267,7 @@
                   <a:srgbClr val="FFFFFF"/>
                 </a:solidFill>
                 <a:latin typeface="+mn-lt"/>
-                <a:ea typeface="+mn-ea"/>
+                <a:ea typeface="メイリオ" panose="020B0604030504040204" pitchFamily="50" charset="-128"/>
                 <a:cs typeface="+mn-cs"/>
               </a:defRPr>
             </a:lvl1pPr>
@@ -12324,7 +12325,7 @@
               <a:defRPr/>
             </a:pPr>
             <a:r>
-              <a:rPr lang="ja-JP" altLang="en-US" smtClean="0"/>
+              <a:rPr lang="ja-JP" altLang="en-US" dirty="0" smtClean="0"/>
               <a:t>マスター テキストの書式設定</a:t>
             </a:r>
           </a:p>
@@ -12347,7 +12348,7 @@
           <a:p>
             <a:fld id="{9FBEE847-C2C2-48ED-8BCD-764246C9498D}" type="datetimeFigureOut">
               <a:rPr kumimoji="1" lang="ja-JP" altLang="en-US" smtClean="0"/>
-              <a:t>2015/3/2</a:t>
+              <a:t>2015/3/4</a:t>
             </a:fld>
             <a:endParaRPr kumimoji="1" lang="ja-JP" altLang="en-US"/>
           </a:p>
@@ -12880,7 +12881,7 @@
           <a:p>
             <a:fld id="{9FBEE847-C2C2-48ED-8BCD-764246C9498D}" type="datetimeFigureOut">
               <a:rPr kumimoji="1" lang="ja-JP" altLang="en-US" smtClean="0"/>
-              <a:t>2015/3/2</a:t>
+              <a:t>2015/3/4</a:t>
             </a:fld>
             <a:endParaRPr kumimoji="1" lang="ja-JP" altLang="en-US"/>
           </a:p>
@@ -13652,67 +13653,67 @@
           <a:p>
             <a:pPr lvl="0"/>
             <a:r>
-              <a:rPr lang="ja-JP" altLang="en-US" smtClean="0"/>
+              <a:rPr lang="ja-JP" altLang="en-US" dirty="0" smtClean="0"/>
               <a:t>マスター テキストの書式設定</a:t>
             </a:r>
           </a:p>
           <a:p>
             <a:pPr lvl="1"/>
             <a:r>
-              <a:rPr lang="ja-JP" altLang="en-US" smtClean="0"/>
+              <a:rPr lang="ja-JP" altLang="en-US" dirty="0" smtClean="0"/>
               <a:t>第 </a:t>
             </a:r>
             <a:r>
-              <a:rPr lang="en-US" altLang="ja-JP" smtClean="0"/>
+              <a:rPr lang="en-US" altLang="ja-JP" dirty="0" smtClean="0"/>
               <a:t>2 </a:t>
             </a:r>
             <a:r>
-              <a:rPr lang="ja-JP" altLang="en-US" smtClean="0"/>
+              <a:rPr lang="ja-JP" altLang="en-US" dirty="0" smtClean="0"/>
               <a:t>レベル</a:t>
             </a:r>
           </a:p>
           <a:p>
             <a:pPr lvl="2"/>
             <a:r>
-              <a:rPr lang="ja-JP" altLang="en-US" smtClean="0"/>
+              <a:rPr lang="ja-JP" altLang="en-US" dirty="0" smtClean="0"/>
               <a:t>第 </a:t>
             </a:r>
             <a:r>
-              <a:rPr lang="en-US" altLang="ja-JP" smtClean="0"/>
+              <a:rPr lang="en-US" altLang="ja-JP" dirty="0" smtClean="0"/>
               <a:t>3 </a:t>
             </a:r>
             <a:r>
-              <a:rPr lang="ja-JP" altLang="en-US" smtClean="0"/>
+              <a:rPr lang="ja-JP" altLang="en-US" dirty="0" smtClean="0"/>
               <a:t>レベル</a:t>
             </a:r>
           </a:p>
           <a:p>
             <a:pPr lvl="3"/>
             <a:r>
-              <a:rPr lang="ja-JP" altLang="en-US" smtClean="0"/>
+              <a:rPr lang="ja-JP" altLang="en-US" dirty="0" smtClean="0"/>
               <a:t>第 </a:t>
             </a:r>
             <a:r>
-              <a:rPr lang="en-US" altLang="ja-JP" smtClean="0"/>
+              <a:rPr lang="en-US" altLang="ja-JP" dirty="0" smtClean="0"/>
               <a:t>4 </a:t>
             </a:r>
             <a:r>
-              <a:rPr lang="ja-JP" altLang="en-US" smtClean="0"/>
+              <a:rPr lang="ja-JP" altLang="en-US" dirty="0" smtClean="0"/>
               <a:t>レベル</a:t>
             </a:r>
           </a:p>
           <a:p>
             <a:pPr lvl="4"/>
             <a:r>
-              <a:rPr lang="ja-JP" altLang="en-US" smtClean="0"/>
+              <a:rPr lang="ja-JP" altLang="en-US" dirty="0" smtClean="0"/>
               <a:t>第 </a:t>
             </a:r>
             <a:r>
-              <a:rPr lang="en-US" altLang="ja-JP" smtClean="0"/>
+              <a:rPr lang="en-US" altLang="ja-JP" dirty="0" smtClean="0"/>
               <a:t>5 </a:t>
             </a:r>
             <a:r>
-              <a:rPr lang="ja-JP" altLang="en-US" smtClean="0"/>
+              <a:rPr lang="ja-JP" altLang="en-US" dirty="0" smtClean="0"/>
               <a:t>レベル</a:t>
             </a:r>
             <a:endParaRPr lang="en-US" dirty="0"/>
@@ -13746,15 +13747,17 @@
                 <a:solidFill>
                   <a:srgbClr val="FFFFFF"/>
                 </a:solidFill>
+                <a:ea typeface="メイリオ" panose="020B0604030504040204" pitchFamily="50" charset="-128"/>
               </a:defRPr>
             </a:lvl1pPr>
           </a:lstStyle>
           <a:p>
             <a:fld id="{9FBEE847-C2C2-48ED-8BCD-764246C9498D}" type="datetimeFigureOut">
-              <a:rPr kumimoji="1" lang="ja-JP" altLang="en-US" smtClean="0"/>
-              <a:t>2015/3/2</a:t>
+              <a:rPr lang="ja-JP" altLang="en-US" smtClean="0"/>
+              <a:pPr/>
+              <a:t>2015/3/4</a:t>
             </a:fld>
-            <a:endParaRPr kumimoji="1" lang="ja-JP" altLang="en-US"/>
+            <a:endParaRPr lang="ja-JP" altLang="en-US" dirty="0"/>
           </a:p>
         </p:txBody>
       </p:sp>
@@ -13785,11 +13788,12 @@
                 <a:solidFill>
                   <a:srgbClr val="FFFFFF"/>
                 </a:solidFill>
+                <a:ea typeface="メイリオ" panose="020B0604030504040204" pitchFamily="50" charset="-128"/>
               </a:defRPr>
             </a:lvl1pPr>
           </a:lstStyle>
           <a:p>
-            <a:endParaRPr kumimoji="1" lang="ja-JP" altLang="en-US"/>
+            <a:endParaRPr lang="ja-JP" altLang="en-US" dirty="0"/>
           </a:p>
         </p:txBody>
       </p:sp>
@@ -13827,15 +13831,17 @@
                 <a:solidFill>
                   <a:srgbClr val="FFFFFF"/>
                 </a:solidFill>
+                <a:ea typeface="メイリオ" panose="020B0604030504040204" pitchFamily="50" charset="-128"/>
               </a:defRPr>
             </a:lvl1pPr>
           </a:lstStyle>
           <a:p>
             <a:fld id="{EEA2984F-A884-4B94-8555-0E068696E7B3}" type="slidenum">
-              <a:rPr kumimoji="1" lang="ja-JP" altLang="en-US" smtClean="0"/>
+              <a:rPr lang="ja-JP" altLang="en-US" smtClean="0"/>
+              <a:pPr/>
               <a:t>‹#›</a:t>
             </a:fld>
-            <a:endParaRPr kumimoji="1" lang="ja-JP" altLang="en-US"/>
+            <a:endParaRPr lang="ja-JP" altLang="en-US" dirty="0"/>
           </a:p>
         </p:txBody>
       </p:sp>
@@ -13884,7 +13890,7 @@
             <a:schemeClr val="tx1"/>
           </a:solidFill>
           <a:latin typeface="+mn-lt"/>
-          <a:ea typeface="+mn-ea"/>
+          <a:ea typeface="メイリオ" panose="020B0604030504040204" pitchFamily="50" charset="-128"/>
           <a:cs typeface="+mn-cs"/>
         </a:defRPr>
       </a:lvl1pPr>
@@ -13902,7 +13908,7 @@
             <a:schemeClr val="tx1"/>
           </a:solidFill>
           <a:latin typeface="+mn-lt"/>
-          <a:ea typeface="+mn-ea"/>
+          <a:ea typeface="メイリオ" panose="020B0604030504040204" pitchFamily="50" charset="-128"/>
           <a:cs typeface="+mn-cs"/>
         </a:defRPr>
       </a:lvl2pPr>
@@ -13920,7 +13926,7 @@
             <a:schemeClr val="tx1"/>
           </a:solidFill>
           <a:latin typeface="+mn-lt"/>
-          <a:ea typeface="+mn-ea"/>
+          <a:ea typeface="メイリオ" panose="020B0604030504040204" pitchFamily="50" charset="-128"/>
           <a:cs typeface="+mn-cs"/>
         </a:defRPr>
       </a:lvl3pPr>
@@ -13938,7 +13944,7 @@
             <a:schemeClr val="tx1"/>
           </a:solidFill>
           <a:latin typeface="+mn-lt"/>
-          <a:ea typeface="+mn-ea"/>
+          <a:ea typeface="メイリオ" panose="020B0604030504040204" pitchFamily="50" charset="-128"/>
           <a:cs typeface="+mn-cs"/>
         </a:defRPr>
       </a:lvl4pPr>
@@ -13956,7 +13962,7 @@
             <a:schemeClr val="tx1"/>
           </a:solidFill>
           <a:latin typeface="+mn-lt"/>
-          <a:ea typeface="+mn-ea"/>
+          <a:ea typeface="メイリオ" panose="020B0604030504040204" pitchFamily="50" charset="-128"/>
           <a:cs typeface="+mn-cs"/>
         </a:defRPr>
       </a:lvl5pPr>
@@ -14180,10 +14186,10 @@
           <a:lstStyle/>
           <a:p>
             <a:r>
-              <a:rPr kumimoji="1" lang="ja-JP" altLang="en-US" smtClean="0"/>
+              <a:rPr kumimoji="1" lang="ja-JP" altLang="en-US" dirty="0" smtClean="0"/>
               <a:t>マスター タイトルの書式設定</a:t>
             </a:r>
-            <a:endParaRPr kumimoji="1" lang="ja-JP" altLang="en-US"/>
+            <a:endParaRPr kumimoji="1" lang="ja-JP" altLang="en-US" dirty="0"/>
           </a:p>
         </p:txBody>
       </p:sp>
@@ -14214,70 +14220,70 @@
           <a:p>
             <a:pPr lvl="0"/>
             <a:r>
-              <a:rPr kumimoji="1" lang="ja-JP" altLang="en-US" smtClean="0"/>
+              <a:rPr kumimoji="1" lang="ja-JP" altLang="en-US" dirty="0" smtClean="0"/>
               <a:t>マスター テキストの書式設定</a:t>
             </a:r>
           </a:p>
           <a:p>
             <a:pPr lvl="1"/>
             <a:r>
-              <a:rPr kumimoji="1" lang="ja-JP" altLang="en-US" smtClean="0"/>
+              <a:rPr kumimoji="1" lang="ja-JP" altLang="en-US" dirty="0" smtClean="0"/>
               <a:t>第 </a:t>
             </a:r>
             <a:r>
-              <a:rPr kumimoji="1" lang="en-US" altLang="ja-JP" smtClean="0"/>
+              <a:rPr kumimoji="1" lang="en-US" altLang="ja-JP" dirty="0" smtClean="0"/>
               <a:t>2 </a:t>
             </a:r>
             <a:r>
-              <a:rPr kumimoji="1" lang="ja-JP" altLang="en-US" smtClean="0"/>
+              <a:rPr kumimoji="1" lang="ja-JP" altLang="en-US" dirty="0" smtClean="0"/>
               <a:t>レベル</a:t>
             </a:r>
           </a:p>
           <a:p>
             <a:pPr lvl="2"/>
             <a:r>
-              <a:rPr kumimoji="1" lang="ja-JP" altLang="en-US" smtClean="0"/>
+              <a:rPr kumimoji="1" lang="ja-JP" altLang="en-US" dirty="0" smtClean="0"/>
               <a:t>第 </a:t>
             </a:r>
             <a:r>
-              <a:rPr kumimoji="1" lang="en-US" altLang="ja-JP" smtClean="0"/>
+              <a:rPr kumimoji="1" lang="en-US" altLang="ja-JP" dirty="0" smtClean="0"/>
               <a:t>3 </a:t>
             </a:r>
             <a:r>
-              <a:rPr kumimoji="1" lang="ja-JP" altLang="en-US" smtClean="0"/>
+              <a:rPr kumimoji="1" lang="ja-JP" altLang="en-US" dirty="0" smtClean="0"/>
               <a:t>レベル</a:t>
             </a:r>
           </a:p>
           <a:p>
             <a:pPr lvl="3"/>
             <a:r>
-              <a:rPr kumimoji="1" lang="ja-JP" altLang="en-US" smtClean="0"/>
+              <a:rPr kumimoji="1" lang="ja-JP" altLang="en-US" dirty="0" smtClean="0"/>
               <a:t>第 </a:t>
             </a:r>
             <a:r>
-              <a:rPr kumimoji="1" lang="en-US" altLang="ja-JP" smtClean="0"/>
+              <a:rPr kumimoji="1" lang="en-US" altLang="ja-JP" dirty="0" smtClean="0"/>
               <a:t>4 </a:t>
             </a:r>
             <a:r>
-              <a:rPr kumimoji="1" lang="ja-JP" altLang="en-US" smtClean="0"/>
+              <a:rPr kumimoji="1" lang="ja-JP" altLang="en-US" dirty="0" smtClean="0"/>
               <a:t>レベル</a:t>
             </a:r>
           </a:p>
           <a:p>
             <a:pPr lvl="4"/>
             <a:r>
-              <a:rPr kumimoji="1" lang="ja-JP" altLang="en-US" smtClean="0"/>
+              <a:rPr kumimoji="1" lang="ja-JP" altLang="en-US" dirty="0" smtClean="0"/>
               <a:t>第 </a:t>
             </a:r>
             <a:r>
-              <a:rPr kumimoji="1" lang="en-US" altLang="ja-JP" smtClean="0"/>
+              <a:rPr kumimoji="1" lang="en-US" altLang="ja-JP" dirty="0" smtClean="0"/>
               <a:t>5 </a:t>
             </a:r>
             <a:r>
-              <a:rPr kumimoji="1" lang="ja-JP" altLang="en-US" smtClean="0"/>
+              <a:rPr kumimoji="1" lang="ja-JP" altLang="en-US" dirty="0" smtClean="0"/>
               <a:t>レベル</a:t>
             </a:r>
-            <a:endParaRPr kumimoji="1" lang="ja-JP" altLang="en-US"/>
+            <a:endParaRPr kumimoji="1" lang="ja-JP" altLang="en-US" dirty="0"/>
           </a:p>
         </p:txBody>
       </p:sp>
@@ -14310,15 +14316,17 @@
                     <a:tint val="75000"/>
                   </a:schemeClr>
                 </a:solidFill>
+                <a:ea typeface="メイリオ" panose="020B0604030504040204" pitchFamily="50" charset="-128"/>
               </a:defRPr>
             </a:lvl1pPr>
           </a:lstStyle>
           <a:p>
             <a:fld id="{9FBEE847-C2C2-48ED-8BCD-764246C9498D}" type="datetimeFigureOut">
-              <a:rPr kumimoji="1" lang="ja-JP" altLang="en-US" smtClean="0"/>
-              <a:t>2015/3/2</a:t>
+              <a:rPr lang="ja-JP" altLang="en-US" smtClean="0"/>
+              <a:pPr/>
+              <a:t>2015/3/4</a:t>
             </a:fld>
-            <a:endParaRPr kumimoji="1" lang="ja-JP" altLang="en-US"/>
+            <a:endParaRPr lang="ja-JP" altLang="en-US" dirty="0"/>
           </a:p>
         </p:txBody>
       </p:sp>
@@ -14351,11 +14359,12 @@
                     <a:tint val="75000"/>
                   </a:schemeClr>
                 </a:solidFill>
+                <a:ea typeface="メイリオ" panose="020B0604030504040204" pitchFamily="50" charset="-128"/>
               </a:defRPr>
             </a:lvl1pPr>
           </a:lstStyle>
           <a:p>
-            <a:endParaRPr kumimoji="1" lang="ja-JP" altLang="en-US"/>
+            <a:endParaRPr lang="ja-JP" altLang="en-US" dirty="0"/>
           </a:p>
         </p:txBody>
       </p:sp>
@@ -14388,15 +14397,17 @@
                     <a:tint val="75000"/>
                   </a:schemeClr>
                 </a:solidFill>
+                <a:ea typeface="メイリオ" panose="020B0604030504040204" pitchFamily="50" charset="-128"/>
               </a:defRPr>
             </a:lvl1pPr>
           </a:lstStyle>
           <a:p>
             <a:fld id="{EEA2984F-A884-4B94-8555-0E068696E7B3}" type="slidenum">
-              <a:rPr kumimoji="1" lang="ja-JP" altLang="en-US" smtClean="0"/>
+              <a:rPr lang="ja-JP" altLang="en-US" smtClean="0"/>
+              <a:pPr/>
               <a:t>‹#›</a:t>
             </a:fld>
-            <a:endParaRPr kumimoji="1" lang="ja-JP" altLang="en-US"/>
+            <a:endParaRPr lang="ja-JP" altLang="en-US" dirty="0"/>
           </a:p>
         </p:txBody>
       </p:sp>
@@ -14433,7 +14444,7 @@
             <a:schemeClr val="tx1"/>
           </a:solidFill>
           <a:latin typeface="+mj-lt"/>
-          <a:ea typeface="+mj-ea"/>
+          <a:ea typeface="メイリオ" panose="020B0604030504040204" pitchFamily="50" charset="-128"/>
           <a:cs typeface="+mj-cs"/>
         </a:defRPr>
       </a:lvl1pPr>
@@ -14450,7 +14461,7 @@
             <a:schemeClr val="tx1"/>
           </a:solidFill>
           <a:latin typeface="+mn-lt"/>
-          <a:ea typeface="+mn-ea"/>
+          <a:ea typeface="メイリオ" panose="020B0604030504040204" pitchFamily="50" charset="-128"/>
           <a:cs typeface="+mn-cs"/>
         </a:defRPr>
       </a:lvl1pPr>
@@ -14465,7 +14476,7 @@
             <a:schemeClr val="tx1"/>
           </a:solidFill>
           <a:latin typeface="+mn-lt"/>
-          <a:ea typeface="+mn-ea"/>
+          <a:ea typeface="メイリオ" panose="020B0604030504040204" pitchFamily="50" charset="-128"/>
           <a:cs typeface="+mn-cs"/>
         </a:defRPr>
       </a:lvl2pPr>
@@ -14480,7 +14491,7 @@
             <a:schemeClr val="tx1"/>
           </a:solidFill>
           <a:latin typeface="+mn-lt"/>
-          <a:ea typeface="+mn-ea"/>
+          <a:ea typeface="メイリオ" panose="020B0604030504040204" pitchFamily="50" charset="-128"/>
           <a:cs typeface="+mn-cs"/>
         </a:defRPr>
       </a:lvl3pPr>
@@ -14495,7 +14506,7 @@
             <a:schemeClr val="tx1"/>
           </a:solidFill>
           <a:latin typeface="+mn-lt"/>
-          <a:ea typeface="+mn-ea"/>
+          <a:ea typeface="メイリオ" panose="020B0604030504040204" pitchFamily="50" charset="-128"/>
           <a:cs typeface="+mn-cs"/>
         </a:defRPr>
       </a:lvl4pPr>
@@ -14510,7 +14521,7 @@
             <a:schemeClr val="tx1"/>
           </a:solidFill>
           <a:latin typeface="+mn-lt"/>
-          <a:ea typeface="+mn-ea"/>
+          <a:ea typeface="メイリオ" panose="020B0604030504040204" pitchFamily="50" charset="-128"/>
           <a:cs typeface="+mn-cs"/>
         </a:defRPr>
       </a:lvl5pPr>
@@ -14786,8 +14797,8 @@
           <a:lstStyle/>
           <a:p>
             <a:r>
-              <a:rPr lang="ja-JP" altLang="en-US" dirty="0"/>
-              <a:t>アジャイル開発が提供する価値</a:t>
+              <a:rPr lang="ja-JP" altLang="en-US" dirty="0" smtClean="0"/>
+              <a:t>ソフトウェアの価値</a:t>
             </a:r>
             <a:endParaRPr kumimoji="1" lang="ja-JP" altLang="en-US" dirty="0"/>
           </a:p>
@@ -14810,18 +14821,18 @@
           <a:p>
             <a:r>
               <a:rPr lang="ja-JP" altLang="en-US" dirty="0"/>
-              <a:t>変化に適応</a:t>
+              <a:t>顧客視点＞課題を解決し、利益を</a:t>
             </a:r>
             <a:r>
               <a:rPr lang="ja-JP" altLang="en-US" dirty="0" smtClean="0"/>
-              <a:t>する</a:t>
+              <a:t>得る</a:t>
             </a:r>
             <a:endParaRPr lang="en-US" altLang="ja-JP" dirty="0" smtClean="0"/>
           </a:p>
           <a:p>
             <a:r>
               <a:rPr lang="ja-JP" altLang="en-US" dirty="0"/>
-              <a:t>リスクの軽減</a:t>
+              <a:t>開発視点＞生きるための糧</a:t>
             </a:r>
             <a:endParaRPr kumimoji="1" lang="ja-JP" altLang="en-US" dirty="0"/>
           </a:p>
@@ -14830,7 +14841,7 @@
     </p:spTree>
     <p:extLst>
       <p:ext uri="{BB962C8B-B14F-4D97-AF65-F5344CB8AC3E}">
-        <p14:creationId xmlns:p14="http://schemas.microsoft.com/office/powerpoint/2010/main" val="3070162106"/>
+        <p14:creationId xmlns:p14="http://schemas.microsoft.com/office/powerpoint/2010/main" val="4137240352"/>
       </p:ext>
     </p:extLst>
   </p:cSld>
@@ -14877,13 +14888,13 @@
         <p:spPr/>
         <p:txBody>
           <a:bodyPr>
-            <a:normAutofit/>
+            <a:normAutofit fontScale="90000"/>
           </a:bodyPr>
           <a:lstStyle/>
           <a:p>
             <a:r>
-              <a:rPr lang="ja-JP" altLang="en-US" b="1" dirty="0" smtClean="0"/>
-              <a:t>アジャイルソフトウェア開発宣言</a:t>
+              <a:rPr lang="ja-JP" altLang="en-US" dirty="0"/>
+              <a:t>ウォーターフォール開発が提供する価値</a:t>
             </a:r>
             <a:endParaRPr kumimoji="1" lang="ja-JP" altLang="en-US" dirty="0"/>
           </a:p>
@@ -14891,361 +14902,57 @@
       </p:sp>
       <p:sp>
         <p:nvSpPr>
-          <p:cNvPr id="5" name="Text Box 9"/>
-          <p:cNvSpPr txBox="1">
-            <a:spLocks noChangeArrowheads="1"/>
+          <p:cNvPr id="3" name="コンテンツ プレースホルダー 2"/>
+          <p:cNvSpPr>
+            <a:spLocks noGrp="1"/>
           </p:cNvSpPr>
-          <p:nvPr/>
+          <p:nvPr>
+            <p:ph idx="1"/>
+          </p:nvPr>
         </p:nvSpPr>
-        <p:spPr bwMode="auto">
-          <a:xfrm>
-            <a:off x="1985410" y="1692914"/>
-            <a:ext cx="4934174" cy="1421928"/>
-          </a:xfrm>
-          <a:prstGeom prst="rect">
-            <a:avLst/>
-          </a:prstGeom>
-          <a:noFill/>
-          <a:ln>
-            <a:noFill/>
-          </a:ln>
-          <a:effectLst/>
-          <a:extLst>
-            <a:ext uri="{909E8E84-426E-40DD-AFC4-6F175D3DCCD1}">
-              <a14:hiddenFill xmlns:a14="http://schemas.microsoft.com/office/drawing/2010/main">
-                <a:solidFill>
-                  <a:schemeClr val="accent1"/>
-                </a:solidFill>
-              </a14:hiddenFill>
-            </a:ext>
-            <a:ext uri="{91240B29-F687-4F45-9708-019B960494DF}">
-              <a14:hiddenLine xmlns:a14="http://schemas.microsoft.com/office/drawing/2010/main" w="9525">
-                <a:solidFill>
-                  <a:schemeClr val="tx1"/>
-                </a:solidFill>
-                <a:miter lim="800000"/>
-                <a:headEnd/>
-                <a:tailEnd/>
-              </a14:hiddenLine>
-            </a:ext>
-            <a:ext uri="{AF507438-7753-43E0-B8FC-AC1667EBCBE1}">
-              <a14:hiddenEffects xmlns:a14="http://schemas.microsoft.com/office/drawing/2010/main">
-                <a:effectLst>
-                  <a:outerShdw dist="35921" dir="2700000" algn="ctr" rotWithShape="0">
-                    <a:schemeClr val="bg2"/>
-                  </a:outerShdw>
-                </a:effectLst>
-              </a14:hiddenEffects>
-            </a:ext>
-          </a:extLst>
-        </p:spPr>
+        <p:spPr/>
         <p:txBody>
-          <a:bodyPr wrap="square">
-            <a:spAutoFit/>
-          </a:bodyPr>
+          <a:bodyPr/>
           <a:lstStyle/>
           <a:p>
-            <a:pPr algn="ctr">
-              <a:lnSpc>
-                <a:spcPct val="120000"/>
-              </a:lnSpc>
-            </a:pPr>
-            <a:r>
-              <a:rPr lang="ja-JP" altLang="en-US" b="1" dirty="0">
-                <a:effectLst/>
-              </a:rPr>
-              <a:t>私たちは、ソフトウェア開発の実践</a:t>
-            </a:r>
-            <a:br>
-              <a:rPr lang="ja-JP" altLang="en-US" b="1" dirty="0">
-                <a:effectLst/>
-              </a:rPr>
-            </a:br>
-            <a:r>
-              <a:rPr lang="ja-JP" altLang="en-US" b="1" dirty="0">
-                <a:effectLst/>
-              </a:rPr>
-              <a:t>あるいは実践を手助けする活動を通じて、</a:t>
-            </a:r>
-            <a:br>
-              <a:rPr lang="ja-JP" altLang="en-US" b="1" dirty="0">
-                <a:effectLst/>
-              </a:rPr>
-            </a:br>
-            <a:r>
-              <a:rPr lang="ja-JP" altLang="en-US" b="1" dirty="0">
-                <a:effectLst/>
-              </a:rPr>
-              <a:t>よりよい開発方法を見つけ出そうとしている。</a:t>
-            </a:r>
-            <a:br>
-              <a:rPr lang="ja-JP" altLang="en-US" b="1" dirty="0">
-                <a:effectLst/>
-              </a:rPr>
-            </a:br>
-            <a:r>
-              <a:rPr lang="ja-JP" altLang="en-US" b="1" dirty="0">
-                <a:effectLst/>
-              </a:rPr>
-              <a:t>この活動を通して、私たちは以下の価値に至った。</a:t>
-            </a:r>
-          </a:p>
-        </p:txBody>
-      </p:sp>
-      <p:sp>
-        <p:nvSpPr>
-          <p:cNvPr id="6" name="Text Box 10"/>
-          <p:cNvSpPr txBox="1">
-            <a:spLocks noChangeArrowheads="1"/>
-          </p:cNvSpPr>
-          <p:nvPr/>
-        </p:nvSpPr>
-        <p:spPr bwMode="auto">
-          <a:xfrm>
-            <a:off x="2130112" y="3475209"/>
-            <a:ext cx="4549839" cy="1865126"/>
-          </a:xfrm>
-          <a:prstGeom prst="rect">
-            <a:avLst/>
-          </a:prstGeom>
-          <a:noFill/>
-          <a:ln>
-            <a:noFill/>
-          </a:ln>
-          <a:effectLst/>
-          <a:extLst>
-            <a:ext uri="{909E8E84-426E-40DD-AFC4-6F175D3DCCD1}">
-              <a14:hiddenFill xmlns:a14="http://schemas.microsoft.com/office/drawing/2010/main">
-                <a:solidFill>
-                  <a:schemeClr val="accent1"/>
-                </a:solidFill>
-              </a14:hiddenFill>
-            </a:ext>
-            <a:ext uri="{91240B29-F687-4F45-9708-019B960494DF}">
-              <a14:hiddenLine xmlns:a14="http://schemas.microsoft.com/office/drawing/2010/main" w="9525">
-                <a:solidFill>
-                  <a:schemeClr val="tx1"/>
-                </a:solidFill>
-                <a:miter lim="800000"/>
-                <a:headEnd/>
-                <a:tailEnd/>
-              </a14:hiddenLine>
-            </a:ext>
-            <a:ext uri="{AF507438-7753-43E0-B8FC-AC1667EBCBE1}">
-              <a14:hiddenEffects xmlns:a14="http://schemas.microsoft.com/office/drawing/2010/main">
-                <a:effectLst>
-                  <a:outerShdw dist="35921" dir="2700000" algn="ctr" rotWithShape="0">
-                    <a:schemeClr val="bg2"/>
-                  </a:outerShdw>
-                </a:effectLst>
-              </a14:hiddenEffects>
-            </a:ext>
-          </a:extLst>
-        </p:spPr>
-        <p:txBody>
-          <a:bodyPr wrap="square">
-            <a:spAutoFit/>
-          </a:bodyPr>
-          <a:lstStyle/>
-          <a:p>
-            <a:pPr algn="ctr">
-              <a:lnSpc>
-                <a:spcPct val="120000"/>
-              </a:lnSpc>
-            </a:pPr>
-            <a:r>
-              <a:rPr lang="ja-JP" altLang="en-US" sz="1200" b="1" dirty="0">
-                <a:effectLst/>
-              </a:rPr>
-              <a:t>プロセスやツールよりも</a:t>
-            </a:r>
-            <a:r>
-              <a:rPr lang="ja-JP" altLang="en-US" sz="2400" b="1" dirty="0">
-                <a:effectLst/>
-              </a:rPr>
-              <a:t>個人と対話</a:t>
-            </a:r>
-            <a:r>
-              <a:rPr lang="ja-JP" altLang="en-US" sz="1200" b="1" dirty="0">
-                <a:effectLst/>
-              </a:rPr>
-              <a:t>を、</a:t>
-            </a:r>
-            <a:r>
-              <a:rPr lang="ja-JP" altLang="en-US" b="1" dirty="0">
-                <a:effectLst/>
-              </a:rPr>
-              <a:t/>
-            </a:r>
-            <a:br>
-              <a:rPr lang="ja-JP" altLang="en-US" b="1" dirty="0">
-                <a:effectLst/>
-              </a:rPr>
-            </a:br>
-            <a:r>
-              <a:rPr lang="ja-JP" altLang="en-US" sz="1200" b="1" dirty="0">
-                <a:effectLst/>
-              </a:rPr>
-              <a:t>包括的なドキュメントよりも</a:t>
-            </a:r>
-            <a:r>
-              <a:rPr lang="ja-JP" altLang="en-US" sz="2400" b="1" dirty="0">
-                <a:effectLst/>
-              </a:rPr>
-              <a:t>動くソフトウェア</a:t>
-            </a:r>
-            <a:r>
-              <a:rPr lang="ja-JP" altLang="en-US" sz="1200" b="1" dirty="0">
-                <a:effectLst/>
-              </a:rPr>
-              <a:t>を、</a:t>
-            </a:r>
-            <a:r>
-              <a:rPr lang="ja-JP" altLang="en-US" sz="2400" b="1" dirty="0">
-                <a:effectLst/>
-              </a:rPr>
-              <a:t/>
-            </a:r>
-            <a:br>
-              <a:rPr lang="ja-JP" altLang="en-US" sz="2400" b="1" dirty="0">
-                <a:effectLst/>
-              </a:rPr>
-            </a:br>
-            <a:r>
-              <a:rPr lang="ja-JP" altLang="en-US" sz="1200" b="1" dirty="0">
-                <a:effectLst/>
-              </a:rPr>
-              <a:t>契約交渉よりも</a:t>
-            </a:r>
-            <a:r>
-              <a:rPr lang="ja-JP" altLang="en-US" sz="2400" b="1" dirty="0">
-                <a:effectLst/>
-              </a:rPr>
-              <a:t>顧客との協調</a:t>
-            </a:r>
-            <a:r>
-              <a:rPr lang="ja-JP" altLang="en-US" sz="1200" b="1" dirty="0">
-                <a:effectLst/>
-              </a:rPr>
-              <a:t>を、</a:t>
-            </a:r>
-            <a:r>
-              <a:rPr lang="ja-JP" altLang="en-US" sz="2400" b="1" dirty="0">
-                <a:effectLst/>
-              </a:rPr>
-              <a:t/>
-            </a:r>
-            <a:br>
-              <a:rPr lang="ja-JP" altLang="en-US" sz="2400" b="1" dirty="0">
-                <a:effectLst/>
-              </a:rPr>
-            </a:br>
-            <a:r>
-              <a:rPr lang="ja-JP" altLang="en-US" sz="1200" b="1" dirty="0">
-                <a:effectLst/>
-              </a:rPr>
-              <a:t>計画に従うことよりも</a:t>
-            </a:r>
-            <a:r>
-              <a:rPr lang="ja-JP" altLang="en-US" sz="2400" b="1" dirty="0">
-                <a:effectLst/>
-              </a:rPr>
-              <a:t>変化への対応</a:t>
-            </a:r>
-            <a:r>
-              <a:rPr lang="ja-JP" altLang="en-US" sz="1200" b="1" dirty="0">
-                <a:effectLst/>
-              </a:rPr>
-              <a:t>を、</a:t>
-            </a:r>
-          </a:p>
-        </p:txBody>
-      </p:sp>
-      <p:sp>
-        <p:nvSpPr>
-          <p:cNvPr id="7" name="Text Box 11"/>
-          <p:cNvSpPr txBox="1">
-            <a:spLocks noChangeArrowheads="1"/>
-          </p:cNvSpPr>
-          <p:nvPr/>
-        </p:nvSpPr>
-        <p:spPr bwMode="auto">
-          <a:xfrm>
-            <a:off x="1284145" y="5427614"/>
-            <a:ext cx="6336704" cy="757130"/>
-          </a:xfrm>
-          <a:prstGeom prst="rect">
-            <a:avLst/>
-          </a:prstGeom>
-          <a:noFill/>
-          <a:ln>
-            <a:noFill/>
-          </a:ln>
-          <a:effectLst/>
-          <a:extLst>
-            <a:ext uri="{909E8E84-426E-40DD-AFC4-6F175D3DCCD1}">
-              <a14:hiddenFill xmlns:a14="http://schemas.microsoft.com/office/drawing/2010/main">
-                <a:solidFill>
-                  <a:schemeClr val="accent1"/>
-                </a:solidFill>
-              </a14:hiddenFill>
-            </a:ext>
-            <a:ext uri="{91240B29-F687-4F45-9708-019B960494DF}">
-              <a14:hiddenLine xmlns:a14="http://schemas.microsoft.com/office/drawing/2010/main" w="9525">
-                <a:solidFill>
-                  <a:schemeClr val="tx1"/>
-                </a:solidFill>
-                <a:miter lim="800000"/>
-                <a:headEnd/>
-                <a:tailEnd/>
-              </a14:hiddenLine>
-            </a:ext>
-            <a:ext uri="{AF507438-7753-43E0-B8FC-AC1667EBCBE1}">
-              <a14:hiddenEffects xmlns:a14="http://schemas.microsoft.com/office/drawing/2010/main">
-                <a:effectLst>
-                  <a:outerShdw dist="35921" dir="2700000" algn="ctr" rotWithShape="0">
-                    <a:schemeClr val="bg2"/>
-                  </a:outerShdw>
-                </a:effectLst>
-              </a14:hiddenEffects>
-            </a:ext>
-          </a:extLst>
-        </p:spPr>
-        <p:txBody>
-          <a:bodyPr wrap="square">
-            <a:spAutoFit/>
-          </a:bodyPr>
-          <a:lstStyle/>
-          <a:p>
-            <a:pPr algn="ctr">
-              <a:lnSpc>
-                <a:spcPct val="120000"/>
-              </a:lnSpc>
-            </a:pPr>
-            <a:r>
-              <a:rPr lang="ja-JP" altLang="en-US" b="1" dirty="0">
-                <a:effectLst/>
-              </a:rPr>
-              <a:t>価値とする。すなわち、左記のことがらに価値があることを</a:t>
-            </a:r>
-            <a:br>
-              <a:rPr lang="ja-JP" altLang="en-US" b="1" dirty="0">
-                <a:effectLst/>
-              </a:rPr>
-            </a:br>
-            <a:r>
-              <a:rPr lang="ja-JP" altLang="en-US" b="1" dirty="0">
-                <a:effectLst/>
-              </a:rPr>
-              <a:t>認めながらも、私たちは右記のことがらにより価値を置く。</a:t>
-            </a:r>
+            <a:r>
+              <a:rPr lang="ja-JP" altLang="en-US" dirty="0" smtClean="0"/>
+              <a:t>計画</a:t>
+            </a:r>
+            <a:r>
+              <a:rPr lang="ja-JP" altLang="en-US" dirty="0"/>
+              <a:t>を重視</a:t>
+            </a:r>
+          </a:p>
+          <a:p>
+            <a:r>
+              <a:rPr lang="ja-JP" altLang="en-US" dirty="0" smtClean="0"/>
+              <a:t>工程</a:t>
+            </a:r>
+            <a:r>
+              <a:rPr lang="ja-JP" altLang="en-US" dirty="0"/>
+              <a:t>管理がしやすい</a:t>
+            </a:r>
+          </a:p>
+          <a:p>
+            <a:r>
+              <a:rPr lang="ja-JP" altLang="en-US" dirty="0" smtClean="0"/>
+              <a:t>リリース</a:t>
+            </a:r>
+            <a:r>
+              <a:rPr lang="ja-JP" altLang="en-US" dirty="0"/>
+              <a:t>直後に得られるベネフィットの最大化</a:t>
+            </a:r>
+          </a:p>
+          <a:p>
+            <a:endParaRPr kumimoji="1" lang="ja-JP" altLang="en-US" dirty="0"/>
           </a:p>
         </p:txBody>
       </p:sp>
     </p:spTree>
     <p:extLst>
       <p:ext uri="{BB962C8B-B14F-4D97-AF65-F5344CB8AC3E}">
-        <p14:creationId xmlns:p14="http://schemas.microsoft.com/office/powerpoint/2010/main" val="3897593081"/>
+        <p14:creationId xmlns:p14="http://schemas.microsoft.com/office/powerpoint/2010/main" val="2209061038"/>
       </p:ext>
     </p:extLst>
   </p:cSld>
@@ -15295,6 +15002,100 @@
           <a:lstStyle/>
           <a:p>
             <a:r>
+              <a:rPr lang="ja-JP" altLang="en-US" dirty="0"/>
+              <a:t>アジャイル開発が提供する価値</a:t>
+            </a:r>
+            <a:endParaRPr kumimoji="1" lang="ja-JP" altLang="en-US" dirty="0"/>
+          </a:p>
+        </p:txBody>
+      </p:sp>
+      <p:sp>
+        <p:nvSpPr>
+          <p:cNvPr id="3" name="コンテンツ プレースホルダー 2"/>
+          <p:cNvSpPr>
+            <a:spLocks noGrp="1"/>
+          </p:cNvSpPr>
+          <p:nvPr>
+            <p:ph idx="1"/>
+          </p:nvPr>
+        </p:nvSpPr>
+        <p:spPr/>
+        <p:txBody>
+          <a:bodyPr/>
+          <a:lstStyle/>
+          <a:p>
+            <a:r>
+              <a:rPr lang="ja-JP" altLang="en-US" dirty="0"/>
+              <a:t>変化に適応</a:t>
+            </a:r>
+            <a:r>
+              <a:rPr lang="ja-JP" altLang="en-US" dirty="0" smtClean="0"/>
+              <a:t>する</a:t>
+            </a:r>
+            <a:endParaRPr lang="en-US" altLang="ja-JP" dirty="0" smtClean="0"/>
+          </a:p>
+          <a:p>
+            <a:r>
+              <a:rPr lang="ja-JP" altLang="en-US" dirty="0"/>
+              <a:t>リスクの軽減</a:t>
+            </a:r>
+            <a:endParaRPr kumimoji="1" lang="ja-JP" altLang="en-US" dirty="0"/>
+          </a:p>
+        </p:txBody>
+      </p:sp>
+    </p:spTree>
+    <p:extLst>
+      <p:ext uri="{BB962C8B-B14F-4D97-AF65-F5344CB8AC3E}">
+        <p14:creationId xmlns:p14="http://schemas.microsoft.com/office/powerpoint/2010/main" val="3070162106"/>
+      </p:ext>
+    </p:extLst>
+  </p:cSld>
+  <p:clrMapOvr>
+    <a:masterClrMapping/>
+  </p:clrMapOvr>
+  <p:timing>
+    <p:tnLst>
+      <p:par>
+        <p:cTn id="1" dur="indefinite" restart="never" nodeType="tmRoot"/>
+      </p:par>
+    </p:tnLst>
+  </p:timing>
+</p:sld>
+</file>
+
+<file path=ppt/slides/slide13.xml><?xml version="1.0" encoding="utf-8"?>
+<p:sld xmlns:a="http://schemas.openxmlformats.org/drawingml/2006/main" xmlns:r="http://schemas.openxmlformats.org/officeDocument/2006/relationships" xmlns:p="http://schemas.openxmlformats.org/presentationml/2006/main">
+  <p:cSld>
+    <p:spTree>
+      <p:nvGrpSpPr>
+        <p:cNvPr id="1" name=""/>
+        <p:cNvGrpSpPr/>
+        <p:nvPr/>
+      </p:nvGrpSpPr>
+      <p:grpSpPr>
+        <a:xfrm>
+          <a:off x="0" y="0"/>
+          <a:ext cx="0" cy="0"/>
+          <a:chOff x="0" y="0"/>
+          <a:chExt cx="0" cy="0"/>
+        </a:xfrm>
+      </p:grpSpPr>
+      <p:sp>
+        <p:nvSpPr>
+          <p:cNvPr id="2" name="タイトル 1"/>
+          <p:cNvSpPr>
+            <a:spLocks noGrp="1"/>
+          </p:cNvSpPr>
+          <p:nvPr>
+            <p:ph type="title"/>
+          </p:nvPr>
+        </p:nvSpPr>
+        <p:spPr/>
+        <p:txBody>
+          <a:bodyPr/>
+          <a:lstStyle/>
+          <a:p>
+            <a:r>
               <a:rPr lang="en-US" altLang="ja-JP" dirty="0" smtClean="0"/>
               <a:t>Agile</a:t>
             </a:r>
@@ -15365,7 +15166,7 @@
 </p:sld>
 </file>
 
-<file path=ppt/slides/slide13.xml><?xml version="1.0" encoding="utf-8"?>
+<file path=ppt/slides/slide14.xml><?xml version="1.0" encoding="utf-8"?>
 <p:sld xmlns:a="http://schemas.openxmlformats.org/drawingml/2006/main" xmlns:r="http://schemas.openxmlformats.org/officeDocument/2006/relationships" xmlns:p="http://schemas.openxmlformats.org/presentationml/2006/main">
   <p:cSld>
     <p:spTree>
@@ -15454,7 +15255,7 @@
         </p:nvSpPr>
         <p:spPr>
           <a:xfrm>
-            <a:off x="5025411" y="6415683"/>
+            <a:off x="5025411" y="6488668"/>
             <a:ext cx="4120295" cy="369332"/>
           </a:xfrm>
           <a:prstGeom prst="rect">
@@ -15468,10 +15269,14 @@
           <a:lstStyle/>
           <a:p>
             <a:r>
-              <a:rPr lang="en-US" altLang="ja-JP" dirty="0"/>
+              <a:rPr lang="en-US" altLang="ja-JP" dirty="0">
+                <a:ea typeface="メイリオ" panose="020B0604030504040204" pitchFamily="50" charset="-128"/>
+              </a:rPr>
               <a:t>https://www.flickr.com/photos/cpeacock/</a:t>
             </a:r>
-            <a:endParaRPr lang="ja-JP" altLang="en-US" dirty="0"/>
+            <a:endParaRPr lang="ja-JP" altLang="en-US" dirty="0">
+              <a:ea typeface="メイリオ" panose="020B0604030504040204" pitchFamily="50" charset="-128"/>
+            </a:endParaRPr>
           </a:p>
         </p:txBody>
       </p:sp>
@@ -15495,7 +15300,7 @@
 </p:sld>
 </file>
 
-<file path=ppt/slides/slide14.xml><?xml version="1.0" encoding="utf-8"?>
+<file path=ppt/slides/slide15.xml><?xml version="1.0" encoding="utf-8"?>
 <p:sld xmlns:a="http://schemas.openxmlformats.org/drawingml/2006/main" xmlns:r="http://schemas.openxmlformats.org/officeDocument/2006/relationships" xmlns:p="http://schemas.openxmlformats.org/presentationml/2006/main">
   <p:cSld>
     <p:spTree>
@@ -15592,10 +15397,14 @@
           <a:lstStyle/>
           <a:p>
             <a:r>
-              <a:rPr lang="en-US" altLang="ja-JP" dirty="0"/>
+              <a:rPr lang="en-US" altLang="ja-JP" dirty="0">
+                <a:ea typeface="メイリオ" panose="020B0604030504040204" pitchFamily="50" charset="-128"/>
+              </a:rPr>
               <a:t>https://www.flickr.com/photos/caterhamf1/</a:t>
             </a:r>
-            <a:endParaRPr lang="ja-JP" altLang="en-US" dirty="0"/>
+            <a:endParaRPr lang="ja-JP" altLang="en-US" dirty="0">
+              <a:ea typeface="メイリオ" panose="020B0604030504040204" pitchFamily="50" charset="-128"/>
+            </a:endParaRPr>
           </a:p>
         </p:txBody>
       </p:sp>
@@ -15642,7 +15451,7 @@
 </p:sld>
 </file>
 
-<file path=ppt/slides/slide15.xml><?xml version="1.0" encoding="utf-8"?>
+<file path=ppt/slides/slide16.xml><?xml version="1.0" encoding="utf-8"?>
 <p:sld xmlns:a="http://schemas.openxmlformats.org/drawingml/2006/main" xmlns:r="http://schemas.openxmlformats.org/officeDocument/2006/relationships" xmlns:p="http://schemas.openxmlformats.org/presentationml/2006/main">
   <p:cSld>
     <p:spTree>
@@ -15752,7 +15561,9 @@
             <a:lstStyle/>
             <a:p>
               <a:pPr algn="ctr"/>
-              <a:endParaRPr kumimoji="1" lang="ja-JP" altLang="en-US"/>
+              <a:endParaRPr kumimoji="1" lang="ja-JP" altLang="en-US" dirty="0">
+                <a:ea typeface="メイリオ" panose="020B0604030504040204" pitchFamily="50" charset="-128"/>
+              </a:endParaRPr>
             </a:p>
           </p:txBody>
         </p:sp>
@@ -15801,7 +15612,9 @@
             <a:lstStyle/>
             <a:p>
               <a:pPr algn="ctr"/>
-              <a:endParaRPr kumimoji="1" lang="ja-JP" altLang="en-US"/>
+              <a:endParaRPr kumimoji="1" lang="ja-JP" altLang="en-US" dirty="0">
+                <a:ea typeface="メイリオ" panose="020B0604030504040204" pitchFamily="50" charset="-128"/>
+              </a:endParaRPr>
             </a:p>
           </p:txBody>
         </p:sp>
@@ -15853,7 +15666,9 @@
             <a:lstStyle/>
             <a:p>
               <a:pPr algn="ctr"/>
-              <a:endParaRPr kumimoji="1" lang="ja-JP" altLang="en-US"/>
+              <a:endParaRPr kumimoji="1" lang="ja-JP" altLang="en-US" dirty="0">
+                <a:ea typeface="メイリオ" panose="020B0604030504040204" pitchFamily="50" charset="-128"/>
+              </a:endParaRPr>
             </a:p>
           </p:txBody>
         </p:sp>
@@ -15902,7 +15717,9 @@
             <a:lstStyle/>
             <a:p>
               <a:pPr algn="ctr"/>
-              <a:endParaRPr kumimoji="1" lang="ja-JP" altLang="en-US"/>
+              <a:endParaRPr kumimoji="1" lang="ja-JP" altLang="en-US" dirty="0">
+                <a:ea typeface="メイリオ" panose="020B0604030504040204" pitchFamily="50" charset="-128"/>
+              </a:endParaRPr>
             </a:p>
           </p:txBody>
         </p:sp>
@@ -15916,7 +15733,7 @@
         <p:spPr>
           <a:xfrm>
             <a:off x="6181081" y="3140968"/>
-            <a:ext cx="1027539" cy="369332"/>
+            <a:ext cx="1027539" cy="646331"/>
           </a:xfrm>
           <a:prstGeom prst="rect">
             <a:avLst/>
@@ -15930,10 +15747,14 @@
           <a:lstStyle/>
           <a:p>
             <a:r>
-              <a:rPr kumimoji="1" lang="ja-JP" altLang="en-US" dirty="0" smtClean="0"/>
+              <a:rPr kumimoji="1" lang="ja-JP" altLang="en-US" dirty="0" smtClean="0">
+                <a:ea typeface="メイリオ" panose="020B0604030504040204" pitchFamily="50" charset="-128"/>
+              </a:rPr>
               <a:t>ビジネス</a:t>
             </a:r>
-            <a:endParaRPr kumimoji="1" lang="ja-JP" altLang="en-US" dirty="0"/>
+            <a:endParaRPr kumimoji="1" lang="ja-JP" altLang="en-US" dirty="0">
+              <a:ea typeface="メイリオ" panose="020B0604030504040204" pitchFamily="50" charset="-128"/>
+            </a:endParaRPr>
           </a:p>
         </p:txBody>
       </p:sp>
@@ -15960,10 +15781,14 @@
           <a:lstStyle/>
           <a:p>
             <a:r>
-              <a:rPr kumimoji="1" lang="en-US" altLang="ja-JP" dirty="0" smtClean="0"/>
+              <a:rPr kumimoji="1" lang="en-US" altLang="ja-JP" dirty="0" smtClean="0">
+                <a:ea typeface="メイリオ" panose="020B0604030504040204" pitchFamily="50" charset="-128"/>
+              </a:rPr>
               <a:t>IT</a:t>
             </a:r>
-            <a:endParaRPr kumimoji="1" lang="ja-JP" altLang="en-US" dirty="0"/>
+            <a:endParaRPr kumimoji="1" lang="ja-JP" altLang="en-US" dirty="0">
+              <a:ea typeface="メイリオ" panose="020B0604030504040204" pitchFamily="50" charset="-128"/>
+            </a:endParaRPr>
           </a:p>
         </p:txBody>
       </p:sp>
@@ -16026,7 +15851,9 @@
             <a:lstStyle/>
             <a:p>
               <a:pPr algn="ctr"/>
-              <a:endParaRPr kumimoji="1" lang="ja-JP" altLang="en-US"/>
+              <a:endParaRPr kumimoji="1" lang="ja-JP" altLang="en-US" dirty="0">
+                <a:ea typeface="メイリオ" panose="020B0604030504040204" pitchFamily="50" charset="-128"/>
+              </a:endParaRPr>
             </a:p>
           </p:txBody>
         </p:sp>
@@ -16078,7 +15905,9 @@
             <a:lstStyle/>
             <a:p>
               <a:pPr algn="ctr"/>
-              <a:endParaRPr kumimoji="1" lang="ja-JP" altLang="en-US"/>
+              <a:endParaRPr kumimoji="1" lang="ja-JP" altLang="en-US" dirty="0">
+                <a:ea typeface="メイリオ" panose="020B0604030504040204" pitchFamily="50" charset="-128"/>
+              </a:endParaRPr>
             </a:p>
           </p:txBody>
         </p:sp>
@@ -16091,7 +15920,7 @@
           <p:spPr>
             <a:xfrm>
               <a:off x="971600" y="3975394"/>
-              <a:ext cx="1027539" cy="369332"/>
+              <a:ext cx="1027539" cy="646331"/>
             </a:xfrm>
             <a:prstGeom prst="rect">
               <a:avLst/>
@@ -16105,10 +15934,14 @@
             <a:lstStyle/>
             <a:p>
               <a:r>
-                <a:rPr kumimoji="1" lang="ja-JP" altLang="en-US" dirty="0" smtClean="0"/>
+                <a:rPr kumimoji="1" lang="ja-JP" altLang="en-US" dirty="0" smtClean="0">
+                  <a:ea typeface="メイリオ" panose="020B0604030504040204" pitchFamily="50" charset="-128"/>
+                </a:rPr>
                 <a:t>ビジネス</a:t>
               </a:r>
-              <a:endParaRPr kumimoji="1" lang="ja-JP" altLang="en-US" dirty="0"/>
+              <a:endParaRPr kumimoji="1" lang="ja-JP" altLang="en-US" dirty="0">
+                <a:ea typeface="メイリオ" panose="020B0604030504040204" pitchFamily="50" charset="-128"/>
+              </a:endParaRPr>
             </a:p>
           </p:txBody>
         </p:sp>
@@ -16135,10 +15968,14 @@
             <a:lstStyle/>
             <a:p>
               <a:r>
-                <a:rPr kumimoji="1" lang="en-US" altLang="ja-JP" dirty="0" smtClean="0"/>
+                <a:rPr kumimoji="1" lang="en-US" altLang="ja-JP" dirty="0" smtClean="0">
+                  <a:ea typeface="メイリオ" panose="020B0604030504040204" pitchFamily="50" charset="-128"/>
+                </a:rPr>
                 <a:t>IT</a:t>
               </a:r>
-              <a:endParaRPr kumimoji="1" lang="ja-JP" altLang="en-US" dirty="0"/>
+              <a:endParaRPr kumimoji="1" lang="ja-JP" altLang="en-US" dirty="0">
+                <a:ea typeface="メイリオ" panose="020B0604030504040204" pitchFamily="50" charset="-128"/>
+              </a:endParaRPr>
             </a:p>
           </p:txBody>
         </p:sp>
@@ -16179,7 +16016,9 @@
           <a:lstStyle/>
           <a:p>
             <a:pPr algn="ctr"/>
-            <a:endParaRPr kumimoji="1" lang="ja-JP" altLang="en-US"/>
+            <a:endParaRPr kumimoji="1" lang="ja-JP" altLang="en-US" dirty="0">
+              <a:ea typeface="メイリオ" panose="020B0604030504040204" pitchFamily="50" charset="-128"/>
+            </a:endParaRPr>
           </a:p>
         </p:txBody>
       </p:sp>
@@ -16203,7 +16042,7 @@
 </p:sld>
 </file>
 
-<file path=ppt/slides/slide16.xml><?xml version="1.0" encoding="utf-8"?>
+<file path=ppt/slides/slide17.xml><?xml version="1.0" encoding="utf-8"?>
 <p:sld xmlns:a="http://schemas.openxmlformats.org/drawingml/2006/main" xmlns:r="http://schemas.openxmlformats.org/officeDocument/2006/relationships" xmlns:p="http://schemas.openxmlformats.org/presentationml/2006/main">
   <p:cSld>
     <p:spTree>
@@ -16291,10 +16130,14 @@
           <a:lstStyle/>
           <a:p>
             <a:r>
-              <a:rPr kumimoji="1" lang="ja-JP" altLang="en-US" dirty="0" smtClean="0"/>
+              <a:rPr kumimoji="1" lang="ja-JP" altLang="en-US" dirty="0" smtClean="0">
+                <a:ea typeface="メイリオ" panose="020B0604030504040204" pitchFamily="50" charset="-128"/>
+              </a:rPr>
               <a:t>システム</a:t>
             </a:r>
-            <a:endParaRPr kumimoji="1" lang="ja-JP" altLang="en-US" dirty="0"/>
+            <a:endParaRPr kumimoji="1" lang="ja-JP" altLang="en-US" dirty="0">
+              <a:ea typeface="メイリオ" panose="020B0604030504040204" pitchFamily="50" charset="-128"/>
+            </a:endParaRPr>
           </a:p>
         </p:txBody>
       </p:sp>
@@ -16318,7 +16161,7 @@
 </p:sld>
 </file>
 
-<file path=ppt/slides/slide17.xml><?xml version="1.0" encoding="utf-8"?>
+<file path=ppt/slides/slide18.xml><?xml version="1.0" encoding="utf-8"?>
 <p:sld xmlns:a="http://schemas.openxmlformats.org/drawingml/2006/main" xmlns:r="http://schemas.openxmlformats.org/officeDocument/2006/relationships" xmlns:p="http://schemas.openxmlformats.org/presentationml/2006/main">
   <p:cSld>
     <p:spTree>
@@ -16406,10 +16249,14 @@
           <a:lstStyle/>
           <a:p>
             <a:r>
-              <a:rPr kumimoji="1" lang="ja-JP" altLang="en-US" dirty="0" smtClean="0"/>
+              <a:rPr kumimoji="1" lang="ja-JP" altLang="en-US" dirty="0" smtClean="0">
+                <a:ea typeface="メイリオ" panose="020B0604030504040204" pitchFamily="50" charset="-128"/>
+              </a:rPr>
               <a:t>システムが生み出す価値</a:t>
             </a:r>
-            <a:endParaRPr kumimoji="1" lang="ja-JP" altLang="en-US" dirty="0"/>
+            <a:endParaRPr kumimoji="1" lang="ja-JP" altLang="en-US" dirty="0">
+              <a:ea typeface="メイリオ" panose="020B0604030504040204" pitchFamily="50" charset="-128"/>
+            </a:endParaRPr>
           </a:p>
         </p:txBody>
       </p:sp>
@@ -16433,7 +16280,7 @@
 </p:sld>
 </file>
 
-<file path=ppt/slides/slide18.xml><?xml version="1.0" encoding="utf-8"?>
+<file path=ppt/slides/slide19.xml><?xml version="1.0" encoding="utf-8"?>
 <p:sld xmlns:a="http://schemas.openxmlformats.org/drawingml/2006/main" xmlns:r="http://schemas.openxmlformats.org/officeDocument/2006/relationships" xmlns:p="http://schemas.openxmlformats.org/presentationml/2006/main">
   <p:cSld>
     <p:spTree>
@@ -16632,7 +16479,9 @@
           <a:lstStyle/>
           <a:p>
             <a:pPr algn="ctr"/>
-            <a:endParaRPr kumimoji="1" lang="ja-JP" altLang="en-US"/>
+            <a:endParaRPr kumimoji="1" lang="ja-JP" altLang="en-US" dirty="0">
+              <a:ea typeface="メイリオ" panose="020B0604030504040204" pitchFamily="50" charset="-128"/>
+            </a:endParaRPr>
           </a:p>
         </p:txBody>
       </p:sp>
@@ -16672,7 +16521,9 @@
           <a:lstStyle/>
           <a:p>
             <a:pPr algn="ctr"/>
-            <a:endParaRPr kumimoji="1" lang="ja-JP" altLang="en-US"/>
+            <a:endParaRPr kumimoji="1" lang="ja-JP" altLang="en-US" dirty="0">
+              <a:ea typeface="メイリオ" panose="020B0604030504040204" pitchFamily="50" charset="-128"/>
+            </a:endParaRPr>
           </a:p>
         </p:txBody>
       </p:sp>
@@ -16699,10 +16550,14 @@
           <a:lstStyle/>
           <a:p>
             <a:r>
-              <a:rPr kumimoji="1" lang="ja-JP" altLang="en-US" sz="2400" dirty="0" smtClean="0"/>
+              <a:rPr kumimoji="1" lang="ja-JP" altLang="en-US" sz="2400" dirty="0" smtClean="0">
+                <a:ea typeface="メイリオ" panose="020B0604030504040204" pitchFamily="50" charset="-128"/>
+              </a:rPr>
               <a:t>予測</a:t>
             </a:r>
-            <a:endParaRPr kumimoji="1" lang="ja-JP" altLang="en-US" sz="2400" dirty="0"/>
+            <a:endParaRPr kumimoji="1" lang="ja-JP" altLang="en-US" sz="2400" dirty="0">
+              <a:ea typeface="メイリオ" panose="020B0604030504040204" pitchFamily="50" charset="-128"/>
+            </a:endParaRPr>
           </a:p>
         </p:txBody>
       </p:sp>
@@ -16729,10 +16584,14 @@
           <a:lstStyle/>
           <a:p>
             <a:r>
-              <a:rPr kumimoji="1" lang="ja-JP" altLang="en-US" sz="2400" dirty="0" smtClean="0"/>
+              <a:rPr kumimoji="1" lang="ja-JP" altLang="en-US" sz="2400" dirty="0" smtClean="0">
+                <a:ea typeface="メイリオ" panose="020B0604030504040204" pitchFamily="50" charset="-128"/>
+              </a:rPr>
               <a:t>現実</a:t>
             </a:r>
-            <a:endParaRPr kumimoji="1" lang="ja-JP" altLang="en-US" sz="2400" dirty="0"/>
+            <a:endParaRPr kumimoji="1" lang="ja-JP" altLang="en-US" sz="2400" dirty="0">
+              <a:ea typeface="メイリオ" panose="020B0604030504040204" pitchFamily="50" charset="-128"/>
+            </a:endParaRPr>
           </a:p>
         </p:txBody>
       </p:sp>
@@ -16756,7 +16615,254 @@
 </p:sld>
 </file>
 
-<file path=ppt/slides/slide19.xml><?xml version="1.0" encoding="utf-8"?>
+<file path=ppt/slides/slide2.xml><?xml version="1.0" encoding="utf-8"?>
+<p:sld xmlns:a="http://schemas.openxmlformats.org/drawingml/2006/main" xmlns:r="http://schemas.openxmlformats.org/officeDocument/2006/relationships" xmlns:p="http://schemas.openxmlformats.org/presentationml/2006/main">
+  <p:cSld>
+    <p:spTree>
+      <p:nvGrpSpPr>
+        <p:cNvPr id="1" name=""/>
+        <p:cNvGrpSpPr/>
+        <p:nvPr/>
+      </p:nvGrpSpPr>
+      <p:grpSpPr>
+        <a:xfrm>
+          <a:off x="0" y="0"/>
+          <a:ext cx="0" cy="0"/>
+          <a:chOff x="0" y="0"/>
+          <a:chExt cx="0" cy="0"/>
+        </a:xfrm>
+      </p:grpSpPr>
+      <p:pic>
+        <p:nvPicPr>
+          <p:cNvPr id="1026" name="Picture 2" descr="C:\Users\ishii\AppData\Local\Temp\2787361337_d4331af99b_b.jpg"/>
+          <p:cNvPicPr>
+            <a:picLocks noChangeAspect="1" noChangeArrowheads="1"/>
+          </p:cNvPicPr>
+          <p:nvPr/>
+        </p:nvPicPr>
+        <p:blipFill>
+          <a:blip r:embed="rId2">
+            <a:extLst>
+              <a:ext uri="{28A0092B-C50C-407E-A947-70E740481C1C}">
+                <a14:useLocalDpi xmlns:a14="http://schemas.microsoft.com/office/drawing/2010/main" val="0"/>
+              </a:ext>
+            </a:extLst>
+          </a:blip>
+          <a:srcRect/>
+          <a:stretch>
+            <a:fillRect/>
+          </a:stretch>
+        </p:blipFill>
+        <p:spPr bwMode="auto">
+          <a:xfrm>
+            <a:off x="0" y="459879"/>
+            <a:ext cx="9144000" cy="5938242"/>
+          </a:xfrm>
+          <a:prstGeom prst="rect">
+            <a:avLst/>
+          </a:prstGeom>
+          <a:noFill/>
+          <a:extLst>
+            <a:ext uri="{909E8E84-426E-40DD-AFC4-6F175D3DCCD1}">
+              <a14:hiddenFill xmlns:a14="http://schemas.microsoft.com/office/drawing/2010/main">
+                <a:solidFill>
+                  <a:srgbClr val="FFFFFF"/>
+                </a:solidFill>
+              </a14:hiddenFill>
+            </a:ext>
+          </a:extLst>
+        </p:spPr>
+      </p:pic>
+      <p:sp>
+        <p:nvSpPr>
+          <p:cNvPr id="2" name="テキスト ボックス 1"/>
+          <p:cNvSpPr txBox="1"/>
+          <p:nvPr/>
+        </p:nvSpPr>
+        <p:spPr>
+          <a:xfrm>
+            <a:off x="323528" y="928990"/>
+            <a:ext cx="5109091" cy="584775"/>
+          </a:xfrm>
+          <a:prstGeom prst="rect">
+            <a:avLst/>
+          </a:prstGeom>
+          <a:noFill/>
+        </p:spPr>
+        <p:txBody>
+          <a:bodyPr wrap="none" rtlCol="0">
+            <a:spAutoFit/>
+          </a:bodyPr>
+          <a:lstStyle/>
+          <a:p>
+            <a:r>
+              <a:rPr kumimoji="1" lang="ja-JP" altLang="en-US" sz="3200" dirty="0" smtClean="0">
+                <a:ea typeface="メイリオ" panose="020B0604030504040204" pitchFamily="50" charset="-128"/>
+              </a:rPr>
+              <a:t>アジャイル開発ってなに？</a:t>
+            </a:r>
+            <a:endParaRPr kumimoji="1" lang="ja-JP" altLang="en-US" sz="3200" dirty="0">
+              <a:ea typeface="メイリオ" panose="020B0604030504040204" pitchFamily="50" charset="-128"/>
+            </a:endParaRPr>
+          </a:p>
+        </p:txBody>
+      </p:sp>
+      <p:sp>
+        <p:nvSpPr>
+          <p:cNvPr id="4" name="テキスト ボックス 3"/>
+          <p:cNvSpPr txBox="1"/>
+          <p:nvPr/>
+        </p:nvSpPr>
+        <p:spPr>
+          <a:xfrm>
+            <a:off x="5532114" y="1772816"/>
+            <a:ext cx="3611886" cy="584775"/>
+          </a:xfrm>
+          <a:prstGeom prst="rect">
+            <a:avLst/>
+          </a:prstGeom>
+          <a:noFill/>
+        </p:spPr>
+        <p:txBody>
+          <a:bodyPr wrap="none" rtlCol="0">
+            <a:spAutoFit/>
+          </a:bodyPr>
+          <a:lstStyle/>
+          <a:p>
+            <a:r>
+              <a:rPr lang="en-US" altLang="ja-JP" sz="3200" dirty="0" smtClean="0">
+                <a:ea typeface="メイリオ" panose="020B0604030504040204" pitchFamily="50" charset="-128"/>
+              </a:rPr>
+              <a:t>WF</a:t>
+            </a:r>
+            <a:r>
+              <a:rPr lang="ja-JP" altLang="en-US" sz="3200" dirty="0" smtClean="0">
+                <a:ea typeface="メイリオ" panose="020B0604030504040204" pitchFamily="50" charset="-128"/>
+              </a:rPr>
+              <a:t>じゃないなにか</a:t>
+            </a:r>
+            <a:endParaRPr kumimoji="1" lang="ja-JP" altLang="en-US" sz="3200" dirty="0">
+              <a:ea typeface="メイリオ" panose="020B0604030504040204" pitchFamily="50" charset="-128"/>
+            </a:endParaRPr>
+          </a:p>
+        </p:txBody>
+      </p:sp>
+      <p:sp>
+        <p:nvSpPr>
+          <p:cNvPr id="5" name="テキスト ボックス 4"/>
+          <p:cNvSpPr txBox="1"/>
+          <p:nvPr/>
+        </p:nvSpPr>
+        <p:spPr>
+          <a:xfrm>
+            <a:off x="47647" y="5813345"/>
+            <a:ext cx="6340197" cy="584775"/>
+          </a:xfrm>
+          <a:prstGeom prst="rect">
+            <a:avLst/>
+          </a:prstGeom>
+          <a:noFill/>
+        </p:spPr>
+        <p:txBody>
+          <a:bodyPr wrap="none" rtlCol="0">
+            <a:spAutoFit/>
+          </a:bodyPr>
+          <a:lstStyle/>
+          <a:p>
+            <a:r>
+              <a:rPr kumimoji="1" lang="ja-JP" altLang="en-US" sz="3200" dirty="0" smtClean="0">
+                <a:ea typeface="メイリオ" panose="020B0604030504040204" pitchFamily="50" charset="-128"/>
+              </a:rPr>
+              <a:t>「早い」「安い」「うまい」？？</a:t>
+            </a:r>
+            <a:endParaRPr kumimoji="1" lang="ja-JP" altLang="en-US" sz="3200" dirty="0">
+              <a:ea typeface="メイリオ" panose="020B0604030504040204" pitchFamily="50" charset="-128"/>
+            </a:endParaRPr>
+          </a:p>
+        </p:txBody>
+      </p:sp>
+      <p:sp>
+        <p:nvSpPr>
+          <p:cNvPr id="6" name="テキスト ボックス 5"/>
+          <p:cNvSpPr txBox="1"/>
+          <p:nvPr/>
+        </p:nvSpPr>
+        <p:spPr>
+          <a:xfrm>
+            <a:off x="179512" y="4005064"/>
+            <a:ext cx="3877985" cy="584775"/>
+          </a:xfrm>
+          <a:prstGeom prst="rect">
+            <a:avLst/>
+          </a:prstGeom>
+          <a:noFill/>
+        </p:spPr>
+        <p:txBody>
+          <a:bodyPr wrap="none" rtlCol="0">
+            <a:spAutoFit/>
+          </a:bodyPr>
+          <a:lstStyle/>
+          <a:p>
+            <a:r>
+              <a:rPr kumimoji="1" lang="ja-JP" altLang="en-US" sz="3200" dirty="0" smtClean="0">
+                <a:ea typeface="メイリオ" panose="020B0604030504040204" pitchFamily="50" charset="-128"/>
+              </a:rPr>
+              <a:t>ドキュメントいらず</a:t>
+            </a:r>
+            <a:endParaRPr kumimoji="1" lang="ja-JP" altLang="en-US" sz="3200" dirty="0">
+              <a:ea typeface="メイリオ" panose="020B0604030504040204" pitchFamily="50" charset="-128"/>
+            </a:endParaRPr>
+          </a:p>
+        </p:txBody>
+      </p:sp>
+      <p:sp>
+        <p:nvSpPr>
+          <p:cNvPr id="7" name="テキスト ボックス 6"/>
+          <p:cNvSpPr txBox="1"/>
+          <p:nvPr/>
+        </p:nvSpPr>
+        <p:spPr>
+          <a:xfrm>
+            <a:off x="6300192" y="3136612"/>
+            <a:ext cx="2646878" cy="584775"/>
+          </a:xfrm>
+          <a:prstGeom prst="rect">
+            <a:avLst/>
+          </a:prstGeom>
+          <a:noFill/>
+        </p:spPr>
+        <p:txBody>
+          <a:bodyPr wrap="none" rtlCol="0">
+            <a:spAutoFit/>
+          </a:bodyPr>
+          <a:lstStyle/>
+          <a:p>
+            <a:r>
+              <a:rPr kumimoji="1" lang="ja-JP" altLang="en-US" sz="3200" dirty="0" smtClean="0">
+                <a:ea typeface="メイリオ" panose="020B0604030504040204" pitchFamily="50" charset="-128"/>
+              </a:rPr>
+              <a:t>緩くやる感じ</a:t>
+            </a:r>
+            <a:endParaRPr kumimoji="1" lang="ja-JP" altLang="en-US" sz="3200" dirty="0">
+              <a:ea typeface="メイリオ" panose="020B0604030504040204" pitchFamily="50" charset="-128"/>
+            </a:endParaRPr>
+          </a:p>
+        </p:txBody>
+      </p:sp>
+    </p:spTree>
+    <p:extLst>
+      <p:ext uri="{BB962C8B-B14F-4D97-AF65-F5344CB8AC3E}">
+        <p14:creationId xmlns:p14="http://schemas.microsoft.com/office/powerpoint/2010/main" val="325225966"/>
+      </p:ext>
+    </p:extLst>
+  </p:cSld>
+  <p:clrMapOvr>
+    <a:masterClrMapping/>
+  </p:clrMapOvr>
+</p:sld>
+</file>
+
+<file path=ppt/slides/slide20.xml><?xml version="1.0" encoding="utf-8"?>
 <p:sld xmlns:a="http://schemas.openxmlformats.org/drawingml/2006/main" xmlns:r="http://schemas.openxmlformats.org/officeDocument/2006/relationships" xmlns:p="http://schemas.openxmlformats.org/presentationml/2006/main">
   <p:cSld>
     <p:spTree>
@@ -16910,7 +17016,9 @@
           <a:lstStyle/>
           <a:p>
             <a:pPr algn="ctr"/>
-            <a:endParaRPr kumimoji="1" lang="ja-JP" altLang="en-US"/>
+            <a:endParaRPr kumimoji="1" lang="ja-JP" altLang="en-US" dirty="0">
+              <a:ea typeface="メイリオ" panose="020B0604030504040204" pitchFamily="50" charset="-128"/>
+            </a:endParaRPr>
           </a:p>
         </p:txBody>
       </p:sp>
@@ -16934,7 +17042,86 @@
 </p:sld>
 </file>
 
-<file path=ppt/slides/slide2.xml><?xml version="1.0" encoding="utf-8"?>
+<file path=ppt/slides/slide21.xml><?xml version="1.0" encoding="utf-8"?>
+<p:sld xmlns:a="http://schemas.openxmlformats.org/drawingml/2006/main" xmlns:r="http://schemas.openxmlformats.org/officeDocument/2006/relationships" xmlns:p="http://schemas.openxmlformats.org/presentationml/2006/main">
+  <p:cSld>
+    <p:spTree>
+      <p:nvGrpSpPr>
+        <p:cNvPr id="1" name=""/>
+        <p:cNvGrpSpPr/>
+        <p:nvPr/>
+      </p:nvGrpSpPr>
+      <p:grpSpPr>
+        <a:xfrm>
+          <a:off x="0" y="0"/>
+          <a:ext cx="0" cy="0"/>
+          <a:chOff x="0" y="0"/>
+          <a:chExt cx="0" cy="0"/>
+        </a:xfrm>
+      </p:grpSpPr>
+      <p:sp>
+        <p:nvSpPr>
+          <p:cNvPr id="2" name="タイトル 1"/>
+          <p:cNvSpPr>
+            <a:spLocks noGrp="1"/>
+          </p:cNvSpPr>
+          <p:nvPr>
+            <p:ph type="title"/>
+          </p:nvPr>
+        </p:nvSpPr>
+        <p:spPr/>
+        <p:txBody>
+          <a:bodyPr/>
+          <a:lstStyle/>
+          <a:p>
+            <a:endParaRPr kumimoji="1" lang="ja-JP" altLang="en-US"/>
+          </a:p>
+        </p:txBody>
+      </p:sp>
+      <p:sp>
+        <p:nvSpPr>
+          <p:cNvPr id="3" name="コンテンツ プレースホルダー 2"/>
+          <p:cNvSpPr>
+            <a:spLocks noGrp="1"/>
+          </p:cNvSpPr>
+          <p:nvPr>
+            <p:ph idx="1"/>
+          </p:nvPr>
+        </p:nvSpPr>
+        <p:spPr/>
+        <p:txBody>
+          <a:bodyPr/>
+          <a:lstStyle/>
+          <a:p>
+            <a:r>
+              <a:rPr kumimoji="1" lang="ja-JP" altLang="en-US" dirty="0" smtClean="0"/>
+              <a:t>価値駆動</a:t>
+            </a:r>
+            <a:endParaRPr kumimoji="1" lang="en-US" altLang="ja-JP" dirty="0" smtClean="0"/>
+          </a:p>
+          <a:p>
+            <a:r>
+              <a:rPr lang="ja-JP" altLang="en-US" dirty="0" smtClean="0"/>
+              <a:t>計画駆動</a:t>
+            </a:r>
+            <a:endParaRPr kumimoji="1" lang="ja-JP" altLang="en-US" dirty="0"/>
+          </a:p>
+        </p:txBody>
+      </p:sp>
+    </p:spTree>
+    <p:extLst>
+      <p:ext uri="{BB962C8B-B14F-4D97-AF65-F5344CB8AC3E}">
+        <p14:creationId xmlns:p14="http://schemas.microsoft.com/office/powerpoint/2010/main" val="4205387791"/>
+      </p:ext>
+    </p:extLst>
+  </p:cSld>
+  <p:clrMapOvr>
+    <a:masterClrMapping/>
+  </p:clrMapOvr>
+</p:sld>
+</file>
+
+<file path=ppt/slides/slide3.xml><?xml version="1.0" encoding="utf-8"?>
 <p:sld xmlns:a="http://schemas.openxmlformats.org/drawingml/2006/main" xmlns:r="http://schemas.openxmlformats.org/officeDocument/2006/relationships" xmlns:p="http://schemas.openxmlformats.org/presentationml/2006/main">
   <p:cSld>
     <p:spTree>
@@ -17028,30 +17215,44 @@
           <a:lstStyle/>
           <a:p>
             <a:r>
-              <a:rPr lang="ja-JP" altLang="en-US" dirty="0" smtClean="0"/>
+              <a:rPr lang="ja-JP" altLang="en-US" dirty="0" smtClean="0">
+                <a:ea typeface="メイリオ" panose="020B0604030504040204" pitchFamily="50" charset="-128"/>
+              </a:rPr>
               <a:t> 出典：　「アジャイル</a:t>
             </a:r>
             <a:r>
-              <a:rPr lang="ja-JP" altLang="en-US" dirty="0"/>
+              <a:rPr lang="ja-JP" altLang="en-US" dirty="0">
+                <a:ea typeface="メイリオ" panose="020B0604030504040204" pitchFamily="50" charset="-128"/>
+              </a:rPr>
               <a:t>開発の現状と</a:t>
             </a:r>
             <a:r>
-              <a:rPr lang="ja-JP" altLang="en-US" dirty="0" smtClean="0"/>
+              <a:rPr lang="ja-JP" altLang="en-US" dirty="0" smtClean="0">
+                <a:ea typeface="メイリオ" panose="020B0604030504040204" pitchFamily="50" charset="-128"/>
+              </a:rPr>
               <a:t>課題</a:t>
             </a:r>
             <a:r>
-              <a:rPr lang="ja-JP" altLang="en-US" dirty="0"/>
+              <a:rPr lang="ja-JP" altLang="en-US" dirty="0">
+                <a:ea typeface="メイリオ" panose="020B0604030504040204" pitchFamily="50" charset="-128"/>
+              </a:rPr>
               <a:t>」</a:t>
             </a:r>
             <a:r>
-              <a:rPr lang="ja-JP" altLang="en-US" dirty="0" smtClean="0"/>
+              <a:rPr lang="ja-JP" altLang="en-US" dirty="0" smtClean="0">
+                <a:ea typeface="メイリオ" panose="020B0604030504040204" pitchFamily="50" charset="-128"/>
+              </a:rPr>
               <a:t>　</a:t>
             </a:r>
             <a:r>
-              <a:rPr lang="en-US" altLang="ja-JP" dirty="0"/>
+              <a:rPr lang="en-US" altLang="ja-JP" dirty="0">
+                <a:ea typeface="メイリオ" panose="020B0604030504040204" pitchFamily="50" charset="-128"/>
+              </a:rPr>
               <a:t> http://sec.ipa.go.jp/users/seminar/seminar_tokyo_20141217-02.pdf</a:t>
             </a:r>
-            <a:endParaRPr kumimoji="1" lang="ja-JP" altLang="en-US" dirty="0"/>
+            <a:endParaRPr kumimoji="1" lang="ja-JP" altLang="en-US" dirty="0">
+              <a:ea typeface="メイリオ" panose="020B0604030504040204" pitchFamily="50" charset="-128"/>
+            </a:endParaRPr>
           </a:p>
         </p:txBody>
       </p:sp>
@@ -17068,86 +17269,7 @@
 </p:sld>
 </file>
 
-<file path=ppt/slides/slide20.xml><?xml version="1.0" encoding="utf-8"?>
-<p:sld xmlns:a="http://schemas.openxmlformats.org/drawingml/2006/main" xmlns:r="http://schemas.openxmlformats.org/officeDocument/2006/relationships" xmlns:p="http://schemas.openxmlformats.org/presentationml/2006/main">
-  <p:cSld>
-    <p:spTree>
-      <p:nvGrpSpPr>
-        <p:cNvPr id="1" name=""/>
-        <p:cNvGrpSpPr/>
-        <p:nvPr/>
-      </p:nvGrpSpPr>
-      <p:grpSpPr>
-        <a:xfrm>
-          <a:off x="0" y="0"/>
-          <a:ext cx="0" cy="0"/>
-          <a:chOff x="0" y="0"/>
-          <a:chExt cx="0" cy="0"/>
-        </a:xfrm>
-      </p:grpSpPr>
-      <p:sp>
-        <p:nvSpPr>
-          <p:cNvPr id="2" name="タイトル 1"/>
-          <p:cNvSpPr>
-            <a:spLocks noGrp="1"/>
-          </p:cNvSpPr>
-          <p:nvPr>
-            <p:ph type="title"/>
-          </p:nvPr>
-        </p:nvSpPr>
-        <p:spPr/>
-        <p:txBody>
-          <a:bodyPr/>
-          <a:lstStyle/>
-          <a:p>
-            <a:endParaRPr kumimoji="1" lang="ja-JP" altLang="en-US"/>
-          </a:p>
-        </p:txBody>
-      </p:sp>
-      <p:sp>
-        <p:nvSpPr>
-          <p:cNvPr id="3" name="コンテンツ プレースホルダー 2"/>
-          <p:cNvSpPr>
-            <a:spLocks noGrp="1"/>
-          </p:cNvSpPr>
-          <p:nvPr>
-            <p:ph idx="1"/>
-          </p:nvPr>
-        </p:nvSpPr>
-        <p:spPr/>
-        <p:txBody>
-          <a:bodyPr/>
-          <a:lstStyle/>
-          <a:p>
-            <a:r>
-              <a:rPr kumimoji="1" lang="ja-JP" altLang="en-US" dirty="0" smtClean="0"/>
-              <a:t>価値駆動</a:t>
-            </a:r>
-            <a:endParaRPr kumimoji="1" lang="en-US" altLang="ja-JP" dirty="0" smtClean="0"/>
-          </a:p>
-          <a:p>
-            <a:r>
-              <a:rPr lang="ja-JP" altLang="en-US" dirty="0" smtClean="0"/>
-              <a:t>計画駆動</a:t>
-            </a:r>
-            <a:endParaRPr kumimoji="1" lang="ja-JP" altLang="en-US" dirty="0"/>
-          </a:p>
-        </p:txBody>
-      </p:sp>
-    </p:spTree>
-    <p:extLst>
-      <p:ext uri="{BB962C8B-B14F-4D97-AF65-F5344CB8AC3E}">
-        <p14:creationId xmlns:p14="http://schemas.microsoft.com/office/powerpoint/2010/main" val="4205387791"/>
-      </p:ext>
-    </p:extLst>
-  </p:cSld>
-  <p:clrMapOvr>
-    <a:masterClrMapping/>
-  </p:clrMapOvr>
-</p:sld>
-</file>
-
-<file path=ppt/slides/slide3.xml><?xml version="1.0" encoding="utf-8"?>
+<file path=ppt/slides/slide4.xml><?xml version="1.0" encoding="utf-8"?>
 <p:sld xmlns:a="http://schemas.openxmlformats.org/drawingml/2006/main" xmlns:r="http://schemas.openxmlformats.org/officeDocument/2006/relationships" xmlns:p="http://schemas.openxmlformats.org/presentationml/2006/main">
   <p:cSld>
     <p:spTree>
@@ -17241,30 +17363,44 @@
           <a:lstStyle/>
           <a:p>
             <a:r>
-              <a:rPr lang="ja-JP" altLang="en-US" dirty="0" smtClean="0"/>
+              <a:rPr lang="ja-JP" altLang="en-US" dirty="0" smtClean="0">
+                <a:ea typeface="メイリオ" panose="020B0604030504040204" pitchFamily="50" charset="-128"/>
+              </a:rPr>
               <a:t> 出典：　「アジャイル</a:t>
             </a:r>
             <a:r>
-              <a:rPr lang="ja-JP" altLang="en-US" dirty="0"/>
+              <a:rPr lang="ja-JP" altLang="en-US" dirty="0">
+                <a:ea typeface="メイリオ" panose="020B0604030504040204" pitchFamily="50" charset="-128"/>
+              </a:rPr>
               <a:t>開発の現状と</a:t>
             </a:r>
             <a:r>
-              <a:rPr lang="ja-JP" altLang="en-US" dirty="0" smtClean="0"/>
+              <a:rPr lang="ja-JP" altLang="en-US" dirty="0" smtClean="0">
+                <a:ea typeface="メイリオ" panose="020B0604030504040204" pitchFamily="50" charset="-128"/>
+              </a:rPr>
               <a:t>課題</a:t>
             </a:r>
             <a:r>
-              <a:rPr lang="ja-JP" altLang="en-US" dirty="0"/>
+              <a:rPr lang="ja-JP" altLang="en-US" dirty="0">
+                <a:ea typeface="メイリオ" panose="020B0604030504040204" pitchFamily="50" charset="-128"/>
+              </a:rPr>
               <a:t>」</a:t>
             </a:r>
             <a:r>
-              <a:rPr lang="ja-JP" altLang="en-US" dirty="0" smtClean="0"/>
+              <a:rPr lang="ja-JP" altLang="en-US" dirty="0" smtClean="0">
+                <a:ea typeface="メイリオ" panose="020B0604030504040204" pitchFamily="50" charset="-128"/>
+              </a:rPr>
               <a:t>　</a:t>
             </a:r>
             <a:r>
-              <a:rPr lang="en-US" altLang="ja-JP" dirty="0"/>
+              <a:rPr lang="en-US" altLang="ja-JP" dirty="0">
+                <a:ea typeface="メイリオ" panose="020B0604030504040204" pitchFamily="50" charset="-128"/>
+              </a:rPr>
               <a:t> http://sec.ipa.go.jp/users/seminar/seminar_tokyo_20141217-02.pdf</a:t>
             </a:r>
-            <a:endParaRPr kumimoji="1" lang="ja-JP" altLang="en-US" dirty="0"/>
+            <a:endParaRPr kumimoji="1" lang="ja-JP" altLang="en-US" dirty="0">
+              <a:ea typeface="メイリオ" panose="020B0604030504040204" pitchFamily="50" charset="-128"/>
+            </a:endParaRPr>
           </a:p>
         </p:txBody>
       </p:sp>
@@ -17281,7 +17417,7 @@
 </p:sld>
 </file>
 
-<file path=ppt/slides/slide4.xml><?xml version="1.0" encoding="utf-8"?>
+<file path=ppt/slides/slide5.xml><?xml version="1.0" encoding="utf-8"?>
 <p:sld xmlns:a="http://schemas.openxmlformats.org/drawingml/2006/main" xmlns:r="http://schemas.openxmlformats.org/officeDocument/2006/relationships" xmlns:p="http://schemas.openxmlformats.org/presentationml/2006/main">
   <p:cSld>
     <p:spTree>
@@ -17375,30 +17511,44 @@
           <a:lstStyle/>
           <a:p>
             <a:r>
-              <a:rPr lang="ja-JP" altLang="en-US" dirty="0" smtClean="0"/>
+              <a:rPr lang="ja-JP" altLang="en-US" dirty="0" smtClean="0">
+                <a:ea typeface="メイリオ" panose="020B0604030504040204" pitchFamily="50" charset="-128"/>
+              </a:rPr>
               <a:t> 出典：　「アジャイル</a:t>
             </a:r>
             <a:r>
-              <a:rPr lang="ja-JP" altLang="en-US" dirty="0"/>
+              <a:rPr lang="ja-JP" altLang="en-US" dirty="0">
+                <a:ea typeface="メイリオ" panose="020B0604030504040204" pitchFamily="50" charset="-128"/>
+              </a:rPr>
               <a:t>開発の現状と</a:t>
             </a:r>
             <a:r>
-              <a:rPr lang="ja-JP" altLang="en-US" dirty="0" smtClean="0"/>
+              <a:rPr lang="ja-JP" altLang="en-US" dirty="0" smtClean="0">
+                <a:ea typeface="メイリオ" panose="020B0604030504040204" pitchFamily="50" charset="-128"/>
+              </a:rPr>
               <a:t>課題</a:t>
             </a:r>
             <a:r>
-              <a:rPr lang="ja-JP" altLang="en-US" dirty="0"/>
+              <a:rPr lang="ja-JP" altLang="en-US" dirty="0">
+                <a:ea typeface="メイリオ" panose="020B0604030504040204" pitchFamily="50" charset="-128"/>
+              </a:rPr>
               <a:t>」</a:t>
             </a:r>
             <a:r>
-              <a:rPr lang="ja-JP" altLang="en-US" dirty="0" smtClean="0"/>
+              <a:rPr lang="ja-JP" altLang="en-US" dirty="0" smtClean="0">
+                <a:ea typeface="メイリオ" panose="020B0604030504040204" pitchFamily="50" charset="-128"/>
+              </a:rPr>
               <a:t>　</a:t>
             </a:r>
             <a:r>
-              <a:rPr lang="en-US" altLang="ja-JP" dirty="0"/>
+              <a:rPr lang="en-US" altLang="ja-JP" dirty="0">
+                <a:ea typeface="メイリオ" panose="020B0604030504040204" pitchFamily="50" charset="-128"/>
+              </a:rPr>
               <a:t> http://sec.ipa.go.jp/users/seminar/seminar_tokyo_20141217-02.pdf</a:t>
             </a:r>
-            <a:endParaRPr kumimoji="1" lang="ja-JP" altLang="en-US" dirty="0"/>
+            <a:endParaRPr kumimoji="1" lang="ja-JP" altLang="en-US" dirty="0">
+              <a:ea typeface="メイリオ" panose="020B0604030504040204" pitchFamily="50" charset="-128"/>
+            </a:endParaRPr>
           </a:p>
         </p:txBody>
       </p:sp>
@@ -17415,7 +17565,7 @@
 </p:sld>
 </file>
 
-<file path=ppt/slides/slide5.xml><?xml version="1.0" encoding="utf-8"?>
+<file path=ppt/slides/slide6.xml><?xml version="1.0" encoding="utf-8"?>
 <p:sld xmlns:a="http://schemas.openxmlformats.org/drawingml/2006/main" xmlns:r="http://schemas.openxmlformats.org/officeDocument/2006/relationships" xmlns:p="http://schemas.openxmlformats.org/presentationml/2006/main">
   <p:cSld>
     <p:spTree>
@@ -17434,7 +17584,7 @@
       </p:grpSpPr>
       <p:pic>
         <p:nvPicPr>
-          <p:cNvPr id="1026" name="Picture 2" descr="C:\Users\ishii\AppData\Local\Temp\2787361337_d4331af99b_b.jpg"/>
+          <p:cNvPr id="1026" name="Picture 2" descr="C:\Users\ishii\AppData\Local\Temp\12140039466_5f7712fdca_o.jpg"/>
           <p:cNvPicPr>
             <a:picLocks noChangeAspect="1" noChangeArrowheads="1"/>
           </p:cNvPicPr>
@@ -17455,8 +17605,8 @@
         </p:blipFill>
         <p:spPr bwMode="auto">
           <a:xfrm>
-            <a:off x="0" y="459879"/>
-            <a:ext cx="9144000" cy="5938242"/>
+            <a:off x="-2286" y="0"/>
+            <a:ext cx="9146286" cy="6856286"/>
           </a:xfrm>
           <a:prstGeom prst="rect">
             <a:avLst/>
@@ -17473,10 +17623,750 @@
           </a:extLst>
         </p:spPr>
       </p:pic>
+      <p:sp>
+        <p:nvSpPr>
+          <p:cNvPr id="2" name="タイトル 1"/>
+          <p:cNvSpPr>
+            <a:spLocks noGrp="1"/>
+          </p:cNvSpPr>
+          <p:nvPr>
+            <p:ph type="title"/>
+          </p:nvPr>
+        </p:nvSpPr>
+        <p:spPr>
+          <a:xfrm>
+            <a:off x="529208" y="773832"/>
+            <a:ext cx="8229600" cy="1143000"/>
+          </a:xfrm>
+        </p:spPr>
+        <p:txBody>
+          <a:bodyPr>
+            <a:normAutofit fontScale="90000"/>
+          </a:bodyPr>
+          <a:lstStyle/>
+          <a:p>
+            <a:r>
+              <a:rPr lang="ja-JP" altLang="en-US" b="1" dirty="0" smtClean="0"/>
+              <a:t>アジャイルソフトウェア開発</a:t>
+            </a:r>
+            <a:r>
+              <a:rPr lang="ja-JP" altLang="en-US" b="1" dirty="0" smtClean="0"/>
+              <a:t>宣言</a:t>
+            </a:r>
+            <a:endParaRPr kumimoji="1" lang="ja-JP" altLang="en-US" dirty="0"/>
+          </a:p>
+        </p:txBody>
+      </p:sp>
+      <p:sp>
+        <p:nvSpPr>
+          <p:cNvPr id="5" name="Text Box 9"/>
+          <p:cNvSpPr txBox="1">
+            <a:spLocks noChangeArrowheads="1"/>
+          </p:cNvSpPr>
+          <p:nvPr/>
+        </p:nvSpPr>
+        <p:spPr bwMode="auto">
+          <a:xfrm>
+            <a:off x="2123728" y="1916832"/>
+            <a:ext cx="6624736" cy="1569660"/>
+          </a:xfrm>
+          <a:prstGeom prst="rect">
+            <a:avLst/>
+          </a:prstGeom>
+          <a:noFill/>
+          <a:ln>
+            <a:noFill/>
+          </a:ln>
+          <a:effectLst/>
+          <a:extLst>
+            <a:ext uri="{909E8E84-426E-40DD-AFC4-6F175D3DCCD1}">
+              <a14:hiddenFill xmlns:a14="http://schemas.microsoft.com/office/drawing/2010/main">
+                <a:solidFill>
+                  <a:schemeClr val="accent1"/>
+                </a:solidFill>
+              </a14:hiddenFill>
+            </a:ext>
+            <a:ext uri="{91240B29-F687-4F45-9708-019B960494DF}">
+              <a14:hiddenLine xmlns:a14="http://schemas.microsoft.com/office/drawing/2010/main" w="9525">
+                <a:solidFill>
+                  <a:schemeClr val="tx1"/>
+                </a:solidFill>
+                <a:miter lim="800000"/>
+                <a:headEnd/>
+                <a:tailEnd/>
+              </a14:hiddenLine>
+            </a:ext>
+            <a:ext uri="{AF507438-7753-43E0-B8FC-AC1667EBCBE1}">
+              <a14:hiddenEffects xmlns:a14="http://schemas.microsoft.com/office/drawing/2010/main">
+                <a:effectLst>
+                  <a:outerShdw dist="35921" dir="2700000" algn="ctr" rotWithShape="0">
+                    <a:schemeClr val="bg2"/>
+                  </a:outerShdw>
+                </a:effectLst>
+              </a14:hiddenEffects>
+            </a:ext>
+          </a:extLst>
+        </p:spPr>
+        <p:txBody>
+          <a:bodyPr wrap="square">
+            <a:spAutoFit/>
+          </a:bodyPr>
+          <a:lstStyle/>
+          <a:p>
+            <a:pPr algn="ctr">
+              <a:lnSpc>
+                <a:spcPct val="120000"/>
+              </a:lnSpc>
+            </a:pPr>
+            <a:r>
+              <a:rPr lang="ja-JP" altLang="en-US" sz="2000" b="1" dirty="0">
+                <a:effectLst/>
+                <a:ea typeface="メイリオ" panose="020B0604030504040204" pitchFamily="50" charset="-128"/>
+              </a:rPr>
+              <a:t>私たちは、ソフトウェア開発の実践</a:t>
+            </a:r>
+            <a:br>
+              <a:rPr lang="ja-JP" altLang="en-US" sz="2000" b="1" dirty="0">
+                <a:effectLst/>
+                <a:ea typeface="メイリオ" panose="020B0604030504040204" pitchFamily="50" charset="-128"/>
+              </a:rPr>
+            </a:br>
+            <a:r>
+              <a:rPr lang="ja-JP" altLang="en-US" sz="2000" b="1" dirty="0">
+                <a:effectLst/>
+                <a:ea typeface="メイリオ" panose="020B0604030504040204" pitchFamily="50" charset="-128"/>
+              </a:rPr>
+              <a:t>あるいは実践を手助けする活動を通じて、</a:t>
+            </a:r>
+            <a:br>
+              <a:rPr lang="ja-JP" altLang="en-US" sz="2000" b="1" dirty="0">
+                <a:effectLst/>
+                <a:ea typeface="メイリオ" panose="020B0604030504040204" pitchFamily="50" charset="-128"/>
+              </a:rPr>
+            </a:br>
+            <a:r>
+              <a:rPr lang="ja-JP" altLang="en-US" sz="2000" b="1" dirty="0">
+                <a:effectLst/>
+                <a:ea typeface="メイリオ" panose="020B0604030504040204" pitchFamily="50" charset="-128"/>
+              </a:rPr>
+              <a:t>よりよい開発方法を見つけ出そうとしている。</a:t>
+            </a:r>
+            <a:br>
+              <a:rPr lang="ja-JP" altLang="en-US" sz="2000" b="1" dirty="0">
+                <a:effectLst/>
+                <a:ea typeface="メイリオ" panose="020B0604030504040204" pitchFamily="50" charset="-128"/>
+              </a:rPr>
+            </a:br>
+            <a:r>
+              <a:rPr lang="ja-JP" altLang="en-US" sz="2000" b="1" dirty="0">
+                <a:effectLst/>
+                <a:ea typeface="メイリオ" panose="020B0604030504040204" pitchFamily="50" charset="-128"/>
+              </a:rPr>
+              <a:t>この活動を通して、私たちは以下の価値に至った。</a:t>
+            </a:r>
+          </a:p>
+        </p:txBody>
+      </p:sp>
+      <p:sp>
+        <p:nvSpPr>
+          <p:cNvPr id="6" name="Text Box 10"/>
+          <p:cNvSpPr txBox="1">
+            <a:spLocks noChangeArrowheads="1"/>
+          </p:cNvSpPr>
+          <p:nvPr/>
+        </p:nvSpPr>
+        <p:spPr bwMode="auto">
+          <a:xfrm>
+            <a:off x="2367945" y="3501008"/>
+            <a:ext cx="5948471" cy="2160591"/>
+          </a:xfrm>
+          <a:prstGeom prst="rect">
+            <a:avLst/>
+          </a:prstGeom>
+          <a:noFill/>
+          <a:ln>
+            <a:noFill/>
+          </a:ln>
+          <a:effectLst/>
+          <a:extLst>
+            <a:ext uri="{909E8E84-426E-40DD-AFC4-6F175D3DCCD1}">
+              <a14:hiddenFill xmlns:a14="http://schemas.microsoft.com/office/drawing/2010/main">
+                <a:solidFill>
+                  <a:schemeClr val="accent1"/>
+                </a:solidFill>
+              </a14:hiddenFill>
+            </a:ext>
+            <a:ext uri="{91240B29-F687-4F45-9708-019B960494DF}">
+              <a14:hiddenLine xmlns:a14="http://schemas.microsoft.com/office/drawing/2010/main" w="9525">
+                <a:solidFill>
+                  <a:schemeClr val="tx1"/>
+                </a:solidFill>
+                <a:miter lim="800000"/>
+                <a:headEnd/>
+                <a:tailEnd/>
+              </a14:hiddenLine>
+            </a:ext>
+            <a:ext uri="{AF507438-7753-43E0-B8FC-AC1667EBCBE1}">
+              <a14:hiddenEffects xmlns:a14="http://schemas.microsoft.com/office/drawing/2010/main">
+                <a:effectLst>
+                  <a:outerShdw dist="35921" dir="2700000" algn="ctr" rotWithShape="0">
+                    <a:schemeClr val="bg2"/>
+                  </a:outerShdw>
+                </a:effectLst>
+              </a14:hiddenEffects>
+            </a:ext>
+          </a:extLst>
+        </p:spPr>
+        <p:txBody>
+          <a:bodyPr wrap="square">
+            <a:spAutoFit/>
+          </a:bodyPr>
+          <a:lstStyle/>
+          <a:p>
+            <a:pPr algn="ctr">
+              <a:lnSpc>
+                <a:spcPct val="120000"/>
+              </a:lnSpc>
+            </a:pPr>
+            <a:r>
+              <a:rPr lang="ja-JP" altLang="en-US" sz="1400" b="1" dirty="0">
+                <a:effectLst/>
+                <a:ea typeface="メイリオ" panose="020B0604030504040204" pitchFamily="50" charset="-128"/>
+              </a:rPr>
+              <a:t>プロセスやツールよりも</a:t>
+            </a:r>
+            <a:r>
+              <a:rPr lang="ja-JP" altLang="en-US" sz="2800" b="1" dirty="0">
+                <a:solidFill>
+                  <a:srgbClr val="FF0000"/>
+                </a:solidFill>
+                <a:effectLst/>
+                <a:ea typeface="メイリオ" panose="020B0604030504040204" pitchFamily="50" charset="-128"/>
+              </a:rPr>
+              <a:t>個人と対話</a:t>
+            </a:r>
+            <a:r>
+              <a:rPr lang="ja-JP" altLang="en-US" sz="1400" b="1" dirty="0">
+                <a:effectLst/>
+                <a:ea typeface="メイリオ" panose="020B0604030504040204" pitchFamily="50" charset="-128"/>
+              </a:rPr>
+              <a:t>を、</a:t>
+            </a:r>
+            <a:r>
+              <a:rPr lang="ja-JP" altLang="en-US" sz="2000" b="1" dirty="0">
+                <a:effectLst/>
+                <a:ea typeface="メイリオ" panose="020B0604030504040204" pitchFamily="50" charset="-128"/>
+              </a:rPr>
+              <a:t/>
+            </a:r>
+            <a:br>
+              <a:rPr lang="ja-JP" altLang="en-US" sz="2000" b="1" dirty="0">
+                <a:effectLst/>
+                <a:ea typeface="メイリオ" panose="020B0604030504040204" pitchFamily="50" charset="-128"/>
+              </a:rPr>
+            </a:br>
+            <a:r>
+              <a:rPr lang="ja-JP" altLang="en-US" sz="1400" b="1" dirty="0">
+                <a:effectLst/>
+                <a:ea typeface="メイリオ" panose="020B0604030504040204" pitchFamily="50" charset="-128"/>
+              </a:rPr>
+              <a:t>包括的なドキュメントよりも</a:t>
+            </a:r>
+            <a:r>
+              <a:rPr lang="ja-JP" altLang="en-US" sz="2800" b="1" dirty="0">
+                <a:solidFill>
+                  <a:srgbClr val="FF0000"/>
+                </a:solidFill>
+                <a:effectLst/>
+                <a:ea typeface="メイリオ" panose="020B0604030504040204" pitchFamily="50" charset="-128"/>
+              </a:rPr>
+              <a:t>動くソフトウェア</a:t>
+            </a:r>
+            <a:r>
+              <a:rPr lang="ja-JP" altLang="en-US" sz="1400" b="1" dirty="0">
+                <a:effectLst/>
+                <a:ea typeface="メイリオ" panose="020B0604030504040204" pitchFamily="50" charset="-128"/>
+              </a:rPr>
+              <a:t>を、</a:t>
+            </a:r>
+            <a:r>
+              <a:rPr lang="ja-JP" altLang="en-US" sz="2800" b="1" dirty="0">
+                <a:effectLst/>
+                <a:ea typeface="メイリオ" panose="020B0604030504040204" pitchFamily="50" charset="-128"/>
+              </a:rPr>
+              <a:t/>
+            </a:r>
+            <a:br>
+              <a:rPr lang="ja-JP" altLang="en-US" sz="2800" b="1" dirty="0">
+                <a:effectLst/>
+                <a:ea typeface="メイリオ" panose="020B0604030504040204" pitchFamily="50" charset="-128"/>
+              </a:rPr>
+            </a:br>
+            <a:r>
+              <a:rPr lang="ja-JP" altLang="en-US" sz="1400" b="1" dirty="0">
+                <a:effectLst/>
+                <a:ea typeface="メイリオ" panose="020B0604030504040204" pitchFamily="50" charset="-128"/>
+              </a:rPr>
+              <a:t>契約交渉よりも</a:t>
+            </a:r>
+            <a:r>
+              <a:rPr lang="ja-JP" altLang="en-US" sz="2800" b="1" dirty="0">
+                <a:solidFill>
+                  <a:srgbClr val="FF0000"/>
+                </a:solidFill>
+                <a:effectLst/>
+                <a:ea typeface="メイリオ" panose="020B0604030504040204" pitchFamily="50" charset="-128"/>
+              </a:rPr>
+              <a:t>顧客との協調</a:t>
+            </a:r>
+            <a:r>
+              <a:rPr lang="ja-JP" altLang="en-US" sz="1400" b="1" dirty="0">
+                <a:effectLst/>
+                <a:ea typeface="メイリオ" panose="020B0604030504040204" pitchFamily="50" charset="-128"/>
+              </a:rPr>
+              <a:t>を、</a:t>
+            </a:r>
+            <a:r>
+              <a:rPr lang="ja-JP" altLang="en-US" sz="2800" b="1" dirty="0">
+                <a:effectLst/>
+                <a:ea typeface="メイリオ" panose="020B0604030504040204" pitchFamily="50" charset="-128"/>
+              </a:rPr>
+              <a:t/>
+            </a:r>
+            <a:br>
+              <a:rPr lang="ja-JP" altLang="en-US" sz="2800" b="1" dirty="0">
+                <a:effectLst/>
+                <a:ea typeface="メイリオ" panose="020B0604030504040204" pitchFamily="50" charset="-128"/>
+              </a:rPr>
+            </a:br>
+            <a:r>
+              <a:rPr lang="ja-JP" altLang="en-US" sz="1400" b="1" dirty="0">
+                <a:effectLst/>
+                <a:ea typeface="メイリオ" panose="020B0604030504040204" pitchFamily="50" charset="-128"/>
+              </a:rPr>
+              <a:t>計画に従うことよりも</a:t>
+            </a:r>
+            <a:r>
+              <a:rPr lang="ja-JP" altLang="en-US" sz="2800" b="1" dirty="0">
+                <a:solidFill>
+                  <a:srgbClr val="FF0000"/>
+                </a:solidFill>
+                <a:effectLst/>
+                <a:ea typeface="メイリオ" panose="020B0604030504040204" pitchFamily="50" charset="-128"/>
+              </a:rPr>
+              <a:t>変化への対応</a:t>
+            </a:r>
+            <a:r>
+              <a:rPr lang="ja-JP" altLang="en-US" sz="1400" b="1" dirty="0">
+                <a:effectLst/>
+                <a:ea typeface="メイリオ" panose="020B0604030504040204" pitchFamily="50" charset="-128"/>
+              </a:rPr>
+              <a:t>を、</a:t>
+            </a:r>
+          </a:p>
+        </p:txBody>
+      </p:sp>
+      <p:sp>
+        <p:nvSpPr>
+          <p:cNvPr id="7" name="Text Box 11"/>
+          <p:cNvSpPr txBox="1">
+            <a:spLocks noChangeArrowheads="1"/>
+          </p:cNvSpPr>
+          <p:nvPr/>
+        </p:nvSpPr>
+        <p:spPr bwMode="auto">
+          <a:xfrm>
+            <a:off x="1619672" y="5733607"/>
+            <a:ext cx="7632848" cy="830997"/>
+          </a:xfrm>
+          <a:prstGeom prst="rect">
+            <a:avLst/>
+          </a:prstGeom>
+          <a:noFill/>
+          <a:ln>
+            <a:noFill/>
+          </a:ln>
+          <a:effectLst/>
+          <a:extLst>
+            <a:ext uri="{909E8E84-426E-40DD-AFC4-6F175D3DCCD1}">
+              <a14:hiddenFill xmlns:a14="http://schemas.microsoft.com/office/drawing/2010/main">
+                <a:solidFill>
+                  <a:schemeClr val="accent1"/>
+                </a:solidFill>
+              </a14:hiddenFill>
+            </a:ext>
+            <a:ext uri="{91240B29-F687-4F45-9708-019B960494DF}">
+              <a14:hiddenLine xmlns:a14="http://schemas.microsoft.com/office/drawing/2010/main" w="9525">
+                <a:solidFill>
+                  <a:schemeClr val="tx1"/>
+                </a:solidFill>
+                <a:miter lim="800000"/>
+                <a:headEnd/>
+                <a:tailEnd/>
+              </a14:hiddenLine>
+            </a:ext>
+            <a:ext uri="{AF507438-7753-43E0-B8FC-AC1667EBCBE1}">
+              <a14:hiddenEffects xmlns:a14="http://schemas.microsoft.com/office/drawing/2010/main">
+                <a:effectLst>
+                  <a:outerShdw dist="35921" dir="2700000" algn="ctr" rotWithShape="0">
+                    <a:schemeClr val="bg2"/>
+                  </a:outerShdw>
+                </a:effectLst>
+              </a14:hiddenEffects>
+            </a:ext>
+          </a:extLst>
+        </p:spPr>
+        <p:txBody>
+          <a:bodyPr wrap="square">
+            <a:spAutoFit/>
+          </a:bodyPr>
+          <a:lstStyle/>
+          <a:p>
+            <a:pPr algn="ctr">
+              <a:lnSpc>
+                <a:spcPct val="120000"/>
+              </a:lnSpc>
+            </a:pPr>
+            <a:r>
+              <a:rPr lang="ja-JP" altLang="en-US" sz="2000" b="1" dirty="0">
+                <a:effectLst/>
+                <a:ea typeface="メイリオ" panose="020B0604030504040204" pitchFamily="50" charset="-128"/>
+              </a:rPr>
+              <a:t>価値とする。すなわち、左記のことがらに価値があることを</a:t>
+            </a:r>
+            <a:br>
+              <a:rPr lang="ja-JP" altLang="en-US" sz="2000" b="1" dirty="0">
+                <a:effectLst/>
+                <a:ea typeface="メイリオ" panose="020B0604030504040204" pitchFamily="50" charset="-128"/>
+              </a:rPr>
+            </a:br>
+            <a:r>
+              <a:rPr lang="ja-JP" altLang="en-US" sz="2000" b="1" dirty="0">
+                <a:effectLst/>
+                <a:ea typeface="メイリオ" panose="020B0604030504040204" pitchFamily="50" charset="-128"/>
+              </a:rPr>
+              <a:t>認めながらも、私たちは右記のことがらにより価値を置く。</a:t>
+            </a:r>
+          </a:p>
+        </p:txBody>
+      </p:sp>
+      <p:sp>
+        <p:nvSpPr>
+          <p:cNvPr id="8" name="正方形/長方形 7"/>
+          <p:cNvSpPr/>
+          <p:nvPr/>
+        </p:nvSpPr>
+        <p:spPr>
+          <a:xfrm>
+            <a:off x="4644008" y="6516052"/>
+            <a:ext cx="4609339" cy="369332"/>
+          </a:xfrm>
+          <a:prstGeom prst="rect">
+            <a:avLst/>
+          </a:prstGeom>
+        </p:spPr>
+        <p:txBody>
+          <a:bodyPr wrap="none">
+            <a:spAutoFit/>
+          </a:bodyPr>
+          <a:lstStyle/>
+          <a:p>
+            <a:r>
+              <a:rPr lang="en-US" altLang="ja-JP" dirty="0">
+                <a:ea typeface="メイリオ" panose="020B0604030504040204" pitchFamily="50" charset="-128"/>
+              </a:rPr>
+              <a:t>https://www.flickr.com/photos/kalexanderson/</a:t>
+            </a:r>
+            <a:endParaRPr lang="ja-JP" altLang="en-US" dirty="0">
+              <a:ea typeface="メイリオ" panose="020B0604030504040204" pitchFamily="50" charset="-128"/>
+            </a:endParaRPr>
+          </a:p>
+        </p:txBody>
+      </p:sp>
     </p:spTree>
     <p:extLst>
       <p:ext uri="{BB962C8B-B14F-4D97-AF65-F5344CB8AC3E}">
-        <p14:creationId xmlns:p14="http://schemas.microsoft.com/office/powerpoint/2010/main" val="325225966"/>
+        <p14:creationId xmlns:p14="http://schemas.microsoft.com/office/powerpoint/2010/main" val="3897593081"/>
+      </p:ext>
+    </p:extLst>
+  </p:cSld>
+  <p:clrMapOvr>
+    <a:masterClrMapping/>
+  </p:clrMapOvr>
+  <p:timing>
+    <p:tnLst>
+      <p:par>
+        <p:cTn id="1" dur="indefinite" restart="never" nodeType="tmRoot"/>
+      </p:par>
+    </p:tnLst>
+  </p:timing>
+</p:sld>
+</file>
+
+<file path=ppt/slides/slide7.xml><?xml version="1.0" encoding="utf-8"?>
+<p:sld xmlns:a="http://schemas.openxmlformats.org/drawingml/2006/main" xmlns:r="http://schemas.openxmlformats.org/officeDocument/2006/relationships" xmlns:p="http://schemas.openxmlformats.org/presentationml/2006/main">
+  <p:cSld>
+    <p:spTree>
+      <p:nvGrpSpPr>
+        <p:cNvPr id="1" name=""/>
+        <p:cNvGrpSpPr/>
+        <p:nvPr/>
+      </p:nvGrpSpPr>
+      <p:grpSpPr>
+        <a:xfrm>
+          <a:off x="0" y="0"/>
+          <a:ext cx="0" cy="0"/>
+          <a:chOff x="0" y="0"/>
+          <a:chExt cx="0" cy="0"/>
+        </a:xfrm>
+      </p:grpSpPr>
+      <p:pic>
+        <p:nvPicPr>
+          <p:cNvPr id="2050" name="Picture 2" descr="http://image.blog.livedoor.jp/gilcrows/imgs/8/e/8e8a157a.jpg"/>
+          <p:cNvPicPr>
+            <a:picLocks noChangeAspect="1" noChangeArrowheads="1"/>
+          </p:cNvPicPr>
+          <p:nvPr/>
+        </p:nvPicPr>
+        <p:blipFill>
+          <a:blip r:embed="rId2">
+            <a:extLst>
+              <a:ext uri="{28A0092B-C50C-407E-A947-70E740481C1C}">
+                <a14:useLocalDpi xmlns:a14="http://schemas.microsoft.com/office/drawing/2010/main" val="0"/>
+              </a:ext>
+            </a:extLst>
+          </a:blip>
+          <a:srcRect/>
+          <a:stretch>
+            <a:fillRect/>
+          </a:stretch>
+        </p:blipFill>
+        <p:spPr bwMode="auto">
+          <a:xfrm>
+            <a:off x="13110" y="-1"/>
+            <a:ext cx="9130890" cy="6825343"/>
+          </a:xfrm>
+          <a:prstGeom prst="rect">
+            <a:avLst/>
+          </a:prstGeom>
+          <a:noFill/>
+          <a:extLst>
+            <a:ext uri="{909E8E84-426E-40DD-AFC4-6F175D3DCCD1}">
+              <a14:hiddenFill xmlns:a14="http://schemas.microsoft.com/office/drawing/2010/main">
+                <a:solidFill>
+                  <a:srgbClr val="FFFFFF"/>
+                </a:solidFill>
+              </a14:hiddenFill>
+            </a:ext>
+          </a:extLst>
+        </p:spPr>
+      </p:pic>
+      <p:sp>
+        <p:nvSpPr>
+          <p:cNvPr id="4" name="角丸四角形吹き出し 3"/>
+          <p:cNvSpPr/>
+          <p:nvPr/>
+        </p:nvSpPr>
+        <p:spPr>
+          <a:xfrm>
+            <a:off x="2968948" y="5013176"/>
+            <a:ext cx="3219214" cy="864096"/>
+          </a:xfrm>
+          <a:prstGeom prst="wedgeRoundRectCallout">
+            <a:avLst>
+              <a:gd name="adj1" fmla="val 53568"/>
+              <a:gd name="adj2" fmla="val -103686"/>
+              <a:gd name="adj3" fmla="val 16667"/>
+            </a:avLst>
+          </a:prstGeom>
+        </p:spPr>
+        <p:style>
+          <a:lnRef idx="1">
+            <a:schemeClr val="dk1"/>
+          </a:lnRef>
+          <a:fillRef idx="2">
+            <a:schemeClr val="dk1"/>
+          </a:fillRef>
+          <a:effectRef idx="1">
+            <a:schemeClr val="dk1"/>
+          </a:effectRef>
+          <a:fontRef idx="minor">
+            <a:schemeClr val="dk1"/>
+          </a:fontRef>
+        </p:style>
+        <p:txBody>
+          <a:bodyPr rtlCol="0" anchor="ctr"/>
+          <a:lstStyle/>
+          <a:p>
+            <a:pPr algn="ctr"/>
+            <a:r>
+              <a:rPr kumimoji="1" lang="ja-JP" altLang="en-US" sz="2000" dirty="0" smtClean="0">
+                <a:ea typeface="メイリオ" panose="020B0604030504040204" pitchFamily="50" charset="-128"/>
+              </a:rPr>
+              <a:t>仕様変更しまくるぜ！！</a:t>
+            </a:r>
+            <a:endParaRPr kumimoji="1" lang="ja-JP" altLang="en-US" sz="2000" dirty="0">
+              <a:ea typeface="メイリオ" panose="020B0604030504040204" pitchFamily="50" charset="-128"/>
+            </a:endParaRPr>
+          </a:p>
+        </p:txBody>
+      </p:sp>
+      <p:sp>
+        <p:nvSpPr>
+          <p:cNvPr id="6" name="角丸四角形吹き出し 5"/>
+          <p:cNvSpPr/>
+          <p:nvPr/>
+        </p:nvSpPr>
+        <p:spPr>
+          <a:xfrm>
+            <a:off x="266284" y="3364688"/>
+            <a:ext cx="3438274" cy="826759"/>
+          </a:xfrm>
+          <a:prstGeom prst="wedgeRoundRectCallout">
+            <a:avLst>
+              <a:gd name="adj1" fmla="val 47456"/>
+              <a:gd name="adj2" fmla="val -115898"/>
+              <a:gd name="adj3" fmla="val 16667"/>
+            </a:avLst>
+          </a:prstGeom>
+        </p:spPr>
+        <p:style>
+          <a:lnRef idx="1">
+            <a:schemeClr val="dk1"/>
+          </a:lnRef>
+          <a:fillRef idx="2">
+            <a:schemeClr val="dk1"/>
+          </a:fillRef>
+          <a:effectRef idx="1">
+            <a:schemeClr val="dk1"/>
+          </a:effectRef>
+          <a:fontRef idx="minor">
+            <a:schemeClr val="dk1"/>
+          </a:fontRef>
+        </p:style>
+        <p:txBody>
+          <a:bodyPr rtlCol="0" anchor="ctr"/>
+          <a:lstStyle/>
+          <a:p>
+            <a:pPr algn="ctr"/>
+            <a:r>
+              <a:rPr kumimoji="1" lang="en-US" altLang="ja-JP" sz="2000" dirty="0" smtClean="0">
+                <a:ea typeface="メイリオ" panose="020B0604030504040204" pitchFamily="50" charset="-128"/>
+              </a:rPr>
+              <a:t>MS</a:t>
+            </a:r>
+            <a:r>
+              <a:rPr lang="ja-JP" altLang="en-US" sz="2000" dirty="0">
+                <a:ea typeface="メイリオ" panose="020B0604030504040204" pitchFamily="50" charset="-128"/>
+              </a:rPr>
+              <a:t> </a:t>
+            </a:r>
+            <a:r>
+              <a:rPr kumimoji="1" lang="en-US" altLang="ja-JP" sz="2000" dirty="0" smtClean="0">
+                <a:ea typeface="メイリオ" panose="020B0604030504040204" pitchFamily="50" charset="-128"/>
+              </a:rPr>
+              <a:t>Project</a:t>
+            </a:r>
+            <a:r>
+              <a:rPr kumimoji="1" lang="ja-JP" altLang="en-US" sz="2000" dirty="0" smtClean="0">
+                <a:ea typeface="メイリオ" panose="020B0604030504040204" pitchFamily="50" charset="-128"/>
+              </a:rPr>
+              <a:t>は</a:t>
+            </a:r>
+            <a:r>
+              <a:rPr lang="ja-JP" altLang="en-US" sz="2000" dirty="0">
+                <a:ea typeface="メイリオ" panose="020B0604030504040204" pitchFamily="50" charset="-128"/>
+              </a:rPr>
+              <a:t>クビ</a:t>
+            </a:r>
+            <a:r>
+              <a:rPr kumimoji="1" lang="ja-JP" altLang="en-US" sz="2000" dirty="0" smtClean="0">
+                <a:ea typeface="メイリオ" panose="020B0604030504040204" pitchFamily="50" charset="-128"/>
+              </a:rPr>
+              <a:t>だ！！</a:t>
+            </a:r>
+            <a:endParaRPr kumimoji="1" lang="ja-JP" altLang="en-US" sz="2000" dirty="0">
+              <a:ea typeface="メイリオ" panose="020B0604030504040204" pitchFamily="50" charset="-128"/>
+            </a:endParaRPr>
+          </a:p>
+        </p:txBody>
+      </p:sp>
+      <p:sp>
+        <p:nvSpPr>
+          <p:cNvPr id="7" name="角丸四角形吹き出し 6"/>
+          <p:cNvSpPr/>
+          <p:nvPr/>
+        </p:nvSpPr>
+        <p:spPr>
+          <a:xfrm>
+            <a:off x="1691680" y="908720"/>
+            <a:ext cx="3672408" cy="826759"/>
+          </a:xfrm>
+          <a:prstGeom prst="wedgeRoundRectCallout">
+            <a:avLst>
+              <a:gd name="adj1" fmla="val 47595"/>
+              <a:gd name="adj2" fmla="val 141035"/>
+              <a:gd name="adj3" fmla="val 16667"/>
+            </a:avLst>
+          </a:prstGeom>
+          <a:gradFill>
+            <a:gsLst>
+              <a:gs pos="0">
+                <a:schemeClr val="dk1">
+                  <a:tint val="50000"/>
+                  <a:satMod val="300000"/>
+                </a:schemeClr>
+              </a:gs>
+              <a:gs pos="35000">
+                <a:schemeClr val="dk1">
+                  <a:tint val="37000"/>
+                  <a:satMod val="300000"/>
+                </a:schemeClr>
+              </a:gs>
+              <a:gs pos="100000">
+                <a:schemeClr val="dk1">
+                  <a:tint val="15000"/>
+                  <a:satMod val="350000"/>
+                </a:schemeClr>
+              </a:gs>
+            </a:gsLst>
+          </a:gradFill>
+        </p:spPr>
+        <p:style>
+          <a:lnRef idx="1">
+            <a:schemeClr val="dk1"/>
+          </a:lnRef>
+          <a:fillRef idx="2">
+            <a:schemeClr val="dk1"/>
+          </a:fillRef>
+          <a:effectRef idx="1">
+            <a:schemeClr val="dk1"/>
+          </a:effectRef>
+          <a:fontRef idx="minor">
+            <a:schemeClr val="dk1"/>
+          </a:fontRef>
+        </p:style>
+        <p:txBody>
+          <a:bodyPr rtlCol="0" anchor="ctr"/>
+          <a:lstStyle/>
+          <a:p>
+            <a:pPr algn="ctr"/>
+            <a:r>
+              <a:rPr kumimoji="1" lang="ja-JP" altLang="en-US" sz="2000" dirty="0" smtClean="0">
+                <a:ea typeface="メイリオ" panose="020B0604030504040204" pitchFamily="50" charset="-128"/>
+              </a:rPr>
+              <a:t>仕様書なんかくそくらえ！！</a:t>
+            </a:r>
+            <a:endParaRPr kumimoji="1" lang="ja-JP" altLang="en-US" sz="2000" dirty="0">
+              <a:ea typeface="メイリオ" panose="020B0604030504040204" pitchFamily="50" charset="-128"/>
+            </a:endParaRPr>
+          </a:p>
+        </p:txBody>
+      </p:sp>
+    </p:spTree>
+    <p:extLst>
+      <p:ext uri="{BB962C8B-B14F-4D97-AF65-F5344CB8AC3E}">
+        <p14:creationId xmlns:p14="http://schemas.microsoft.com/office/powerpoint/2010/main" val="3235789086"/>
       </p:ext>
     </p:extLst>
   </p:cSld>
@@ -17486,7 +18376,7 @@
 </p:sld>
 </file>
 
-<file path=ppt/slides/slide6.xml><?xml version="1.0" encoding="utf-8"?>
+<file path=ppt/slides/slide8.xml><?xml version="1.0" encoding="utf-8"?>
 <p:sld xmlns:a="http://schemas.openxmlformats.org/drawingml/2006/main" xmlns:r="http://schemas.openxmlformats.org/officeDocument/2006/relationships" xmlns:p="http://schemas.openxmlformats.org/presentationml/2006/main">
   <p:cSld>
     <p:spTree>
@@ -17566,10 +18456,14 @@
           <a:lstStyle/>
           <a:p>
             <a:r>
-              <a:rPr lang="en-US" altLang="ja-JP" dirty="0"/>
+              <a:rPr lang="en-US" altLang="ja-JP" dirty="0">
+                <a:ea typeface="メイリオ" panose="020B0604030504040204" pitchFamily="50" charset="-128"/>
+              </a:rPr>
               <a:t>https://www.flickr.com/photos/kalexanderson/</a:t>
             </a:r>
-            <a:endParaRPr lang="ja-JP" altLang="en-US" dirty="0"/>
+            <a:endParaRPr lang="ja-JP" altLang="en-US" dirty="0">
+              <a:ea typeface="メイリオ" panose="020B0604030504040204" pitchFamily="50" charset="-128"/>
+            </a:endParaRPr>
           </a:p>
         </p:txBody>
       </p:sp>
@@ -17583,191 +18477,6 @@
   <p:clrMapOvr>
     <a:masterClrMapping/>
   </p:clrMapOvr>
-</p:sld>
-</file>
-
-<file path=ppt/slides/slide7.xml><?xml version="1.0" encoding="utf-8"?>
-<p:sld xmlns:a="http://schemas.openxmlformats.org/drawingml/2006/main" xmlns:r="http://schemas.openxmlformats.org/officeDocument/2006/relationships" xmlns:p="http://schemas.openxmlformats.org/presentationml/2006/main">
-  <p:cSld>
-    <p:spTree>
-      <p:nvGrpSpPr>
-        <p:cNvPr id="1" name=""/>
-        <p:cNvGrpSpPr/>
-        <p:nvPr/>
-      </p:nvGrpSpPr>
-      <p:grpSpPr>
-        <a:xfrm>
-          <a:off x="0" y="0"/>
-          <a:ext cx="0" cy="0"/>
-          <a:chOff x="0" y="0"/>
-          <a:chExt cx="0" cy="0"/>
-        </a:xfrm>
-      </p:grpSpPr>
-      <p:sp>
-        <p:nvSpPr>
-          <p:cNvPr id="2" name="タイトル 1"/>
-          <p:cNvSpPr>
-            <a:spLocks noGrp="1"/>
-          </p:cNvSpPr>
-          <p:nvPr>
-            <p:ph type="title"/>
-          </p:nvPr>
-        </p:nvSpPr>
-        <p:spPr/>
-        <p:txBody>
-          <a:bodyPr/>
-          <a:lstStyle/>
-          <a:p>
-            <a:r>
-              <a:rPr lang="ja-JP" altLang="en-US" dirty="0"/>
-              <a:t>アジャイルとは</a:t>
-            </a:r>
-            <a:endParaRPr kumimoji="1" lang="ja-JP" altLang="en-US" dirty="0"/>
-          </a:p>
-        </p:txBody>
-      </p:sp>
-      <p:sp>
-        <p:nvSpPr>
-          <p:cNvPr id="3" name="コンテンツ プレースホルダー 2"/>
-          <p:cNvSpPr>
-            <a:spLocks noGrp="1"/>
-          </p:cNvSpPr>
-          <p:nvPr>
-            <p:ph idx="1"/>
-          </p:nvPr>
-        </p:nvSpPr>
-        <p:spPr/>
-        <p:txBody>
-          <a:bodyPr/>
-          <a:lstStyle/>
-          <a:p>
-            <a:r>
-              <a:rPr lang="ja-JP" altLang="en-US" dirty="0"/>
-              <a:t>ビジネスと</a:t>
-            </a:r>
-            <a:r>
-              <a:rPr lang="en-US" altLang="ja-JP" dirty="0"/>
-              <a:t>IT</a:t>
-            </a:r>
-            <a:r>
-              <a:rPr lang="ja-JP" altLang="en-US" dirty="0"/>
-              <a:t>の融合</a:t>
-            </a:r>
-            <a:endParaRPr kumimoji="1" lang="ja-JP" altLang="en-US" dirty="0"/>
-          </a:p>
-        </p:txBody>
-      </p:sp>
-    </p:spTree>
-    <p:extLst>
-      <p:ext uri="{BB962C8B-B14F-4D97-AF65-F5344CB8AC3E}">
-        <p14:creationId xmlns:p14="http://schemas.microsoft.com/office/powerpoint/2010/main" val="3452321410"/>
-      </p:ext>
-    </p:extLst>
-  </p:cSld>
-  <p:clrMapOvr>
-    <a:masterClrMapping/>
-  </p:clrMapOvr>
-  <p:timing>
-    <p:tnLst>
-      <p:par>
-        <p:cTn id="1" dur="indefinite" restart="never" nodeType="tmRoot"/>
-      </p:par>
-    </p:tnLst>
-  </p:timing>
-</p:sld>
-</file>
-
-<file path=ppt/slides/slide8.xml><?xml version="1.0" encoding="utf-8"?>
-<p:sld xmlns:a="http://schemas.openxmlformats.org/drawingml/2006/main" xmlns:r="http://schemas.openxmlformats.org/officeDocument/2006/relationships" xmlns:p="http://schemas.openxmlformats.org/presentationml/2006/main">
-  <p:cSld>
-    <p:spTree>
-      <p:nvGrpSpPr>
-        <p:cNvPr id="1" name=""/>
-        <p:cNvGrpSpPr/>
-        <p:nvPr/>
-      </p:nvGrpSpPr>
-      <p:grpSpPr>
-        <a:xfrm>
-          <a:off x="0" y="0"/>
-          <a:ext cx="0" cy="0"/>
-          <a:chOff x="0" y="0"/>
-          <a:chExt cx="0" cy="0"/>
-        </a:xfrm>
-      </p:grpSpPr>
-      <p:sp>
-        <p:nvSpPr>
-          <p:cNvPr id="2" name="タイトル 1"/>
-          <p:cNvSpPr>
-            <a:spLocks noGrp="1"/>
-          </p:cNvSpPr>
-          <p:nvPr>
-            <p:ph type="title"/>
-          </p:nvPr>
-        </p:nvSpPr>
-        <p:spPr/>
-        <p:txBody>
-          <a:bodyPr/>
-          <a:lstStyle/>
-          <a:p>
-            <a:r>
-              <a:rPr lang="ja-JP" altLang="en-US" dirty="0" smtClean="0"/>
-              <a:t>ソフトウェアの価値</a:t>
-            </a:r>
-            <a:endParaRPr kumimoji="1" lang="ja-JP" altLang="en-US" dirty="0"/>
-          </a:p>
-        </p:txBody>
-      </p:sp>
-      <p:sp>
-        <p:nvSpPr>
-          <p:cNvPr id="3" name="コンテンツ プレースホルダー 2"/>
-          <p:cNvSpPr>
-            <a:spLocks noGrp="1"/>
-          </p:cNvSpPr>
-          <p:nvPr>
-            <p:ph idx="1"/>
-          </p:nvPr>
-        </p:nvSpPr>
-        <p:spPr/>
-        <p:txBody>
-          <a:bodyPr/>
-          <a:lstStyle/>
-          <a:p>
-            <a:r>
-              <a:rPr lang="ja-JP" altLang="en-US" dirty="0"/>
-              <a:t>顧客視点＞課題を解決し、利益を</a:t>
-            </a:r>
-            <a:r>
-              <a:rPr lang="ja-JP" altLang="en-US" dirty="0" smtClean="0"/>
-              <a:t>得る</a:t>
-            </a:r>
-            <a:endParaRPr lang="en-US" altLang="ja-JP" dirty="0" smtClean="0"/>
-          </a:p>
-          <a:p>
-            <a:r>
-              <a:rPr lang="ja-JP" altLang="en-US" dirty="0"/>
-              <a:t>開発視点＞生きるための糧</a:t>
-            </a:r>
-            <a:endParaRPr kumimoji="1" lang="ja-JP" altLang="en-US" dirty="0"/>
-          </a:p>
-        </p:txBody>
-      </p:sp>
-    </p:spTree>
-    <p:extLst>
-      <p:ext uri="{BB962C8B-B14F-4D97-AF65-F5344CB8AC3E}">
-        <p14:creationId xmlns:p14="http://schemas.microsoft.com/office/powerpoint/2010/main" val="4137240352"/>
-      </p:ext>
-    </p:extLst>
-  </p:cSld>
-  <p:clrMapOvr>
-    <a:masterClrMapping/>
-  </p:clrMapOvr>
-  <p:timing>
-    <p:tnLst>
-      <p:par>
-        <p:cTn id="1" dur="indefinite" restart="never" nodeType="tmRoot"/>
-      </p:par>
-    </p:tnLst>
-  </p:timing>
 </p:sld>
 </file>
 
@@ -17800,14 +18509,12 @@
         </p:nvSpPr>
         <p:spPr/>
         <p:txBody>
-          <a:bodyPr>
-            <a:normAutofit fontScale="90000"/>
-          </a:bodyPr>
+          <a:bodyPr/>
           <a:lstStyle/>
           <a:p>
             <a:r>
               <a:rPr lang="ja-JP" altLang="en-US" dirty="0"/>
-              <a:t>ウォーターフォール開発が提供する価値</a:t>
+              <a:t>アジャイルとは</a:t>
             </a:r>
             <a:endParaRPr kumimoji="1" lang="ja-JP" altLang="en-US" dirty="0"/>
           </a:p>
@@ -17829,35 +18536,17 @@
           <a:lstStyle/>
           <a:p>
             <a:r>
-              <a:rPr lang="ja-JP" altLang="en-US" dirty="0" smtClean="0"/>
-              <a:t>計画</a:t>
-            </a:r>
-            <a:r>
               <a:rPr lang="ja-JP" altLang="en-US" dirty="0"/>
-              <a:t>を重視</a:t>
-            </a:r>
-          </a:p>
-          <a:p>
-            <a:r>
-              <a:rPr lang="ja-JP" altLang="en-US" dirty="0" smtClean="0"/>
-              <a:t>工程</a:t>
+              <a:t>ビジネスと</a:t>
+            </a:r>
+            <a:r>
+              <a:rPr lang="en-US" altLang="ja-JP" dirty="0"/>
+              <a:t>IT</a:t>
             </a:r>
             <a:r>
               <a:rPr lang="ja-JP" altLang="en-US" dirty="0"/>
-              <a:t>管理がしやすい</a:t>
-            </a:r>
-          </a:p>
-          <a:p>
-            <a:r>
-              <a:rPr lang="ja-JP" altLang="en-US" dirty="0" smtClean="0"/>
-              <a:t>リリース</a:t>
-            </a:r>
-            <a:r>
-              <a:rPr lang="ja-JP" altLang="en-US" dirty="0"/>
-              <a:t>直後に得られるベネフィットの最大化</a:t>
-            </a:r>
-          </a:p>
-          <a:p>
+              <a:t>の融合</a:t>
+            </a:r>
             <a:endParaRPr kumimoji="1" lang="ja-JP" altLang="en-US" dirty="0"/>
           </a:p>
         </p:txBody>
@@ -17865,7 +18554,7 @@
     </p:spTree>
     <p:extLst>
       <p:ext uri="{BB962C8B-B14F-4D97-AF65-F5344CB8AC3E}">
-        <p14:creationId xmlns:p14="http://schemas.microsoft.com/office/powerpoint/2010/main" val="2209061038"/>
+        <p14:creationId xmlns:p14="http://schemas.microsoft.com/office/powerpoint/2010/main" val="3452321410"/>
       </p:ext>
     </p:extLst>
   </p:cSld>

--- a/agile.pptx
+++ b/agile.pptx
@@ -5,28 +5,29 @@
     <p:sldMasterId id="2147483708" r:id="rId1"/>
     <p:sldMasterId id="2147483720" r:id="rId2"/>
   </p:sldMasterIdLst>
+  <p:notesMasterIdLst>
+    <p:notesMasterId r:id="rId22"/>
+  </p:notesMasterIdLst>
   <p:sldIdLst>
     <p:sldId id="256" r:id="rId3"/>
     <p:sldId id="271" r:id="rId4"/>
     <p:sldId id="274" r:id="rId5"/>
     <p:sldId id="275" r:id="rId6"/>
     <p:sldId id="276" r:id="rId7"/>
-    <p:sldId id="268" r:id="rId8"/>
-    <p:sldId id="277" r:id="rId9"/>
-    <p:sldId id="272" r:id="rId10"/>
-    <p:sldId id="257" r:id="rId11"/>
-    <p:sldId id="258" r:id="rId12"/>
-    <p:sldId id="259" r:id="rId13"/>
-    <p:sldId id="260" r:id="rId14"/>
-    <p:sldId id="261" r:id="rId15"/>
-    <p:sldId id="269" r:id="rId16"/>
-    <p:sldId id="270" r:id="rId17"/>
-    <p:sldId id="263" r:id="rId18"/>
-    <p:sldId id="264" r:id="rId19"/>
-    <p:sldId id="265" r:id="rId20"/>
-    <p:sldId id="266" r:id="rId21"/>
-    <p:sldId id="267" r:id="rId22"/>
-    <p:sldId id="273" r:id="rId23"/>
+    <p:sldId id="278" r:id="rId8"/>
+    <p:sldId id="268" r:id="rId9"/>
+    <p:sldId id="277" r:id="rId10"/>
+    <p:sldId id="279" r:id="rId11"/>
+    <p:sldId id="261" r:id="rId12"/>
+    <p:sldId id="280" r:id="rId13"/>
+    <p:sldId id="272" r:id="rId14"/>
+    <p:sldId id="281" r:id="rId15"/>
+    <p:sldId id="264" r:id="rId16"/>
+    <p:sldId id="282" r:id="rId17"/>
+    <p:sldId id="265" r:id="rId18"/>
+    <p:sldId id="266" r:id="rId19"/>
+    <p:sldId id="267" r:id="rId20"/>
+    <p:sldId id="273" r:id="rId21"/>
   </p:sldIdLst>
   <p:sldSz cx="9144000" cy="6858000" type="screen4x3"/>
   <p:notesSz cx="6858000" cy="9144000"/>
@@ -1981,8 +1982,8 @@
         <a:lstStyle/>
         <a:p>
           <a:r>
-            <a:rPr kumimoji="1" lang="ja-JP" altLang="en-US" sz="2800" dirty="0" smtClean="0"/>
-            <a:t>ビジネス</a:t>
+            <a:rPr kumimoji="1" lang="ja-JP" altLang="en-US" sz="4800" dirty="0" smtClean="0"/>
+            <a:t>顧客</a:t>
           </a:r>
           <a:endParaRPr kumimoji="1" lang="ja-JP" altLang="en-US" sz="2800" dirty="0"/>
         </a:p>
@@ -2018,10 +2019,10 @@
         <a:lstStyle/>
         <a:p>
           <a:r>
-            <a:rPr kumimoji="1" lang="en-US" altLang="ja-JP" sz="4000" dirty="0" smtClean="0"/>
-            <a:t>IT</a:t>
+            <a:rPr kumimoji="1" lang="ja-JP" altLang="en-US" sz="4800" dirty="0" smtClean="0"/>
+            <a:t>開発</a:t>
           </a:r>
-          <a:endParaRPr kumimoji="1" lang="ja-JP" altLang="en-US" sz="4000" dirty="0"/>
+          <a:endParaRPr kumimoji="1" lang="ja-JP" altLang="en-US" sz="4800" dirty="0"/>
         </a:p>
       </dgm:t>
     </dgm:pt>
@@ -2329,8 +2330,8 @@
       </dsp:nvSpPr>
       <dsp:spPr>
         <a:xfrm>
-          <a:off x="341575" y="8773"/>
-          <a:ext cx="3207888" cy="3207888"/>
+          <a:off x="214254" y="11123"/>
+          <a:ext cx="4067283" cy="4067283"/>
         </a:xfrm>
         <a:prstGeom prst="ellipse">
           <a:avLst/>
@@ -2377,7 +2378,7 @@
         </a:bodyPr>
         <a:lstStyle/>
         <a:p>
-          <a:pPr lvl="0" algn="ctr" defTabSz="1244600">
+          <a:pPr lvl="0" algn="ctr" defTabSz="2133600">
             <a:lnSpc>
               <a:spcPct val="90000"/>
             </a:lnSpc>
@@ -2389,15 +2390,15 @@
             </a:spcAft>
           </a:pPr>
           <a:r>
-            <a:rPr kumimoji="1" lang="ja-JP" altLang="en-US" sz="2800" kern="1200" dirty="0" smtClean="0"/>
-            <a:t>ビジネス</a:t>
+            <a:rPr kumimoji="1" lang="ja-JP" altLang="en-US" sz="4800" kern="1200" dirty="0" smtClean="0"/>
+            <a:t>顧客</a:t>
           </a:r>
           <a:endParaRPr kumimoji="1" lang="ja-JP" altLang="en-US" sz="2800" kern="1200" dirty="0"/>
         </a:p>
       </dsp:txBody>
       <dsp:txXfrm>
-        <a:off x="789524" y="387052"/>
-        <a:ext cx="1849593" cy="2451330"/>
+        <a:off x="782208" y="490743"/>
+        <a:ext cx="2345100" cy="3108043"/>
       </dsp:txXfrm>
     </dsp:sp>
     <dsp:sp modelId="{CE3EFC63-3E07-4332-9534-57C1B86F6A69}">
@@ -2407,8 +2408,8 @@
       </dsp:nvSpPr>
       <dsp:spPr>
         <a:xfrm>
-          <a:off x="2653567" y="8773"/>
-          <a:ext cx="3207888" cy="3207888"/>
+          <a:off x="3145629" y="11123"/>
+          <a:ext cx="4067283" cy="4067283"/>
         </a:xfrm>
         <a:prstGeom prst="ellipse">
           <a:avLst/>
@@ -2455,7 +2456,7 @@
         </a:bodyPr>
         <a:lstStyle/>
         <a:p>
-          <a:pPr lvl="0" algn="ctr" defTabSz="1778000">
+          <a:pPr lvl="0" algn="ctr" defTabSz="2133600">
             <a:lnSpc>
               <a:spcPct val="90000"/>
             </a:lnSpc>
@@ -2467,15 +2468,15 @@
             </a:spcAft>
           </a:pPr>
           <a:r>
-            <a:rPr kumimoji="1" lang="en-US" altLang="ja-JP" sz="4000" kern="1200" dirty="0" smtClean="0"/>
-            <a:t>IT</a:t>
+            <a:rPr kumimoji="1" lang="ja-JP" altLang="en-US" sz="4800" kern="1200" dirty="0" smtClean="0"/>
+            <a:t>開発</a:t>
           </a:r>
-          <a:endParaRPr kumimoji="1" lang="ja-JP" altLang="en-US" sz="4000" kern="1200" dirty="0"/>
+          <a:endParaRPr kumimoji="1" lang="ja-JP" altLang="en-US" sz="4800" kern="1200" dirty="0"/>
         </a:p>
       </dsp:txBody>
       <dsp:txXfrm>
-        <a:off x="3563914" y="387052"/>
-        <a:ext cx="1849593" cy="2451330"/>
+        <a:off x="4299859" y="490743"/>
+        <a:ext cx="2345100" cy="3108043"/>
       </dsp:txXfrm>
     </dsp:sp>
   </dsp:spTree>
@@ -6468,6 +6469,472 @@
 </dgm:styleDef>
 </file>
 
+<file path=ppt/notesMasters/notesMaster1.xml><?xml version="1.0" encoding="utf-8"?>
+<p:notesMaster xmlns:a="http://schemas.openxmlformats.org/drawingml/2006/main" xmlns:r="http://schemas.openxmlformats.org/officeDocument/2006/relationships" xmlns:p="http://schemas.openxmlformats.org/presentationml/2006/main">
+  <p:cSld>
+    <p:bg>
+      <p:bgRef idx="1001">
+        <a:schemeClr val="bg1"/>
+      </p:bgRef>
+    </p:bg>
+    <p:spTree>
+      <p:nvGrpSpPr>
+        <p:cNvPr id="1" name=""/>
+        <p:cNvGrpSpPr/>
+        <p:nvPr/>
+      </p:nvGrpSpPr>
+      <p:grpSpPr>
+        <a:xfrm>
+          <a:off x="0" y="0"/>
+          <a:ext cx="0" cy="0"/>
+          <a:chOff x="0" y="0"/>
+          <a:chExt cx="0" cy="0"/>
+        </a:xfrm>
+      </p:grpSpPr>
+      <p:sp>
+        <p:nvSpPr>
+          <p:cNvPr id="2" name="ヘッダー プレースホルダー 1"/>
+          <p:cNvSpPr>
+            <a:spLocks noGrp="1"/>
+          </p:cNvSpPr>
+          <p:nvPr>
+            <p:ph type="hdr" sz="quarter"/>
+          </p:nvPr>
+        </p:nvSpPr>
+        <p:spPr>
+          <a:xfrm>
+            <a:off x="0" y="0"/>
+            <a:ext cx="2971800" cy="457200"/>
+          </a:xfrm>
+          <a:prstGeom prst="rect">
+            <a:avLst/>
+          </a:prstGeom>
+        </p:spPr>
+        <p:txBody>
+          <a:bodyPr vert="horz" lIns="91440" tIns="45720" rIns="91440" bIns="45720" rtlCol="0"/>
+          <a:lstStyle>
+            <a:lvl1pPr algn="l">
+              <a:defRPr sz="1200"/>
+            </a:lvl1pPr>
+          </a:lstStyle>
+          <a:p>
+            <a:endParaRPr kumimoji="1" lang="ja-JP" altLang="en-US"/>
+          </a:p>
+        </p:txBody>
+      </p:sp>
+      <p:sp>
+        <p:nvSpPr>
+          <p:cNvPr id="3" name="日付プレースホルダー 2"/>
+          <p:cNvSpPr>
+            <a:spLocks noGrp="1"/>
+          </p:cNvSpPr>
+          <p:nvPr>
+            <p:ph type="dt" idx="1"/>
+          </p:nvPr>
+        </p:nvSpPr>
+        <p:spPr>
+          <a:xfrm>
+            <a:off x="3884613" y="0"/>
+            <a:ext cx="2971800" cy="457200"/>
+          </a:xfrm>
+          <a:prstGeom prst="rect">
+            <a:avLst/>
+          </a:prstGeom>
+        </p:spPr>
+        <p:txBody>
+          <a:bodyPr vert="horz" lIns="91440" tIns="45720" rIns="91440" bIns="45720" rtlCol="0"/>
+          <a:lstStyle>
+            <a:lvl1pPr algn="r">
+              <a:defRPr sz="1200"/>
+            </a:lvl1pPr>
+          </a:lstStyle>
+          <a:p>
+            <a:fld id="{C63536B3-A433-4536-B1D2-6036D692E172}" type="datetimeFigureOut">
+              <a:rPr kumimoji="1" lang="ja-JP" altLang="en-US" smtClean="0"/>
+              <a:t>2015/3/5</a:t>
+            </a:fld>
+            <a:endParaRPr kumimoji="1" lang="ja-JP" altLang="en-US"/>
+          </a:p>
+        </p:txBody>
+      </p:sp>
+      <p:sp>
+        <p:nvSpPr>
+          <p:cNvPr id="4" name="スライド イメージ プレースホルダー 3"/>
+          <p:cNvSpPr>
+            <a:spLocks noGrp="1" noRot="1" noChangeAspect="1"/>
+          </p:cNvSpPr>
+          <p:nvPr>
+            <p:ph type="sldImg" idx="2"/>
+          </p:nvPr>
+        </p:nvSpPr>
+        <p:spPr>
+          <a:xfrm>
+            <a:off x="1143000" y="685800"/>
+            <a:ext cx="4572000" cy="3429000"/>
+          </a:xfrm>
+          <a:prstGeom prst="rect">
+            <a:avLst/>
+          </a:prstGeom>
+          <a:noFill/>
+          <a:ln w="12700">
+            <a:solidFill>
+              <a:prstClr val="black"/>
+            </a:solidFill>
+          </a:ln>
+        </p:spPr>
+        <p:txBody>
+          <a:bodyPr vert="horz" lIns="91440" tIns="45720" rIns="91440" bIns="45720" rtlCol="0" anchor="ctr"/>
+          <a:lstStyle/>
+          <a:p>
+            <a:endParaRPr lang="ja-JP" altLang="en-US"/>
+          </a:p>
+        </p:txBody>
+      </p:sp>
+      <p:sp>
+        <p:nvSpPr>
+          <p:cNvPr id="5" name="ノート プレースホルダー 4"/>
+          <p:cNvSpPr>
+            <a:spLocks noGrp="1"/>
+          </p:cNvSpPr>
+          <p:nvPr>
+            <p:ph type="body" sz="quarter" idx="3"/>
+          </p:nvPr>
+        </p:nvSpPr>
+        <p:spPr>
+          <a:xfrm>
+            <a:off x="685800" y="4343400"/>
+            <a:ext cx="5486400" cy="4114800"/>
+          </a:xfrm>
+          <a:prstGeom prst="rect">
+            <a:avLst/>
+          </a:prstGeom>
+        </p:spPr>
+        <p:txBody>
+          <a:bodyPr vert="horz" lIns="91440" tIns="45720" rIns="91440" bIns="45720" rtlCol="0"/>
+          <a:lstStyle/>
+          <a:p>
+            <a:pPr lvl="0"/>
+            <a:r>
+              <a:rPr kumimoji="1" lang="ja-JP" altLang="en-US" smtClean="0"/>
+              <a:t>マスター テキストの書式設定</a:t>
+            </a:r>
+          </a:p>
+          <a:p>
+            <a:pPr lvl="1"/>
+            <a:r>
+              <a:rPr kumimoji="1" lang="ja-JP" altLang="en-US" smtClean="0"/>
+              <a:t>第 </a:t>
+            </a:r>
+            <a:r>
+              <a:rPr kumimoji="1" lang="en-US" altLang="ja-JP" smtClean="0"/>
+              <a:t>2 </a:t>
+            </a:r>
+            <a:r>
+              <a:rPr kumimoji="1" lang="ja-JP" altLang="en-US" smtClean="0"/>
+              <a:t>レベル</a:t>
+            </a:r>
+          </a:p>
+          <a:p>
+            <a:pPr lvl="2"/>
+            <a:r>
+              <a:rPr kumimoji="1" lang="ja-JP" altLang="en-US" smtClean="0"/>
+              <a:t>第 </a:t>
+            </a:r>
+            <a:r>
+              <a:rPr kumimoji="1" lang="en-US" altLang="ja-JP" smtClean="0"/>
+              <a:t>3 </a:t>
+            </a:r>
+            <a:r>
+              <a:rPr kumimoji="1" lang="ja-JP" altLang="en-US" smtClean="0"/>
+              <a:t>レベル</a:t>
+            </a:r>
+          </a:p>
+          <a:p>
+            <a:pPr lvl="3"/>
+            <a:r>
+              <a:rPr kumimoji="1" lang="ja-JP" altLang="en-US" smtClean="0"/>
+              <a:t>第 </a:t>
+            </a:r>
+            <a:r>
+              <a:rPr kumimoji="1" lang="en-US" altLang="ja-JP" smtClean="0"/>
+              <a:t>4 </a:t>
+            </a:r>
+            <a:r>
+              <a:rPr kumimoji="1" lang="ja-JP" altLang="en-US" smtClean="0"/>
+              <a:t>レベル</a:t>
+            </a:r>
+          </a:p>
+          <a:p>
+            <a:pPr lvl="4"/>
+            <a:r>
+              <a:rPr kumimoji="1" lang="ja-JP" altLang="en-US" smtClean="0"/>
+              <a:t>第 </a:t>
+            </a:r>
+            <a:r>
+              <a:rPr kumimoji="1" lang="en-US" altLang="ja-JP" smtClean="0"/>
+              <a:t>5 </a:t>
+            </a:r>
+            <a:r>
+              <a:rPr kumimoji="1" lang="ja-JP" altLang="en-US" smtClean="0"/>
+              <a:t>レベル</a:t>
+            </a:r>
+            <a:endParaRPr kumimoji="1" lang="ja-JP" altLang="en-US"/>
+          </a:p>
+        </p:txBody>
+      </p:sp>
+      <p:sp>
+        <p:nvSpPr>
+          <p:cNvPr id="6" name="フッター プレースホルダー 5"/>
+          <p:cNvSpPr>
+            <a:spLocks noGrp="1"/>
+          </p:cNvSpPr>
+          <p:nvPr>
+            <p:ph type="ftr" sz="quarter" idx="4"/>
+          </p:nvPr>
+        </p:nvSpPr>
+        <p:spPr>
+          <a:xfrm>
+            <a:off x="0" y="8685213"/>
+            <a:ext cx="2971800" cy="457200"/>
+          </a:xfrm>
+          <a:prstGeom prst="rect">
+            <a:avLst/>
+          </a:prstGeom>
+        </p:spPr>
+        <p:txBody>
+          <a:bodyPr vert="horz" lIns="91440" tIns="45720" rIns="91440" bIns="45720" rtlCol="0" anchor="b"/>
+          <a:lstStyle>
+            <a:lvl1pPr algn="l">
+              <a:defRPr sz="1200"/>
+            </a:lvl1pPr>
+          </a:lstStyle>
+          <a:p>
+            <a:endParaRPr kumimoji="1" lang="ja-JP" altLang="en-US"/>
+          </a:p>
+        </p:txBody>
+      </p:sp>
+      <p:sp>
+        <p:nvSpPr>
+          <p:cNvPr id="7" name="スライド番号プレースホルダー 6"/>
+          <p:cNvSpPr>
+            <a:spLocks noGrp="1"/>
+          </p:cNvSpPr>
+          <p:nvPr>
+            <p:ph type="sldNum" sz="quarter" idx="5"/>
+          </p:nvPr>
+        </p:nvSpPr>
+        <p:spPr>
+          <a:xfrm>
+            <a:off x="3884613" y="8685213"/>
+            <a:ext cx="2971800" cy="457200"/>
+          </a:xfrm>
+          <a:prstGeom prst="rect">
+            <a:avLst/>
+          </a:prstGeom>
+        </p:spPr>
+        <p:txBody>
+          <a:bodyPr vert="horz" lIns="91440" tIns="45720" rIns="91440" bIns="45720" rtlCol="0" anchor="b"/>
+          <a:lstStyle>
+            <a:lvl1pPr algn="r">
+              <a:defRPr sz="1200"/>
+            </a:lvl1pPr>
+          </a:lstStyle>
+          <a:p>
+            <a:fld id="{64D9A87F-A978-4AE5-8141-6059365AE4DC}" type="slidenum">
+              <a:rPr kumimoji="1" lang="ja-JP" altLang="en-US" smtClean="0"/>
+              <a:t>‹#›</a:t>
+            </a:fld>
+            <a:endParaRPr kumimoji="1" lang="ja-JP" altLang="en-US"/>
+          </a:p>
+        </p:txBody>
+      </p:sp>
+    </p:spTree>
+    <p:extLst>
+      <p:ext uri="{BB962C8B-B14F-4D97-AF65-F5344CB8AC3E}">
+        <p14:creationId xmlns:p14="http://schemas.microsoft.com/office/powerpoint/2010/main" val="44599713"/>
+      </p:ext>
+    </p:extLst>
+  </p:cSld>
+  <p:clrMap bg1="lt1" tx1="dk1" bg2="lt2" tx2="dk2" accent1="accent1" accent2="accent2" accent3="accent3" accent4="accent4" accent5="accent5" accent6="accent6" hlink="hlink" folHlink="folHlink"/>
+  <p:notesStyle>
+    <a:lvl1pPr marL="0" algn="l" defTabSz="914400" rtl="0" eaLnBrk="1" latinLnBrk="0" hangingPunct="1">
+      <a:defRPr kumimoji="1" sz="1200" kern="1200">
+        <a:solidFill>
+          <a:schemeClr val="tx1"/>
+        </a:solidFill>
+        <a:latin typeface="+mn-lt"/>
+        <a:ea typeface="+mn-ea"/>
+        <a:cs typeface="+mn-cs"/>
+      </a:defRPr>
+    </a:lvl1pPr>
+    <a:lvl2pPr marL="457200" algn="l" defTabSz="914400" rtl="0" eaLnBrk="1" latinLnBrk="0" hangingPunct="1">
+      <a:defRPr kumimoji="1" sz="1200" kern="1200">
+        <a:solidFill>
+          <a:schemeClr val="tx1"/>
+        </a:solidFill>
+        <a:latin typeface="+mn-lt"/>
+        <a:ea typeface="+mn-ea"/>
+        <a:cs typeface="+mn-cs"/>
+      </a:defRPr>
+    </a:lvl2pPr>
+    <a:lvl3pPr marL="914400" algn="l" defTabSz="914400" rtl="0" eaLnBrk="1" latinLnBrk="0" hangingPunct="1">
+      <a:defRPr kumimoji="1" sz="1200" kern="1200">
+        <a:solidFill>
+          <a:schemeClr val="tx1"/>
+        </a:solidFill>
+        <a:latin typeface="+mn-lt"/>
+        <a:ea typeface="+mn-ea"/>
+        <a:cs typeface="+mn-cs"/>
+      </a:defRPr>
+    </a:lvl3pPr>
+    <a:lvl4pPr marL="1371600" algn="l" defTabSz="914400" rtl="0" eaLnBrk="1" latinLnBrk="0" hangingPunct="1">
+      <a:defRPr kumimoji="1" sz="1200" kern="1200">
+        <a:solidFill>
+          <a:schemeClr val="tx1"/>
+        </a:solidFill>
+        <a:latin typeface="+mn-lt"/>
+        <a:ea typeface="+mn-ea"/>
+        <a:cs typeface="+mn-cs"/>
+      </a:defRPr>
+    </a:lvl4pPr>
+    <a:lvl5pPr marL="1828800" algn="l" defTabSz="914400" rtl="0" eaLnBrk="1" latinLnBrk="0" hangingPunct="1">
+      <a:defRPr kumimoji="1" sz="1200" kern="1200">
+        <a:solidFill>
+          <a:schemeClr val="tx1"/>
+        </a:solidFill>
+        <a:latin typeface="+mn-lt"/>
+        <a:ea typeface="+mn-ea"/>
+        <a:cs typeface="+mn-cs"/>
+      </a:defRPr>
+    </a:lvl5pPr>
+    <a:lvl6pPr marL="2286000" algn="l" defTabSz="914400" rtl="0" eaLnBrk="1" latinLnBrk="0" hangingPunct="1">
+      <a:defRPr kumimoji="1" sz="1200" kern="1200">
+        <a:solidFill>
+          <a:schemeClr val="tx1"/>
+        </a:solidFill>
+        <a:latin typeface="+mn-lt"/>
+        <a:ea typeface="+mn-ea"/>
+        <a:cs typeface="+mn-cs"/>
+      </a:defRPr>
+    </a:lvl6pPr>
+    <a:lvl7pPr marL="2743200" algn="l" defTabSz="914400" rtl="0" eaLnBrk="1" latinLnBrk="0" hangingPunct="1">
+      <a:defRPr kumimoji="1" sz="1200" kern="1200">
+        <a:solidFill>
+          <a:schemeClr val="tx1"/>
+        </a:solidFill>
+        <a:latin typeface="+mn-lt"/>
+        <a:ea typeface="+mn-ea"/>
+        <a:cs typeface="+mn-cs"/>
+      </a:defRPr>
+    </a:lvl7pPr>
+    <a:lvl8pPr marL="3200400" algn="l" defTabSz="914400" rtl="0" eaLnBrk="1" latinLnBrk="0" hangingPunct="1">
+      <a:defRPr kumimoji="1" sz="1200" kern="1200">
+        <a:solidFill>
+          <a:schemeClr val="tx1"/>
+        </a:solidFill>
+        <a:latin typeface="+mn-lt"/>
+        <a:ea typeface="+mn-ea"/>
+        <a:cs typeface="+mn-cs"/>
+      </a:defRPr>
+    </a:lvl8pPr>
+    <a:lvl9pPr marL="3657600" algn="l" defTabSz="914400" rtl="0" eaLnBrk="1" latinLnBrk="0" hangingPunct="1">
+      <a:defRPr kumimoji="1" sz="1200" kern="1200">
+        <a:solidFill>
+          <a:schemeClr val="tx1"/>
+        </a:solidFill>
+        <a:latin typeface="+mn-lt"/>
+        <a:ea typeface="+mn-ea"/>
+        <a:cs typeface="+mn-cs"/>
+      </a:defRPr>
+    </a:lvl9pPr>
+  </p:notesStyle>
+</p:notesMaster>
+</file>
+
+<file path=ppt/notesSlides/notesSlide1.xml><?xml version="1.0" encoding="utf-8"?>
+<p:notes xmlns:a="http://schemas.openxmlformats.org/drawingml/2006/main" xmlns:r="http://schemas.openxmlformats.org/officeDocument/2006/relationships" xmlns:p="http://schemas.openxmlformats.org/presentationml/2006/main">
+  <p:cSld>
+    <p:spTree>
+      <p:nvGrpSpPr>
+        <p:cNvPr id="1" name=""/>
+        <p:cNvGrpSpPr/>
+        <p:nvPr/>
+      </p:nvGrpSpPr>
+      <p:grpSpPr>
+        <a:xfrm>
+          <a:off x="0" y="0"/>
+          <a:ext cx="0" cy="0"/>
+          <a:chOff x="0" y="0"/>
+          <a:chExt cx="0" cy="0"/>
+        </a:xfrm>
+      </p:grpSpPr>
+      <p:sp>
+        <p:nvSpPr>
+          <p:cNvPr id="2" name="スライド イメージ プレースホルダー 1"/>
+          <p:cNvSpPr>
+            <a:spLocks noGrp="1" noRot="1" noChangeAspect="1"/>
+          </p:cNvSpPr>
+          <p:nvPr>
+            <p:ph type="sldImg"/>
+          </p:nvPr>
+        </p:nvSpPr>
+        <p:spPr/>
+      </p:sp>
+      <p:sp>
+        <p:nvSpPr>
+          <p:cNvPr id="3" name="ノート プレースホルダー 2"/>
+          <p:cNvSpPr>
+            <a:spLocks noGrp="1"/>
+          </p:cNvSpPr>
+          <p:nvPr>
+            <p:ph type="body" idx="1"/>
+          </p:nvPr>
+        </p:nvSpPr>
+        <p:spPr/>
+        <p:txBody>
+          <a:bodyPr/>
+          <a:lstStyle/>
+          <a:p>
+            <a:endParaRPr kumimoji="1" lang="ja-JP" altLang="en-US" dirty="0"/>
+          </a:p>
+        </p:txBody>
+      </p:sp>
+      <p:sp>
+        <p:nvSpPr>
+          <p:cNvPr id="4" name="スライド番号プレースホルダー 3"/>
+          <p:cNvSpPr>
+            <a:spLocks noGrp="1"/>
+          </p:cNvSpPr>
+          <p:nvPr>
+            <p:ph type="sldNum" sz="quarter" idx="10"/>
+          </p:nvPr>
+        </p:nvSpPr>
+        <p:spPr/>
+        <p:txBody>
+          <a:bodyPr/>
+          <a:lstStyle/>
+          <a:p>
+            <a:fld id="{64D9A87F-A978-4AE5-8141-6059365AE4DC}" type="slidenum">
+              <a:rPr kumimoji="1" lang="ja-JP" altLang="en-US" smtClean="0"/>
+              <a:t>13</a:t>
+            </a:fld>
+            <a:endParaRPr kumimoji="1" lang="ja-JP" altLang="en-US"/>
+          </a:p>
+        </p:txBody>
+      </p:sp>
+    </p:spTree>
+    <p:extLst>
+      <p:ext uri="{BB962C8B-B14F-4D97-AF65-F5344CB8AC3E}">
+        <p14:creationId xmlns:p14="http://schemas.microsoft.com/office/powerpoint/2010/main" val="3854817624"/>
+      </p:ext>
+    </p:extLst>
+  </p:cSld>
+  <p:clrMapOvr>
+    <a:masterClrMapping/>
+  </p:clrMapOvr>
+</p:notes>
+</file>
+
 <file path=ppt/slideLayouts/slideLayout1.xml><?xml version="1.0" encoding="utf-8"?>
 <p:sldLayout xmlns:a="http://schemas.openxmlformats.org/drawingml/2006/main" xmlns:r="http://schemas.openxmlformats.org/officeDocument/2006/relationships" xmlns:p="http://schemas.openxmlformats.org/presentationml/2006/main" showMasterSp="0" type="title" preserve="1">
   <p:cSld name="タイトル スライド">
@@ -6936,7 +7403,7 @@
           <a:p>
             <a:fld id="{9FBEE847-C2C2-48ED-8BCD-764246C9498D}" type="datetimeFigureOut">
               <a:rPr kumimoji="1" lang="ja-JP" altLang="en-US" smtClean="0"/>
-              <a:t>2015/3/4</a:t>
+              <a:t>2015/3/5</a:t>
             </a:fld>
             <a:endParaRPr kumimoji="1" lang="ja-JP" altLang="en-US"/>
           </a:p>
@@ -7133,7 +7600,7 @@
           <a:p>
             <a:fld id="{9FBEE847-C2C2-48ED-8BCD-764246C9498D}" type="datetimeFigureOut">
               <a:rPr kumimoji="1" lang="ja-JP" altLang="en-US" smtClean="0"/>
-              <a:t>2015/3/4</a:t>
+              <a:t>2015/3/5</a:t>
             </a:fld>
             <a:endParaRPr kumimoji="1" lang="ja-JP" altLang="en-US"/>
           </a:p>
@@ -7340,7 +7807,7 @@
           <a:p>
             <a:fld id="{9FBEE847-C2C2-48ED-8BCD-764246C9498D}" type="datetimeFigureOut">
               <a:rPr kumimoji="1" lang="ja-JP" altLang="en-US" smtClean="0"/>
-              <a:t>2015/3/4</a:t>
+              <a:t>2015/3/5</a:t>
             </a:fld>
             <a:endParaRPr kumimoji="1" lang="ja-JP" altLang="en-US"/>
           </a:p>
@@ -7577,7 +8044,7 @@
           <a:p>
             <a:fld id="{9FBEE847-C2C2-48ED-8BCD-764246C9498D}" type="datetimeFigureOut">
               <a:rPr kumimoji="1" lang="ja-JP" altLang="en-US" smtClean="0"/>
-              <a:t>2015/3/4</a:t>
+              <a:t>2015/3/5</a:t>
             </a:fld>
             <a:endParaRPr kumimoji="1" lang="ja-JP" altLang="en-US"/>
           </a:p>
@@ -7779,7 +8246,7 @@
           <a:p>
             <a:fld id="{9FBEE847-C2C2-48ED-8BCD-764246C9498D}" type="datetimeFigureOut">
               <a:rPr kumimoji="1" lang="ja-JP" altLang="en-US" smtClean="0"/>
-              <a:t>2015/3/4</a:t>
+              <a:t>2015/3/5</a:t>
             </a:fld>
             <a:endParaRPr kumimoji="1" lang="ja-JP" altLang="en-US"/>
           </a:p>
@@ -8025,7 +8492,7 @@
           <a:p>
             <a:fld id="{9FBEE847-C2C2-48ED-8BCD-764246C9498D}" type="datetimeFigureOut">
               <a:rPr kumimoji="1" lang="ja-JP" altLang="en-US" smtClean="0"/>
-              <a:t>2015/3/4</a:t>
+              <a:t>2015/3/5</a:t>
             </a:fld>
             <a:endParaRPr kumimoji="1" lang="ja-JP" altLang="en-US"/>
           </a:p>
@@ -8377,7 +8844,7 @@
           <a:p>
             <a:fld id="{9FBEE847-C2C2-48ED-8BCD-764246C9498D}" type="datetimeFigureOut">
               <a:rPr kumimoji="1" lang="ja-JP" altLang="en-US" smtClean="0"/>
-              <a:t>2015/3/4</a:t>
+              <a:t>2015/3/5</a:t>
             </a:fld>
             <a:endParaRPr kumimoji="1" lang="ja-JP" altLang="en-US"/>
           </a:p>
@@ -8863,7 +9330,7 @@
           <a:p>
             <a:fld id="{9FBEE847-C2C2-48ED-8BCD-764246C9498D}" type="datetimeFigureOut">
               <a:rPr kumimoji="1" lang="ja-JP" altLang="en-US" smtClean="0"/>
-              <a:t>2015/3/4</a:t>
+              <a:t>2015/3/5</a:t>
             </a:fld>
             <a:endParaRPr kumimoji="1" lang="ja-JP" altLang="en-US"/>
           </a:p>
@@ -8981,7 +9448,7 @@
           <a:p>
             <a:fld id="{9FBEE847-C2C2-48ED-8BCD-764246C9498D}" type="datetimeFigureOut">
               <a:rPr kumimoji="1" lang="ja-JP" altLang="en-US" smtClean="0"/>
-              <a:t>2015/3/4</a:t>
+              <a:t>2015/3/5</a:t>
             </a:fld>
             <a:endParaRPr kumimoji="1" lang="ja-JP" altLang="en-US"/>
           </a:p>
@@ -9076,7 +9543,7 @@
           <a:p>
             <a:fld id="{9FBEE847-C2C2-48ED-8BCD-764246C9498D}" type="datetimeFigureOut">
               <a:rPr kumimoji="1" lang="ja-JP" altLang="en-US" smtClean="0"/>
-              <a:t>2015/3/4</a:t>
+              <a:t>2015/3/5</a:t>
             </a:fld>
             <a:endParaRPr kumimoji="1" lang="ja-JP" altLang="en-US"/>
           </a:p>
@@ -9385,7 +9852,7 @@
           <a:p>
             <a:fld id="{9FBEE847-C2C2-48ED-8BCD-764246C9498D}" type="datetimeFigureOut">
               <a:rPr kumimoji="1" lang="ja-JP" altLang="en-US" smtClean="0"/>
-              <a:t>2015/3/4</a:t>
+              <a:t>2015/3/5</a:t>
             </a:fld>
             <a:endParaRPr kumimoji="1" lang="ja-JP" altLang="en-US"/>
           </a:p>
@@ -9587,7 +10054,7 @@
           <a:p>
             <a:fld id="{9FBEE847-C2C2-48ED-8BCD-764246C9498D}" type="datetimeFigureOut">
               <a:rPr kumimoji="1" lang="ja-JP" altLang="en-US" smtClean="0"/>
-              <a:t>2015/3/4</a:t>
+              <a:t>2015/3/5</a:t>
             </a:fld>
             <a:endParaRPr kumimoji="1" lang="ja-JP" altLang="en-US"/>
           </a:p>
@@ -9835,7 +10302,7 @@
           <a:p>
             <a:fld id="{9FBEE847-C2C2-48ED-8BCD-764246C9498D}" type="datetimeFigureOut">
               <a:rPr kumimoji="1" lang="ja-JP" altLang="en-US" smtClean="0"/>
-              <a:t>2015/3/4</a:t>
+              <a:t>2015/3/5</a:t>
             </a:fld>
             <a:endParaRPr kumimoji="1" lang="ja-JP" altLang="en-US"/>
           </a:p>
@@ -10037,7 +10504,7 @@
           <a:p>
             <a:fld id="{9FBEE847-C2C2-48ED-8BCD-764246C9498D}" type="datetimeFigureOut">
               <a:rPr kumimoji="1" lang="ja-JP" altLang="en-US" smtClean="0"/>
-              <a:t>2015/3/4</a:t>
+              <a:t>2015/3/5</a:t>
             </a:fld>
             <a:endParaRPr kumimoji="1" lang="ja-JP" altLang="en-US"/>
           </a:p>
@@ -10249,7 +10716,7 @@
           <a:p>
             <a:fld id="{9FBEE847-C2C2-48ED-8BCD-764246C9498D}" type="datetimeFigureOut">
               <a:rPr kumimoji="1" lang="ja-JP" altLang="en-US" smtClean="0"/>
-              <a:t>2015/3/4</a:t>
+              <a:t>2015/3/5</a:t>
             </a:fld>
             <a:endParaRPr kumimoji="1" lang="ja-JP" altLang="en-US"/>
           </a:p>
@@ -10807,7 +11274,7 @@
           <a:p>
             <a:fld id="{9FBEE847-C2C2-48ED-8BCD-764246C9498D}" type="datetimeFigureOut">
               <a:rPr kumimoji="1" lang="ja-JP" altLang="en-US" smtClean="0"/>
-              <a:t>2015/3/4</a:t>
+              <a:t>2015/3/5</a:t>
             </a:fld>
             <a:endParaRPr kumimoji="1" lang="ja-JP" altLang="en-US"/>
           </a:p>
@@ -11131,7 +11598,7 @@
           <a:p>
             <a:fld id="{9FBEE847-C2C2-48ED-8BCD-764246C9498D}" type="datetimeFigureOut">
               <a:rPr kumimoji="1" lang="ja-JP" altLang="en-US" smtClean="0"/>
-              <a:t>2015/3/4</a:t>
+              <a:t>2015/3/5</a:t>
             </a:fld>
             <a:endParaRPr kumimoji="1" lang="ja-JP" altLang="en-US"/>
           </a:p>
@@ -11683,7 +12150,7 @@
           <a:p>
             <a:fld id="{9FBEE847-C2C2-48ED-8BCD-764246C9498D}" type="datetimeFigureOut">
               <a:rPr kumimoji="1" lang="ja-JP" altLang="en-US" smtClean="0"/>
-              <a:t>2015/3/4</a:t>
+              <a:t>2015/3/5</a:t>
             </a:fld>
             <a:endParaRPr kumimoji="1" lang="ja-JP" altLang="en-US"/>
           </a:p>
@@ -11796,7 +12263,7 @@
           <a:p>
             <a:fld id="{9FBEE847-C2C2-48ED-8BCD-764246C9498D}" type="datetimeFigureOut">
               <a:rPr kumimoji="1" lang="ja-JP" altLang="en-US" smtClean="0"/>
-              <a:t>2015/3/4</a:t>
+              <a:t>2015/3/5</a:t>
             </a:fld>
             <a:endParaRPr kumimoji="1" lang="ja-JP" altLang="en-US"/>
           </a:p>
@@ -11886,7 +12353,7 @@
           <a:p>
             <a:fld id="{9FBEE847-C2C2-48ED-8BCD-764246C9498D}" type="datetimeFigureOut">
               <a:rPr kumimoji="1" lang="ja-JP" altLang="en-US" smtClean="0"/>
-              <a:t>2015/3/4</a:t>
+              <a:t>2015/3/5</a:t>
             </a:fld>
             <a:endParaRPr kumimoji="1" lang="ja-JP" altLang="en-US"/>
           </a:p>
@@ -12348,7 +12815,7 @@
           <a:p>
             <a:fld id="{9FBEE847-C2C2-48ED-8BCD-764246C9498D}" type="datetimeFigureOut">
               <a:rPr kumimoji="1" lang="ja-JP" altLang="en-US" smtClean="0"/>
-              <a:t>2015/3/4</a:t>
+              <a:t>2015/3/5</a:t>
             </a:fld>
             <a:endParaRPr kumimoji="1" lang="ja-JP" altLang="en-US"/>
           </a:p>
@@ -12881,7 +13348,7 @@
           <a:p>
             <a:fld id="{9FBEE847-C2C2-48ED-8BCD-764246C9498D}" type="datetimeFigureOut">
               <a:rPr kumimoji="1" lang="ja-JP" altLang="en-US" smtClean="0"/>
-              <a:t>2015/3/4</a:t>
+              <a:t>2015/3/5</a:t>
             </a:fld>
             <a:endParaRPr kumimoji="1" lang="ja-JP" altLang="en-US"/>
           </a:p>
@@ -13755,7 +14222,7 @@
             <a:fld id="{9FBEE847-C2C2-48ED-8BCD-764246C9498D}" type="datetimeFigureOut">
               <a:rPr lang="ja-JP" altLang="en-US" smtClean="0"/>
               <a:pPr/>
-              <a:t>2015/3/4</a:t>
+              <a:t>2015/3/5</a:t>
             </a:fld>
             <a:endParaRPr lang="ja-JP" altLang="en-US" dirty="0"/>
           </a:p>
@@ -14324,7 +14791,7 @@
             <a:fld id="{9FBEE847-C2C2-48ED-8BCD-764246C9498D}" type="datetimeFigureOut">
               <a:rPr lang="ja-JP" altLang="en-US" smtClean="0"/>
               <a:pPr/>
-              <a:t>2015/3/4</a:t>
+              <a:t>2015/3/5</a:t>
             </a:fld>
             <a:endParaRPr lang="ja-JP" altLang="en-US" dirty="0"/>
           </a:p>
@@ -14781,6 +15248,47 @@
           <a:chExt cx="0" cy="0"/>
         </a:xfrm>
       </p:grpSpPr>
+      <p:pic>
+        <p:nvPicPr>
+          <p:cNvPr id="1027" name="Picture 3" descr="C:\Users\ishii\AppData\Local\Temp\3526002850_6ac64e374e_b.jpg"/>
+          <p:cNvPicPr>
+            <a:picLocks noChangeAspect="1" noChangeArrowheads="1"/>
+          </p:cNvPicPr>
+          <p:nvPr/>
+        </p:nvPicPr>
+        <p:blipFill>
+          <a:blip r:embed="rId2">
+            <a:extLst>
+              <a:ext uri="{28A0092B-C50C-407E-A947-70E740481C1C}">
+                <a14:useLocalDpi xmlns:a14="http://schemas.microsoft.com/office/drawing/2010/main" val="0"/>
+              </a:ext>
+            </a:extLst>
+          </a:blip>
+          <a:srcRect/>
+          <a:stretch>
+            <a:fillRect/>
+          </a:stretch>
+        </p:blipFill>
+        <p:spPr bwMode="auto">
+          <a:xfrm>
+            <a:off x="0" y="260648"/>
+            <a:ext cx="9144000" cy="6299894"/>
+          </a:xfrm>
+          <a:prstGeom prst="rect">
+            <a:avLst/>
+          </a:prstGeom>
+          <a:noFill/>
+          <a:extLst>
+            <a:ext uri="{909E8E84-426E-40DD-AFC4-6F175D3DCCD1}">
+              <a14:hiddenFill xmlns:a14="http://schemas.microsoft.com/office/drawing/2010/main">
+                <a:solidFill>
+                  <a:srgbClr val="FFFFFF"/>
+                </a:solidFill>
+              </a14:hiddenFill>
+            </a:ext>
+          </a:extLst>
+        </p:spPr>
+      </p:pic>
       <p:sp>
         <p:nvSpPr>
           <p:cNvPr id="2" name="タイトル 1"/>
@@ -14797,8 +15305,8 @@
           <a:lstStyle/>
           <a:p>
             <a:r>
-              <a:rPr lang="ja-JP" altLang="en-US" dirty="0" smtClean="0"/>
-              <a:t>ソフトウェアの価値</a:t>
+              <a:rPr lang="en-US" altLang="ja-JP" dirty="0" smtClean="0"/>
+              <a:t>Agile</a:t>
             </a:r>
             <a:endParaRPr kumimoji="1" lang="ja-JP" altLang="en-US" dirty="0"/>
           </a:p>
@@ -14814,34 +15322,86 @@
             <p:ph idx="1"/>
           </p:nvPr>
         </p:nvSpPr>
-        <p:spPr/>
+        <p:spPr>
+          <a:xfrm>
+            <a:off x="251520" y="1556792"/>
+            <a:ext cx="8640960" cy="1108720"/>
+          </a:xfrm>
+        </p:spPr>
         <p:txBody>
-          <a:bodyPr/>
+          <a:bodyPr>
+            <a:noAutofit/>
+          </a:bodyPr>
           <a:lstStyle/>
           <a:p>
-            <a:r>
-              <a:rPr lang="ja-JP" altLang="en-US" dirty="0"/>
-              <a:t>顧客視点＞課題を解決し、利益を</a:t>
-            </a:r>
-            <a:r>
-              <a:rPr lang="ja-JP" altLang="en-US" dirty="0" smtClean="0"/>
-              <a:t>得る</a:t>
-            </a:r>
-            <a:endParaRPr lang="en-US" altLang="ja-JP" dirty="0" smtClean="0"/>
-          </a:p>
-          <a:p>
-            <a:r>
-              <a:rPr lang="ja-JP" altLang="en-US" dirty="0"/>
-              <a:t>開発視点＞生きるための糧</a:t>
-            </a:r>
-            <a:endParaRPr kumimoji="1" lang="ja-JP" altLang="en-US" dirty="0"/>
+            <a:pPr marL="0" indent="0">
+              <a:buNone/>
+            </a:pPr>
+            <a:r>
+              <a:rPr lang="en-US" altLang="ja-JP" sz="4000" dirty="0"/>
+              <a:t>『</a:t>
+            </a:r>
+            <a:r>
+              <a:rPr lang="ja-JP" altLang="en-US" sz="4000" dirty="0"/>
+              <a:t>すばやい</a:t>
+            </a:r>
+            <a:r>
+              <a:rPr lang="en-US" altLang="ja-JP" sz="4000" dirty="0"/>
+              <a:t>』『</a:t>
+            </a:r>
+            <a:r>
+              <a:rPr lang="ja-JP" altLang="en-US" sz="4000" dirty="0"/>
+              <a:t>俊敏な</a:t>
+            </a:r>
+            <a:r>
+              <a:rPr lang="en-US" altLang="ja-JP" sz="4000" dirty="0"/>
+              <a:t>』</a:t>
+            </a:r>
+            <a:r>
+              <a:rPr lang="ja-JP" altLang="en-US" sz="4000" dirty="0"/>
+              <a:t>という意味</a:t>
+            </a:r>
+            <a:endParaRPr kumimoji="1" lang="ja-JP" altLang="en-US" sz="4000" dirty="0"/>
+          </a:p>
+        </p:txBody>
+      </p:sp>
+      <p:sp>
+        <p:nvSpPr>
+          <p:cNvPr id="4" name="正方形/長方形 3"/>
+          <p:cNvSpPr/>
+          <p:nvPr/>
+        </p:nvSpPr>
+        <p:spPr>
+          <a:xfrm>
+            <a:off x="4788024" y="6555239"/>
+            <a:ext cx="4440575" cy="369332"/>
+          </a:xfrm>
+          <a:prstGeom prst="rect">
+            <a:avLst/>
+          </a:prstGeom>
+        </p:spPr>
+        <p:txBody>
+          <a:bodyPr wrap="none">
+            <a:spAutoFit/>
+          </a:bodyPr>
+          <a:lstStyle/>
+          <a:p>
+            <a:r>
+              <a:rPr lang="en-US" altLang="ja-JP" dirty="0">
+                <a:ea typeface="メイリオ" panose="020B0604030504040204" pitchFamily="50" charset="-128"/>
+              </a:rPr>
+              <a:t>https://www.flickr.com/photos/tearsandrain/</a:t>
+            </a:r>
+            <a:endParaRPr lang="ja-JP" altLang="en-US" dirty="0">
+              <a:ea typeface="メイリオ" panose="020B0604030504040204" pitchFamily="50" charset="-128"/>
+            </a:endParaRPr>
           </a:p>
         </p:txBody>
       </p:sp>
     </p:spTree>
     <p:extLst>
       <p:ext uri="{BB962C8B-B14F-4D97-AF65-F5344CB8AC3E}">
-        <p14:creationId xmlns:p14="http://schemas.microsoft.com/office/powerpoint/2010/main" val="4137240352"/>
+        <p14:creationId xmlns:p14="http://schemas.microsoft.com/office/powerpoint/2010/main" val="3242433111"/>
       </p:ext>
     </p:extLst>
   </p:cSld>
@@ -14875,9 +15435,89 @@
           <a:chExt cx="0" cy="0"/>
         </a:xfrm>
       </p:grpSpPr>
+      <p:pic>
+        <p:nvPicPr>
+          <p:cNvPr id="4" name="Picture 2" descr="C:\Users\ishii\AppData\Local\Temp\2639161575_df1fbac77d_b-1.jpg"/>
+          <p:cNvPicPr>
+            <a:picLocks noChangeAspect="1" noChangeArrowheads="1"/>
+          </p:cNvPicPr>
+          <p:nvPr/>
+        </p:nvPicPr>
+        <p:blipFill>
+          <a:blip r:embed="rId2">
+            <a:extLst>
+              <a:ext uri="{28A0092B-C50C-407E-A947-70E740481C1C}">
+                <a14:useLocalDpi xmlns:a14="http://schemas.microsoft.com/office/drawing/2010/main" val="0"/>
+              </a:ext>
+            </a:extLst>
+          </a:blip>
+          <a:srcRect/>
+          <a:stretch>
+            <a:fillRect/>
+          </a:stretch>
+        </p:blipFill>
+        <p:spPr bwMode="auto">
+          <a:xfrm>
+            <a:off x="3016930" y="0"/>
+            <a:ext cx="6091574" cy="3140968"/>
+          </a:xfrm>
+          <a:prstGeom prst="rect">
+            <a:avLst/>
+          </a:prstGeom>
+          <a:noFill/>
+          <a:extLst>
+            <a:ext uri="{909E8E84-426E-40DD-AFC4-6F175D3DCCD1}">
+              <a14:hiddenFill xmlns:a14="http://schemas.microsoft.com/office/drawing/2010/main">
+                <a:solidFill>
+                  <a:srgbClr val="FFFFFF"/>
+                </a:solidFill>
+              </a14:hiddenFill>
+            </a:ext>
+          </a:extLst>
+        </p:spPr>
+      </p:pic>
+      <p:pic>
+        <p:nvPicPr>
+          <p:cNvPr id="5" name="Picture 2" descr="C:\Users\ishii\AppData\Local\Temp\14080962537_fa2c7fdd37_k.jpg"/>
+          <p:cNvPicPr>
+            <a:picLocks noChangeAspect="1" noChangeArrowheads="1"/>
+          </p:cNvPicPr>
+          <p:nvPr/>
+        </p:nvPicPr>
+        <p:blipFill rotWithShape="1">
+          <a:blip r:embed="rId3" cstate="print">
+            <a:extLst>
+              <a:ext uri="{28A0092B-C50C-407E-A947-70E740481C1C}">
+                <a14:useLocalDpi xmlns:a14="http://schemas.microsoft.com/office/drawing/2010/main" val="0"/>
+              </a:ext>
+            </a:extLst>
+          </a:blip>
+          <a:srcRect t="15" b="157"/>
+          <a:stretch/>
+        </p:blipFill>
+        <p:spPr bwMode="auto">
+          <a:xfrm>
+            <a:off x="0" y="3166654"/>
+            <a:ext cx="5547939" cy="3691346"/>
+          </a:xfrm>
+          <a:prstGeom prst="rect">
+            <a:avLst/>
+          </a:prstGeom>
+          <a:noFill/>
+          <a:extLst>
+            <a:ext uri="{909E8E84-426E-40DD-AFC4-6F175D3DCCD1}">
+              <a14:hiddenFill xmlns:a14="http://schemas.microsoft.com/office/drawing/2010/main">
+                <a:solidFill>
+                  <a:srgbClr val="FFFFFF"/>
+                </a:solidFill>
+              </a14:hiddenFill>
+            </a:ext>
+          </a:extLst>
+        </p:spPr>
+      </p:pic>
       <p:sp>
         <p:nvSpPr>
-          <p:cNvPr id="2" name="タイトル 1"/>
+          <p:cNvPr id="6" name="タイトル 1"/>
           <p:cNvSpPr>
             <a:spLocks noGrp="1"/>
           </p:cNvSpPr>
@@ -14885,74 +15525,76 @@
             <p:ph type="title"/>
           </p:nvPr>
         </p:nvSpPr>
-        <p:spPr/>
+        <p:spPr>
+          <a:xfrm>
+            <a:off x="179512" y="998984"/>
+            <a:ext cx="2693402" cy="1143000"/>
+          </a:xfrm>
+        </p:spPr>
         <p:txBody>
           <a:bodyPr>
-            <a:normAutofit fontScale="90000"/>
+            <a:noAutofit/>
           </a:bodyPr>
           <a:lstStyle/>
           <a:p>
             <a:r>
-              <a:rPr lang="ja-JP" altLang="en-US" dirty="0"/>
-              <a:t>ウォーターフォール開発が提供する価値</a:t>
-            </a:r>
-            <a:endParaRPr kumimoji="1" lang="ja-JP" altLang="en-US" dirty="0"/>
+              <a:rPr kumimoji="1" lang="ja-JP" altLang="en-US" sz="8000" dirty="0" smtClean="0"/>
+              <a:t>速い</a:t>
+            </a:r>
+            <a:endParaRPr kumimoji="1" lang="ja-JP" altLang="en-US" sz="8000" dirty="0"/>
           </a:p>
         </p:txBody>
       </p:sp>
       <p:sp>
         <p:nvSpPr>
-          <p:cNvPr id="3" name="コンテンツ プレースホルダー 2"/>
-          <p:cNvSpPr>
-            <a:spLocks noGrp="1"/>
+          <p:cNvPr id="7" name="タイトル 1"/>
+          <p:cNvSpPr txBox="1">
+            <a:spLocks/>
           </p:cNvSpPr>
-          <p:nvPr>
-            <p:ph idx="1"/>
-          </p:nvPr>
+          <p:nvPr/>
         </p:nvSpPr>
-        <p:spPr/>
+        <p:spPr>
+          <a:xfrm>
+            <a:off x="5868144" y="4581128"/>
+            <a:ext cx="2693402" cy="1143000"/>
+          </a:xfrm>
+          <a:prstGeom prst="rect">
+            <a:avLst/>
+          </a:prstGeom>
+        </p:spPr>
         <p:txBody>
-          <a:bodyPr/>
-          <a:lstStyle/>
-          <a:p>
-            <a:r>
-              <a:rPr lang="ja-JP" altLang="en-US" dirty="0" smtClean="0"/>
-              <a:t>計画</a:t>
-            </a:r>
-            <a:r>
-              <a:rPr lang="ja-JP" altLang="en-US" dirty="0"/>
-              <a:t>を重視</a:t>
-            </a:r>
-          </a:p>
-          <a:p>
-            <a:r>
-              <a:rPr lang="ja-JP" altLang="en-US" dirty="0" smtClean="0"/>
-              <a:t>工程</a:t>
-            </a:r>
-            <a:r>
-              <a:rPr lang="ja-JP" altLang="en-US" dirty="0"/>
-              <a:t>管理がしやすい</a:t>
-            </a:r>
-          </a:p>
-          <a:p>
-            <a:r>
-              <a:rPr lang="ja-JP" altLang="en-US" dirty="0" smtClean="0"/>
-              <a:t>リリース</a:t>
-            </a:r>
-            <a:r>
-              <a:rPr lang="ja-JP" altLang="en-US" dirty="0"/>
-              <a:t>直後に得られるベネフィットの最大化</a:t>
-            </a:r>
-          </a:p>
-          <a:p>
-            <a:endParaRPr kumimoji="1" lang="ja-JP" altLang="en-US" dirty="0"/>
+          <a:bodyPr vert="horz" lIns="91440" tIns="45720" rIns="91440" bIns="45720" rtlCol="0" anchor="ctr">
+            <a:noAutofit/>
+          </a:bodyPr>
+          <a:lstStyle>
+            <a:lvl1pPr algn="ctr" defTabSz="914400" rtl="0" eaLnBrk="1" latinLnBrk="0" hangingPunct="1">
+              <a:spcBef>
+                <a:spcPct val="0"/>
+              </a:spcBef>
+              <a:buNone/>
+              <a:defRPr kumimoji="1" sz="4400" kern="1200">
+                <a:solidFill>
+                  <a:schemeClr val="tx1"/>
+                </a:solidFill>
+                <a:latin typeface="+mj-lt"/>
+                <a:ea typeface="メイリオ" panose="020B0604030504040204" pitchFamily="50" charset="-128"/>
+                <a:cs typeface="+mj-cs"/>
+              </a:defRPr>
+            </a:lvl1pPr>
+          </a:lstStyle>
+          <a:p>
+            <a:r>
+              <a:rPr lang="ja-JP" altLang="en-US" sz="8000" dirty="0" smtClean="0"/>
+              <a:t>敏い</a:t>
+            </a:r>
+            <a:endParaRPr lang="ja-JP" altLang="en-US" sz="8000" dirty="0"/>
           </a:p>
         </p:txBody>
       </p:sp>
     </p:spTree>
     <p:extLst>
       <p:ext uri="{BB962C8B-B14F-4D97-AF65-F5344CB8AC3E}">
-        <p14:creationId xmlns:p14="http://schemas.microsoft.com/office/powerpoint/2010/main" val="2209061038"/>
+        <p14:creationId xmlns:p14="http://schemas.microsoft.com/office/powerpoint/2010/main" val="2504805060"/>
       </p:ext>
     </p:extLst>
   </p:cSld>
@@ -14986,229 +15628,9 @@
           <a:chExt cx="0" cy="0"/>
         </a:xfrm>
       </p:grpSpPr>
-      <p:sp>
-        <p:nvSpPr>
-          <p:cNvPr id="2" name="タイトル 1"/>
-          <p:cNvSpPr>
-            <a:spLocks noGrp="1"/>
-          </p:cNvSpPr>
-          <p:nvPr>
-            <p:ph type="title"/>
-          </p:nvPr>
-        </p:nvSpPr>
-        <p:spPr/>
-        <p:txBody>
-          <a:bodyPr/>
-          <a:lstStyle/>
-          <a:p>
-            <a:r>
-              <a:rPr lang="ja-JP" altLang="en-US" dirty="0"/>
-              <a:t>アジャイル開発が提供する価値</a:t>
-            </a:r>
-            <a:endParaRPr kumimoji="1" lang="ja-JP" altLang="en-US" dirty="0"/>
-          </a:p>
-        </p:txBody>
-      </p:sp>
-      <p:sp>
-        <p:nvSpPr>
-          <p:cNvPr id="3" name="コンテンツ プレースホルダー 2"/>
-          <p:cNvSpPr>
-            <a:spLocks noGrp="1"/>
-          </p:cNvSpPr>
-          <p:nvPr>
-            <p:ph idx="1"/>
-          </p:nvPr>
-        </p:nvSpPr>
-        <p:spPr/>
-        <p:txBody>
-          <a:bodyPr/>
-          <a:lstStyle/>
-          <a:p>
-            <a:r>
-              <a:rPr lang="ja-JP" altLang="en-US" dirty="0"/>
-              <a:t>変化に適応</a:t>
-            </a:r>
-            <a:r>
-              <a:rPr lang="ja-JP" altLang="en-US" dirty="0" smtClean="0"/>
-              <a:t>する</a:t>
-            </a:r>
-            <a:endParaRPr lang="en-US" altLang="ja-JP" dirty="0" smtClean="0"/>
-          </a:p>
-          <a:p>
-            <a:r>
-              <a:rPr lang="ja-JP" altLang="en-US" dirty="0"/>
-              <a:t>リスクの軽減</a:t>
-            </a:r>
-            <a:endParaRPr kumimoji="1" lang="ja-JP" altLang="en-US" dirty="0"/>
-          </a:p>
-        </p:txBody>
-      </p:sp>
-    </p:spTree>
-    <p:extLst>
-      <p:ext uri="{BB962C8B-B14F-4D97-AF65-F5344CB8AC3E}">
-        <p14:creationId xmlns:p14="http://schemas.microsoft.com/office/powerpoint/2010/main" val="3070162106"/>
-      </p:ext>
-    </p:extLst>
-  </p:cSld>
-  <p:clrMapOvr>
-    <a:masterClrMapping/>
-  </p:clrMapOvr>
-  <p:timing>
-    <p:tnLst>
-      <p:par>
-        <p:cTn id="1" dur="indefinite" restart="never" nodeType="tmRoot"/>
-      </p:par>
-    </p:tnLst>
-  </p:timing>
-</p:sld>
-</file>
-
-<file path=ppt/slides/slide13.xml><?xml version="1.0" encoding="utf-8"?>
-<p:sld xmlns:a="http://schemas.openxmlformats.org/drawingml/2006/main" xmlns:r="http://schemas.openxmlformats.org/officeDocument/2006/relationships" xmlns:p="http://schemas.openxmlformats.org/presentationml/2006/main">
-  <p:cSld>
-    <p:spTree>
-      <p:nvGrpSpPr>
-        <p:cNvPr id="1" name=""/>
-        <p:cNvGrpSpPr/>
-        <p:nvPr/>
-      </p:nvGrpSpPr>
-      <p:grpSpPr>
-        <a:xfrm>
-          <a:off x="0" y="0"/>
-          <a:ext cx="0" cy="0"/>
-          <a:chOff x="0" y="0"/>
-          <a:chExt cx="0" cy="0"/>
-        </a:xfrm>
-      </p:grpSpPr>
-      <p:sp>
-        <p:nvSpPr>
-          <p:cNvPr id="2" name="タイトル 1"/>
-          <p:cNvSpPr>
-            <a:spLocks noGrp="1"/>
-          </p:cNvSpPr>
-          <p:nvPr>
-            <p:ph type="title"/>
-          </p:nvPr>
-        </p:nvSpPr>
-        <p:spPr/>
-        <p:txBody>
-          <a:bodyPr/>
-          <a:lstStyle/>
-          <a:p>
-            <a:r>
-              <a:rPr lang="en-US" altLang="ja-JP" dirty="0" smtClean="0"/>
-              <a:t>Agile</a:t>
-            </a:r>
-            <a:endParaRPr kumimoji="1" lang="ja-JP" altLang="en-US" dirty="0"/>
-          </a:p>
-        </p:txBody>
-      </p:sp>
-      <p:sp>
-        <p:nvSpPr>
-          <p:cNvPr id="3" name="コンテンツ プレースホルダー 2"/>
-          <p:cNvSpPr>
-            <a:spLocks noGrp="1"/>
-          </p:cNvSpPr>
-          <p:nvPr>
-            <p:ph idx="1"/>
-          </p:nvPr>
-        </p:nvSpPr>
-        <p:spPr/>
-        <p:txBody>
-          <a:bodyPr/>
-          <a:lstStyle/>
-          <a:p>
-            <a:r>
-              <a:rPr lang="en-US" altLang="ja-JP" dirty="0"/>
-              <a:t>『</a:t>
-            </a:r>
-            <a:r>
-              <a:rPr lang="ja-JP" altLang="en-US" dirty="0"/>
-              <a:t>すばやい</a:t>
-            </a:r>
-            <a:r>
-              <a:rPr lang="en-US" altLang="ja-JP" dirty="0"/>
-              <a:t>』『</a:t>
-            </a:r>
-            <a:r>
-              <a:rPr lang="ja-JP" altLang="en-US" dirty="0"/>
-              <a:t>俊敏な</a:t>
-            </a:r>
-            <a:r>
-              <a:rPr lang="en-US" altLang="ja-JP" dirty="0"/>
-              <a:t>』</a:t>
-            </a:r>
-            <a:r>
-              <a:rPr lang="ja-JP" altLang="en-US" dirty="0"/>
-              <a:t>という意味</a:t>
-            </a:r>
-            <a:endParaRPr kumimoji="1" lang="ja-JP" altLang="en-US" dirty="0"/>
-          </a:p>
-        </p:txBody>
-      </p:sp>
-    </p:spTree>
-    <p:extLst>
-      <p:ext uri="{BB962C8B-B14F-4D97-AF65-F5344CB8AC3E}">
-        <p14:creationId xmlns:p14="http://schemas.microsoft.com/office/powerpoint/2010/main" val="3242433111"/>
-      </p:ext>
-    </p:extLst>
-  </p:cSld>
-  <p:clrMapOvr>
-    <a:masterClrMapping/>
-  </p:clrMapOvr>
-  <p:timing>
-    <p:tnLst>
-      <p:par>
-        <p:cTn id="1" dur="indefinite" restart="never" nodeType="tmRoot"/>
-      </p:par>
-    </p:tnLst>
-  </p:timing>
-</p:sld>
-</file>
-
-<file path=ppt/slides/slide14.xml><?xml version="1.0" encoding="utf-8"?>
-<p:sld xmlns:a="http://schemas.openxmlformats.org/drawingml/2006/main" xmlns:r="http://schemas.openxmlformats.org/officeDocument/2006/relationships" xmlns:p="http://schemas.openxmlformats.org/presentationml/2006/main">
-  <p:cSld>
-    <p:spTree>
-      <p:nvGrpSpPr>
-        <p:cNvPr id="1" name=""/>
-        <p:cNvGrpSpPr/>
-        <p:nvPr/>
-      </p:nvGrpSpPr>
-      <p:grpSpPr>
-        <a:xfrm>
-          <a:off x="0" y="0"/>
-          <a:ext cx="0" cy="0"/>
-          <a:chOff x="0" y="0"/>
-          <a:chExt cx="0" cy="0"/>
-        </a:xfrm>
-      </p:grpSpPr>
-      <p:sp>
-        <p:nvSpPr>
-          <p:cNvPr id="2" name="タイトル 1"/>
-          <p:cNvSpPr>
-            <a:spLocks noGrp="1"/>
-          </p:cNvSpPr>
-          <p:nvPr>
-            <p:ph type="title"/>
-          </p:nvPr>
-        </p:nvSpPr>
-        <p:spPr/>
-        <p:txBody>
-          <a:bodyPr/>
-          <a:lstStyle/>
-          <a:p>
-            <a:r>
-              <a:rPr kumimoji="1" lang="ja-JP" altLang="en-US" dirty="0" smtClean="0"/>
-              <a:t>速い</a:t>
-            </a:r>
-            <a:endParaRPr kumimoji="1" lang="ja-JP" altLang="en-US" dirty="0"/>
-          </a:p>
-        </p:txBody>
-      </p:sp>
       <p:pic>
         <p:nvPicPr>
-          <p:cNvPr id="1026" name="Picture 2" descr="C:\Users\ishii\AppData\Local\Temp\2639161575_df1fbac77d_b-1.jpg"/>
+          <p:cNvPr id="2050" name="Picture 2" descr="C:\Users\ishii\AppData\Local\Temp\16646530026_f80c882ba6_o.jpg"/>
           <p:cNvPicPr>
             <a:picLocks noChangeAspect="1" noChangeArrowheads="1"/>
           </p:cNvPicPr>
@@ -15229,8 +15651,8 @@
         </p:blipFill>
         <p:spPr bwMode="auto">
           <a:xfrm>
-            <a:off x="-13647" y="1124744"/>
-            <a:ext cx="9144000" cy="4714875"/>
+            <a:off x="0" y="375920"/>
+            <a:ext cx="9144000" cy="6106160"/>
           </a:xfrm>
           <a:prstGeom prst="rect">
             <a:avLst/>
@@ -15249,14 +15671,14 @@
       </p:pic>
       <p:sp>
         <p:nvSpPr>
-          <p:cNvPr id="5" name="正方形/長方形 4"/>
+          <p:cNvPr id="4" name="正方形/長方形 3"/>
           <p:cNvSpPr/>
           <p:nvPr/>
         </p:nvSpPr>
         <p:spPr>
           <a:xfrm>
-            <a:off x="5025411" y="6488668"/>
-            <a:ext cx="4120295" cy="369332"/>
+            <a:off x="4534661" y="6488668"/>
+            <a:ext cx="4609339" cy="369332"/>
           </a:xfrm>
           <a:prstGeom prst="rect">
             <a:avLst/>
@@ -15272,9 +15694,67 @@
               <a:rPr lang="en-US" altLang="ja-JP" dirty="0">
                 <a:ea typeface="メイリオ" panose="020B0604030504040204" pitchFamily="50" charset="-128"/>
               </a:rPr>
-              <a:t>https://www.flickr.com/photos/cpeacock/</a:t>
+              <a:t>https://www.flickr.com/photos/kalexanderson/</a:t>
             </a:r>
             <a:endParaRPr lang="ja-JP" altLang="en-US" dirty="0">
+              <a:ea typeface="メイリオ" panose="020B0604030504040204" pitchFamily="50" charset="-128"/>
+            </a:endParaRPr>
+          </a:p>
+        </p:txBody>
+      </p:sp>
+      <p:sp>
+        <p:nvSpPr>
+          <p:cNvPr id="2" name="テキスト ボックス 1"/>
+          <p:cNvSpPr txBox="1"/>
+          <p:nvPr/>
+        </p:nvSpPr>
+        <p:spPr>
+          <a:xfrm>
+            <a:off x="566289" y="428471"/>
+            <a:ext cx="8254183" cy="1200329"/>
+          </a:xfrm>
+          <a:prstGeom prst="rect">
+            <a:avLst/>
+          </a:prstGeom>
+          <a:noFill/>
+        </p:spPr>
+        <p:txBody>
+          <a:bodyPr wrap="none" rtlCol="0">
+            <a:spAutoFit/>
+          </a:bodyPr>
+          <a:lstStyle/>
+          <a:p>
+            <a:r>
+              <a:rPr kumimoji="1" lang="en-US" altLang="ja-JP" sz="7200" dirty="0" smtClean="0">
+                <a:solidFill>
+                  <a:schemeClr val="bg1">
+                    <a:lumMod val="85000"/>
+                    <a:lumOff val="15000"/>
+                  </a:schemeClr>
+                </a:solidFill>
+                <a:ea typeface="メイリオ" panose="020B0604030504040204" pitchFamily="50" charset="-128"/>
+              </a:rPr>
+              <a:t>IT</a:t>
+            </a:r>
+            <a:r>
+              <a:rPr kumimoji="1" lang="ja-JP" altLang="en-US" sz="7200" dirty="0" smtClean="0">
+                <a:solidFill>
+                  <a:schemeClr val="bg1">
+                    <a:lumMod val="85000"/>
+                    <a:lumOff val="15000"/>
+                  </a:schemeClr>
+                </a:solidFill>
+                <a:ea typeface="メイリオ" panose="020B0604030504040204" pitchFamily="50" charset="-128"/>
+              </a:rPr>
+              <a:t>とビジネスの融合</a:t>
+            </a:r>
+            <a:endParaRPr kumimoji="1" lang="ja-JP" altLang="en-US" sz="7200" dirty="0">
+              <a:solidFill>
+                <a:schemeClr val="bg1">
+                  <a:lumMod val="85000"/>
+                  <a:lumOff val="15000"/>
+                </a:schemeClr>
+              </a:solidFill>
               <a:ea typeface="メイリオ" panose="020B0604030504040204" pitchFamily="50" charset="-128"/>
             </a:endParaRPr>
           </a:p>
@@ -15283,7 +15763,7 @@
     </p:spTree>
     <p:extLst>
       <p:ext uri="{BB962C8B-B14F-4D97-AF65-F5344CB8AC3E}">
-        <p14:creationId xmlns:p14="http://schemas.microsoft.com/office/powerpoint/2010/main" val="3709344158"/>
+        <p14:creationId xmlns:p14="http://schemas.microsoft.com/office/powerpoint/2010/main" val="1932709807"/>
       </p:ext>
     </p:extLst>
   </p:cSld>
@@ -15300,9 +15780,17 @@
 </p:sld>
 </file>
 
-<file path=ppt/slides/slide15.xml><?xml version="1.0" encoding="utf-8"?>
+<file path=ppt/slides/slide13.xml><?xml version="1.0" encoding="utf-8"?>
 <p:sld xmlns:a="http://schemas.openxmlformats.org/drawingml/2006/main" xmlns:r="http://schemas.openxmlformats.org/officeDocument/2006/relationships" xmlns:p="http://schemas.openxmlformats.org/presentationml/2006/main">
   <p:cSld>
+    <p:bg>
+      <p:bgPr>
+        <a:solidFill>
+          <a:schemeClr val="bg1"/>
+        </a:solidFill>
+        <a:effectLst/>
+      </p:bgPr>
+    </p:bg>
     <p:spTree>
       <p:nvGrpSpPr>
         <p:cNvPr id="1" name=""/>
@@ -15317,48 +15805,31 @@
           <a:chExt cx="0" cy="0"/>
         </a:xfrm>
       </p:grpSpPr>
-      <p:sp>
-        <p:nvSpPr>
-          <p:cNvPr id="3" name="コンテンツ プレースホルダー 2"/>
-          <p:cNvSpPr>
-            <a:spLocks noGrp="1"/>
-          </p:cNvSpPr>
-          <p:nvPr>
-            <p:ph idx="1"/>
-          </p:nvPr>
-        </p:nvSpPr>
-        <p:spPr/>
-        <p:txBody>
-          <a:bodyPr/>
-          <a:lstStyle/>
-          <a:p>
-            <a:endParaRPr kumimoji="1" lang="ja-JP" altLang="en-US"/>
-          </a:p>
-        </p:txBody>
-      </p:sp>
       <p:pic>
         <p:nvPicPr>
-          <p:cNvPr id="2050" name="Picture 2" descr="C:\Users\ishii\AppData\Local\Temp\14080962537_fa2c7fdd37_k.jpg"/>
+          <p:cNvPr id="3076" name="Picture 4" descr="C:\Users\ishii\AppData\Local\Temp\2047455933_3f1a3c269f_o.jpg"/>
           <p:cNvPicPr>
             <a:picLocks noChangeAspect="1" noChangeArrowheads="1"/>
           </p:cNvPicPr>
           <p:nvPr/>
         </p:nvPicPr>
-        <p:blipFill rotWithShape="1">
-          <a:blip r:embed="rId2">
+        <p:blipFill>
+          <a:blip r:embed="rId3">
             <a:extLst>
               <a:ext uri="{28A0092B-C50C-407E-A947-70E740481C1C}">
                 <a14:useLocalDpi xmlns:a14="http://schemas.microsoft.com/office/drawing/2010/main" val="0"/>
               </a:ext>
             </a:extLst>
           </a:blip>
-          <a:srcRect t="15" b="157"/>
-          <a:stretch/>
+          <a:srcRect/>
+          <a:stretch>
+            <a:fillRect/>
+          </a:stretch>
         </p:blipFill>
         <p:spPr bwMode="auto">
           <a:xfrm>
-            <a:off x="0" y="476672"/>
-            <a:ext cx="9144000" cy="6084000"/>
+            <a:off x="0" y="0"/>
+            <a:ext cx="9144000" cy="6858000"/>
           </a:xfrm>
           <a:prstGeom prst="rect">
             <a:avLst/>
@@ -15375,160 +15846,33 @@
           </a:extLst>
         </p:spPr>
       </p:pic>
-      <p:sp>
-        <p:nvSpPr>
-          <p:cNvPr id="5" name="正方形/長方形 4"/>
-          <p:cNvSpPr/>
-          <p:nvPr/>
-        </p:nvSpPr>
-        <p:spPr>
-          <a:xfrm>
-            <a:off x="4831839" y="6560672"/>
-            <a:ext cx="4332340" cy="369332"/>
-          </a:xfrm>
-          <a:prstGeom prst="rect">
-            <a:avLst/>
-          </a:prstGeom>
-        </p:spPr>
-        <p:txBody>
-          <a:bodyPr wrap="none">
-            <a:spAutoFit/>
-          </a:bodyPr>
-          <a:lstStyle/>
-          <a:p>
-            <a:r>
-              <a:rPr lang="en-US" altLang="ja-JP" dirty="0">
-                <a:ea typeface="メイリオ" panose="020B0604030504040204" pitchFamily="50" charset="-128"/>
-              </a:rPr>
-              <a:t>https://www.flickr.com/photos/caterhamf1/</a:t>
-            </a:r>
-            <a:endParaRPr lang="ja-JP" altLang="en-US" dirty="0">
-              <a:ea typeface="メイリオ" panose="020B0604030504040204" pitchFamily="50" charset="-128"/>
-            </a:endParaRPr>
-          </a:p>
-        </p:txBody>
-      </p:sp>
-      <p:sp>
-        <p:nvSpPr>
-          <p:cNvPr id="2" name="タイトル 1"/>
-          <p:cNvSpPr>
-            <a:spLocks noGrp="1"/>
-          </p:cNvSpPr>
-          <p:nvPr>
-            <p:ph type="title"/>
-          </p:nvPr>
-        </p:nvSpPr>
-        <p:spPr/>
-        <p:txBody>
-          <a:bodyPr/>
-          <a:lstStyle/>
-          <a:p>
-            <a:r>
-              <a:rPr kumimoji="1" lang="ja-JP" altLang="en-US" dirty="0" smtClean="0"/>
-              <a:t>敏い</a:t>
-            </a:r>
-            <a:endParaRPr kumimoji="1" lang="ja-JP" altLang="en-US" dirty="0"/>
-          </a:p>
-        </p:txBody>
-      </p:sp>
-    </p:spTree>
-    <p:extLst>
-      <p:ext uri="{BB962C8B-B14F-4D97-AF65-F5344CB8AC3E}">
-        <p14:creationId xmlns:p14="http://schemas.microsoft.com/office/powerpoint/2010/main" val="2267664495"/>
-      </p:ext>
-    </p:extLst>
-  </p:cSld>
-  <p:clrMapOvr>
-    <a:masterClrMapping/>
-  </p:clrMapOvr>
-  <p:timing>
-    <p:tnLst>
-      <p:par>
-        <p:cTn id="1" dur="indefinite" restart="never" nodeType="tmRoot"/>
-      </p:par>
-    </p:tnLst>
-  </p:timing>
-</p:sld>
-</file>
-
-<file path=ppt/slides/slide16.xml><?xml version="1.0" encoding="utf-8"?>
-<p:sld xmlns:a="http://schemas.openxmlformats.org/drawingml/2006/main" xmlns:r="http://schemas.openxmlformats.org/officeDocument/2006/relationships" xmlns:p="http://schemas.openxmlformats.org/presentationml/2006/main">
-  <p:cSld>
-    <p:spTree>
-      <p:nvGrpSpPr>
-        <p:cNvPr id="1" name=""/>
-        <p:cNvGrpSpPr/>
-        <p:nvPr/>
-      </p:nvGrpSpPr>
-      <p:grpSpPr>
-        <a:xfrm>
-          <a:off x="0" y="0"/>
-          <a:ext cx="0" cy="0"/>
-          <a:chOff x="0" y="0"/>
-          <a:chExt cx="0" cy="0"/>
-        </a:xfrm>
-      </p:grpSpPr>
-      <p:sp>
-        <p:nvSpPr>
-          <p:cNvPr id="2" name="タイトル 1"/>
-          <p:cNvSpPr>
-            <a:spLocks noGrp="1"/>
-          </p:cNvSpPr>
-          <p:nvPr>
-            <p:ph type="title"/>
-          </p:nvPr>
-        </p:nvSpPr>
-        <p:spPr/>
-        <p:txBody>
-          <a:bodyPr/>
-          <a:lstStyle/>
-          <a:p>
-            <a:r>
-              <a:rPr kumimoji="1" lang="ja-JP" altLang="en-US" dirty="0" smtClean="0"/>
-              <a:t>ビジネスと</a:t>
-            </a:r>
-            <a:r>
-              <a:rPr kumimoji="1" lang="en-US" altLang="ja-JP" dirty="0" smtClean="0"/>
-              <a:t>IT</a:t>
-            </a:r>
-            <a:r>
-              <a:rPr kumimoji="1" lang="ja-JP" altLang="en-US" dirty="0" smtClean="0"/>
-              <a:t>の関わり方</a:t>
-            </a:r>
-            <a:endParaRPr kumimoji="1" lang="ja-JP" altLang="en-US" dirty="0"/>
-          </a:p>
-        </p:txBody>
-      </p:sp>
       <p:grpSp>
         <p:nvGrpSpPr>
-          <p:cNvPr id="16" name="グループ化 15"/>
+          <p:cNvPr id="37" name="グループ化 36"/>
           <p:cNvGrpSpPr/>
           <p:nvPr/>
         </p:nvGrpSpPr>
         <p:grpSpPr>
           <a:xfrm>
-            <a:off x="5148064" y="2348880"/>
-            <a:ext cx="3528393" cy="3529937"/>
-            <a:chOff x="5004047" y="2456892"/>
-            <a:chExt cx="3528393" cy="3529937"/>
+            <a:off x="110982" y="1685765"/>
+            <a:ext cx="2839670" cy="2840323"/>
+            <a:chOff x="110982" y="2154923"/>
+            <a:chExt cx="2839670" cy="2840323"/>
           </a:xfrm>
         </p:grpSpPr>
         <p:sp>
           <p:nvSpPr>
-            <p:cNvPr id="10" name="弦 9"/>
+            <p:cNvPr id="5" name="円/楕円 4"/>
             <p:cNvSpPr/>
             <p:nvPr/>
           </p:nvSpPr>
           <p:spPr>
             <a:xfrm>
-              <a:off x="5004048" y="2458437"/>
-              <a:ext cx="3528392" cy="3528392"/>
+              <a:off x="110982" y="2154923"/>
+              <a:ext cx="2839670" cy="2839670"/>
             </a:xfrm>
-            <a:prstGeom prst="chord">
-              <a:avLst>
-                <a:gd name="adj1" fmla="val 5427174"/>
-                <a:gd name="adj2" fmla="val 16200000"/>
-              </a:avLst>
+            <a:prstGeom prst="ellipse">
+              <a:avLst/>
             </a:prstGeom>
             <a:solidFill>
               <a:schemeClr val="accent1">
@@ -15569,14 +15913,14 @@
         </p:sp>
         <p:sp>
           <p:nvSpPr>
-            <p:cNvPr id="11" name="円/楕円 10"/>
+            <p:cNvPr id="6" name="円/楕円 5"/>
             <p:cNvSpPr/>
             <p:nvPr/>
           </p:nvSpPr>
           <p:spPr>
-            <a:xfrm>
-              <a:off x="5940152" y="4222633"/>
-              <a:ext cx="1683095" cy="1764196"/>
+            <a:xfrm rot="10800000">
+              <a:off x="1072296" y="4081209"/>
+              <a:ext cx="917042" cy="914037"/>
             </a:xfrm>
             <a:prstGeom prst="ellipse">
               <a:avLst/>
@@ -15620,53 +15964,33 @@
         </p:sp>
         <p:sp>
           <p:nvSpPr>
-            <p:cNvPr id="14" name="弦 13"/>
-            <p:cNvSpPr/>
+            <p:cNvPr id="7" name="テキスト ボックス 6"/>
+            <p:cNvSpPr txBox="1"/>
             <p:nvPr/>
           </p:nvSpPr>
           <p:spPr>
-            <a:xfrm rot="10800000">
-              <a:off x="5004047" y="2458437"/>
-              <a:ext cx="3528392" cy="3528392"/>
+            <a:xfrm>
+              <a:off x="683568" y="2947011"/>
+              <a:ext cx="1728192" cy="523220"/>
             </a:xfrm>
-            <a:prstGeom prst="chord">
-              <a:avLst>
-                <a:gd name="adj1" fmla="val 5348636"/>
-                <a:gd name="adj2" fmla="val 16200000"/>
-              </a:avLst>
+            <a:prstGeom prst="rect">
+              <a:avLst/>
             </a:prstGeom>
-            <a:solidFill>
-              <a:schemeClr val="accent2">
-                <a:lumMod val="60000"/>
-                <a:lumOff val="40000"/>
-              </a:schemeClr>
-            </a:solidFill>
-            <a:ln>
-              <a:noFill/>
-            </a:ln>
+            <a:noFill/>
           </p:spPr>
-          <p:style>
-            <a:lnRef idx="2">
-              <a:schemeClr val="accent1">
-                <a:shade val="50000"/>
-              </a:schemeClr>
-            </a:lnRef>
-            <a:fillRef idx="1">
-              <a:schemeClr val="accent1"/>
-            </a:fillRef>
-            <a:effectRef idx="0">
-              <a:schemeClr val="accent1"/>
-            </a:effectRef>
-            <a:fontRef idx="minor">
-              <a:schemeClr val="lt1"/>
-            </a:fontRef>
-          </p:style>
           <p:txBody>
-            <a:bodyPr rtlCol="0" anchor="ctr"/>
+            <a:bodyPr wrap="square" rtlCol="0">
+              <a:spAutoFit/>
+            </a:bodyPr>
             <a:lstStyle/>
             <a:p>
-              <a:pPr algn="ctr"/>
-              <a:endParaRPr kumimoji="1" lang="ja-JP" altLang="en-US" dirty="0">
+              <a:r>
+                <a:rPr kumimoji="1" lang="ja-JP" altLang="en-US" sz="2800" dirty="0" smtClean="0">
+                  <a:ea typeface="メイリオ" panose="020B0604030504040204" pitchFamily="50" charset="-128"/>
+                </a:rPr>
+                <a:t>ビジネス</a:t>
+              </a:r>
+              <a:endParaRPr kumimoji="1" lang="ja-JP" altLang="en-US" sz="2800" dirty="0">
                 <a:ea typeface="メイリオ" panose="020B0604030504040204" pitchFamily="50" charset="-128"/>
               </a:endParaRPr>
             </a:p>
@@ -15674,148 +15998,63 @@
         </p:sp>
         <p:sp>
           <p:nvSpPr>
-            <p:cNvPr id="15" name="円/楕円 14"/>
-            <p:cNvSpPr/>
+            <p:cNvPr id="8" name="テキスト ボックス 7"/>
+            <p:cNvSpPr txBox="1"/>
             <p:nvPr/>
           </p:nvSpPr>
           <p:spPr>
             <a:xfrm>
-              <a:off x="5868144" y="2456892"/>
-              <a:ext cx="1728192" cy="1764196"/>
+              <a:off x="1302007" y="4276617"/>
+              <a:ext cx="461729" cy="523220"/>
             </a:xfrm>
-            <a:prstGeom prst="ellipse">
+            <a:prstGeom prst="rect">
               <a:avLst/>
             </a:prstGeom>
-            <a:solidFill>
-              <a:schemeClr val="accent1">
-                <a:lumMod val="60000"/>
-                <a:lumOff val="40000"/>
-              </a:schemeClr>
-            </a:solidFill>
-            <a:ln>
-              <a:noFill/>
-            </a:ln>
+            <a:noFill/>
           </p:spPr>
-          <p:style>
-            <a:lnRef idx="2">
-              <a:schemeClr val="accent1">
-                <a:shade val="50000"/>
-              </a:schemeClr>
-            </a:lnRef>
-            <a:fillRef idx="1">
-              <a:schemeClr val="accent1"/>
-            </a:fillRef>
-            <a:effectRef idx="0">
-              <a:schemeClr val="accent1"/>
-            </a:effectRef>
-            <a:fontRef idx="minor">
-              <a:schemeClr val="lt1"/>
-            </a:fontRef>
-          </p:style>
           <p:txBody>
-            <a:bodyPr rtlCol="0" anchor="ctr"/>
+            <a:bodyPr wrap="square" rtlCol="0">
+              <a:spAutoFit/>
+            </a:bodyPr>
             <a:lstStyle/>
             <a:p>
-              <a:pPr algn="ctr"/>
-              <a:endParaRPr kumimoji="1" lang="ja-JP" altLang="en-US" dirty="0">
+              <a:r>
+                <a:rPr kumimoji="1" lang="en-US" altLang="ja-JP" sz="2800" dirty="0" smtClean="0">
+                  <a:ea typeface="メイリオ" panose="020B0604030504040204" pitchFamily="50" charset="-128"/>
+                </a:rPr>
+                <a:t>IT</a:t>
+              </a:r>
+              <a:endParaRPr kumimoji="1" lang="ja-JP" altLang="en-US" sz="2800" dirty="0">
                 <a:ea typeface="メイリオ" panose="020B0604030504040204" pitchFamily="50" charset="-128"/>
               </a:endParaRPr>
             </a:p>
           </p:txBody>
         </p:sp>
       </p:grpSp>
-      <p:sp>
-        <p:nvSpPr>
-          <p:cNvPr id="12" name="テキスト ボックス 11"/>
-          <p:cNvSpPr txBox="1"/>
-          <p:nvPr/>
-        </p:nvSpPr>
-        <p:spPr>
-          <a:xfrm>
-            <a:off x="6181081" y="3140968"/>
-            <a:ext cx="1027539" cy="646331"/>
-          </a:xfrm>
-          <a:prstGeom prst="rect">
-            <a:avLst/>
-          </a:prstGeom>
-          <a:noFill/>
-        </p:spPr>
-        <p:txBody>
-          <a:bodyPr wrap="square" rtlCol="0">
-            <a:spAutoFit/>
-          </a:bodyPr>
-          <a:lstStyle/>
-          <a:p>
-            <a:r>
-              <a:rPr kumimoji="1" lang="ja-JP" altLang="en-US" dirty="0" smtClean="0">
-                <a:ea typeface="メイリオ" panose="020B0604030504040204" pitchFamily="50" charset="-128"/>
-              </a:rPr>
-              <a:t>ビジネス</a:t>
-            </a:r>
-            <a:endParaRPr kumimoji="1" lang="ja-JP" altLang="en-US" dirty="0">
-              <a:ea typeface="メイリオ" panose="020B0604030504040204" pitchFamily="50" charset="-128"/>
-            </a:endParaRPr>
-          </a:p>
-        </p:txBody>
-      </p:sp>
-      <p:sp>
-        <p:nvSpPr>
-          <p:cNvPr id="13" name="テキスト ボックス 12"/>
-          <p:cNvSpPr txBox="1"/>
-          <p:nvPr/>
-        </p:nvSpPr>
-        <p:spPr>
-          <a:xfrm>
-            <a:off x="6694851" y="4823914"/>
-            <a:ext cx="461729" cy="369332"/>
-          </a:xfrm>
-          <a:prstGeom prst="rect">
-            <a:avLst/>
-          </a:prstGeom>
-          <a:noFill/>
-        </p:spPr>
-        <p:txBody>
-          <a:bodyPr wrap="square" rtlCol="0">
-            <a:spAutoFit/>
-          </a:bodyPr>
-          <a:lstStyle/>
-          <a:p>
-            <a:r>
-              <a:rPr kumimoji="1" lang="en-US" altLang="ja-JP" dirty="0" smtClean="0">
-                <a:ea typeface="メイリオ" panose="020B0604030504040204" pitchFamily="50" charset="-128"/>
-              </a:rPr>
-              <a:t>IT</a:t>
-            </a:r>
-            <a:endParaRPr kumimoji="1" lang="ja-JP" altLang="en-US" dirty="0">
-              <a:ea typeface="メイリオ" panose="020B0604030504040204" pitchFamily="50" charset="-128"/>
-            </a:endParaRPr>
-          </a:p>
-        </p:txBody>
-      </p:sp>
       <p:grpSp>
         <p:nvGrpSpPr>
-          <p:cNvPr id="20" name="グループ化 19"/>
+          <p:cNvPr id="35" name="グループ化 34"/>
           <p:cNvGrpSpPr/>
           <p:nvPr/>
         </p:nvGrpSpPr>
         <p:grpSpPr>
           <a:xfrm>
-            <a:off x="323528" y="2395865"/>
-            <a:ext cx="3528393" cy="3528392"/>
-            <a:chOff x="495806" y="2395864"/>
-            <a:chExt cx="3528393" cy="3528392"/>
+            <a:off x="3203848" y="1704348"/>
+            <a:ext cx="2839670" cy="2839670"/>
+            <a:chOff x="3203848" y="2173506"/>
+            <a:chExt cx="2839670" cy="2839670"/>
           </a:xfrm>
         </p:grpSpPr>
         <p:sp>
           <p:nvSpPr>
-            <p:cNvPr id="6" name="円/楕円 5"/>
+            <p:cNvPr id="11" name="円/楕円 10"/>
             <p:cNvSpPr/>
             <p:nvPr/>
           </p:nvSpPr>
           <p:spPr>
             <a:xfrm>
-              <a:off x="495807" y="2395864"/>
-              <a:ext cx="3528392" cy="3528392"/>
+              <a:off x="3203848" y="2173506"/>
+              <a:ext cx="2839670" cy="2839670"/>
             </a:xfrm>
             <a:prstGeom prst="ellipse">
               <a:avLst/>
@@ -15859,20 +16098,17 @@
         </p:sp>
         <p:sp>
           <p:nvSpPr>
-            <p:cNvPr id="17" name="弦 16"/>
+            <p:cNvPr id="13" name="円/楕円 12"/>
             <p:cNvSpPr/>
             <p:nvPr/>
           </p:nvSpPr>
           <p:spPr>
             <a:xfrm rot="10800000">
-              <a:off x="495806" y="2395864"/>
-              <a:ext cx="3528392" cy="3528392"/>
+              <a:off x="3779912" y="3331078"/>
+              <a:ext cx="1656184" cy="1682096"/>
             </a:xfrm>
-            <a:prstGeom prst="chord">
-              <a:avLst>
-                <a:gd name="adj1" fmla="val 5348636"/>
-                <a:gd name="adj2" fmla="val 16200000"/>
-              </a:avLst>
+            <a:prstGeom prst="ellipse">
+              <a:avLst/>
             </a:prstGeom>
             <a:solidFill>
               <a:schemeClr val="accent2">
@@ -15913,14 +16149,14 @@
         </p:sp>
         <p:sp>
           <p:nvSpPr>
-            <p:cNvPr id="18" name="テキスト ボックス 17"/>
+            <p:cNvPr id="14" name="テキスト ボックス 13"/>
             <p:cNvSpPr txBox="1"/>
             <p:nvPr/>
           </p:nvSpPr>
           <p:spPr>
             <a:xfrm>
-              <a:off x="971600" y="3975394"/>
-              <a:ext cx="1027539" cy="646331"/>
+              <a:off x="3811958" y="2789928"/>
+              <a:ext cx="1728192" cy="523220"/>
             </a:xfrm>
             <a:prstGeom prst="rect">
               <a:avLst/>
@@ -15934,12 +16170,12 @@
             <a:lstStyle/>
             <a:p>
               <a:r>
-                <a:rPr kumimoji="1" lang="ja-JP" altLang="en-US" dirty="0" smtClean="0">
+                <a:rPr kumimoji="1" lang="ja-JP" altLang="en-US" sz="2800" dirty="0" smtClean="0">
                   <a:ea typeface="メイリオ" panose="020B0604030504040204" pitchFamily="50" charset="-128"/>
                 </a:rPr>
                 <a:t>ビジネス</a:t>
               </a:r>
-              <a:endParaRPr kumimoji="1" lang="ja-JP" altLang="en-US" dirty="0">
+              <a:endParaRPr kumimoji="1" lang="ja-JP" altLang="en-US" sz="2800" dirty="0">
                 <a:ea typeface="メイリオ" panose="020B0604030504040204" pitchFamily="50" charset="-128"/>
               </a:endParaRPr>
             </a:p>
@@ -15947,14 +16183,14 @@
         </p:sp>
         <p:sp>
           <p:nvSpPr>
-            <p:cNvPr id="19" name="テキスト ボックス 18"/>
+            <p:cNvPr id="15" name="テキスト ボックス 14"/>
             <p:cNvSpPr txBox="1"/>
             <p:nvPr/>
           </p:nvSpPr>
           <p:spPr>
             <a:xfrm>
-              <a:off x="2800062" y="3975394"/>
-              <a:ext cx="461729" cy="369332"/>
+              <a:off x="4377138" y="3910516"/>
+              <a:ext cx="461729" cy="523220"/>
             </a:xfrm>
             <a:prstGeom prst="rect">
               <a:avLst/>
@@ -15968,64 +16204,580 @@
             <a:lstStyle/>
             <a:p>
               <a:r>
-                <a:rPr kumimoji="1" lang="en-US" altLang="ja-JP" dirty="0" smtClean="0">
+                <a:rPr kumimoji="1" lang="en-US" altLang="ja-JP" sz="2800" dirty="0" smtClean="0">
                   <a:ea typeface="メイリオ" panose="020B0604030504040204" pitchFamily="50" charset="-128"/>
                 </a:rPr>
                 <a:t>IT</a:t>
               </a:r>
-              <a:endParaRPr kumimoji="1" lang="ja-JP" altLang="en-US" dirty="0">
+              <a:endParaRPr kumimoji="1" lang="ja-JP" altLang="en-US" sz="2800" dirty="0">
                 <a:ea typeface="メイリオ" panose="020B0604030504040204" pitchFamily="50" charset="-128"/>
               </a:endParaRPr>
             </a:p>
           </p:txBody>
         </p:sp>
       </p:grpSp>
+      <p:grpSp>
+        <p:nvGrpSpPr>
+          <p:cNvPr id="36" name="グループ化 35"/>
+          <p:cNvGrpSpPr/>
+          <p:nvPr/>
+        </p:nvGrpSpPr>
+        <p:grpSpPr>
+          <a:xfrm>
+            <a:off x="6215354" y="1685765"/>
+            <a:ext cx="2821142" cy="2847022"/>
+            <a:chOff x="6215354" y="2154923"/>
+            <a:chExt cx="2821142" cy="2847022"/>
+          </a:xfrm>
+        </p:grpSpPr>
+        <p:grpSp>
+          <p:nvGrpSpPr>
+            <p:cNvPr id="16" name="グループ化 15"/>
+            <p:cNvGrpSpPr/>
+            <p:nvPr/>
+          </p:nvGrpSpPr>
+          <p:grpSpPr>
+            <a:xfrm>
+              <a:off x="6215354" y="2154923"/>
+              <a:ext cx="2821142" cy="2847022"/>
+              <a:chOff x="5004047" y="2456892"/>
+              <a:chExt cx="3528393" cy="3529937"/>
+            </a:xfrm>
+          </p:grpSpPr>
+          <p:sp>
+            <p:nvSpPr>
+              <p:cNvPr id="17" name="弦 16"/>
+              <p:cNvSpPr/>
+              <p:nvPr/>
+            </p:nvSpPr>
+            <p:spPr>
+              <a:xfrm>
+                <a:off x="5004048" y="2458437"/>
+                <a:ext cx="3528392" cy="3528392"/>
+              </a:xfrm>
+              <a:prstGeom prst="chord">
+                <a:avLst>
+                  <a:gd name="adj1" fmla="val 5427174"/>
+                  <a:gd name="adj2" fmla="val 16200000"/>
+                </a:avLst>
+              </a:prstGeom>
+              <a:solidFill>
+                <a:schemeClr val="accent1">
+                  <a:lumMod val="60000"/>
+                  <a:lumOff val="40000"/>
+                </a:schemeClr>
+              </a:solidFill>
+              <a:ln>
+                <a:noFill/>
+              </a:ln>
+            </p:spPr>
+            <p:style>
+              <a:lnRef idx="2">
+                <a:schemeClr val="accent1">
+                  <a:shade val="50000"/>
+                </a:schemeClr>
+              </a:lnRef>
+              <a:fillRef idx="1">
+                <a:schemeClr val="accent1"/>
+              </a:fillRef>
+              <a:effectRef idx="0">
+                <a:schemeClr val="accent1"/>
+              </a:effectRef>
+              <a:fontRef idx="minor">
+                <a:schemeClr val="lt1"/>
+              </a:fontRef>
+            </p:style>
+            <p:txBody>
+              <a:bodyPr rtlCol="0" anchor="ctr"/>
+              <a:lstStyle/>
+              <a:p>
+                <a:pPr algn="ctr"/>
+                <a:endParaRPr kumimoji="1" lang="ja-JP" altLang="en-US" dirty="0">
+                  <a:ea typeface="メイリオ" panose="020B0604030504040204" pitchFamily="50" charset="-128"/>
+                </a:endParaRPr>
+              </a:p>
+            </p:txBody>
+          </p:sp>
+          <p:sp>
+            <p:nvSpPr>
+              <p:cNvPr id="18" name="円/楕円 17"/>
+              <p:cNvSpPr/>
+              <p:nvPr/>
+            </p:nvSpPr>
+            <p:spPr>
+              <a:xfrm>
+                <a:off x="5940152" y="4222633"/>
+                <a:ext cx="1683095" cy="1764196"/>
+              </a:xfrm>
+              <a:prstGeom prst="ellipse">
+                <a:avLst/>
+              </a:prstGeom>
+              <a:solidFill>
+                <a:schemeClr val="accent2">
+                  <a:lumMod val="60000"/>
+                  <a:lumOff val="40000"/>
+                </a:schemeClr>
+              </a:solidFill>
+              <a:ln>
+                <a:noFill/>
+              </a:ln>
+            </p:spPr>
+            <p:style>
+              <a:lnRef idx="2">
+                <a:schemeClr val="accent1">
+                  <a:shade val="50000"/>
+                </a:schemeClr>
+              </a:lnRef>
+              <a:fillRef idx="1">
+                <a:schemeClr val="accent1"/>
+              </a:fillRef>
+              <a:effectRef idx="0">
+                <a:schemeClr val="accent1"/>
+              </a:effectRef>
+              <a:fontRef idx="minor">
+                <a:schemeClr val="lt1"/>
+              </a:fontRef>
+            </p:style>
+            <p:txBody>
+              <a:bodyPr rtlCol="0" anchor="ctr"/>
+              <a:lstStyle/>
+              <a:p>
+                <a:pPr algn="ctr"/>
+                <a:endParaRPr kumimoji="1" lang="ja-JP" altLang="en-US" dirty="0">
+                  <a:ea typeface="メイリオ" panose="020B0604030504040204" pitchFamily="50" charset="-128"/>
+                </a:endParaRPr>
+              </a:p>
+            </p:txBody>
+          </p:sp>
+          <p:sp>
+            <p:nvSpPr>
+              <p:cNvPr id="19" name="弦 18"/>
+              <p:cNvSpPr/>
+              <p:nvPr/>
+            </p:nvSpPr>
+            <p:spPr>
+              <a:xfrm rot="10800000">
+                <a:off x="5004047" y="2458437"/>
+                <a:ext cx="3528392" cy="3528392"/>
+              </a:xfrm>
+              <a:prstGeom prst="chord">
+                <a:avLst>
+                  <a:gd name="adj1" fmla="val 5348636"/>
+                  <a:gd name="adj2" fmla="val 16200000"/>
+                </a:avLst>
+              </a:prstGeom>
+              <a:solidFill>
+                <a:schemeClr val="accent2">
+                  <a:lumMod val="60000"/>
+                  <a:lumOff val="40000"/>
+                </a:schemeClr>
+              </a:solidFill>
+              <a:ln>
+                <a:noFill/>
+              </a:ln>
+            </p:spPr>
+            <p:style>
+              <a:lnRef idx="2">
+                <a:schemeClr val="accent1">
+                  <a:shade val="50000"/>
+                </a:schemeClr>
+              </a:lnRef>
+              <a:fillRef idx="1">
+                <a:schemeClr val="accent1"/>
+              </a:fillRef>
+              <a:effectRef idx="0">
+                <a:schemeClr val="accent1"/>
+              </a:effectRef>
+              <a:fontRef idx="minor">
+                <a:schemeClr val="lt1"/>
+              </a:fontRef>
+            </p:style>
+            <p:txBody>
+              <a:bodyPr rtlCol="0" anchor="ctr"/>
+              <a:lstStyle/>
+              <a:p>
+                <a:pPr algn="ctr"/>
+                <a:endParaRPr kumimoji="1" lang="ja-JP" altLang="en-US" dirty="0">
+                  <a:ea typeface="メイリオ" panose="020B0604030504040204" pitchFamily="50" charset="-128"/>
+                </a:endParaRPr>
+              </a:p>
+            </p:txBody>
+          </p:sp>
+          <p:sp>
+            <p:nvSpPr>
+              <p:cNvPr id="20" name="円/楕円 19"/>
+              <p:cNvSpPr/>
+              <p:nvPr/>
+            </p:nvSpPr>
+            <p:spPr>
+              <a:xfrm>
+                <a:off x="5868144" y="2456892"/>
+                <a:ext cx="1728192" cy="1764196"/>
+              </a:xfrm>
+              <a:prstGeom prst="ellipse">
+                <a:avLst/>
+              </a:prstGeom>
+              <a:solidFill>
+                <a:schemeClr val="accent1">
+                  <a:lumMod val="60000"/>
+                  <a:lumOff val="40000"/>
+                </a:schemeClr>
+              </a:solidFill>
+              <a:ln>
+                <a:noFill/>
+              </a:ln>
+            </p:spPr>
+            <p:style>
+              <a:lnRef idx="2">
+                <a:schemeClr val="accent1">
+                  <a:shade val="50000"/>
+                </a:schemeClr>
+              </a:lnRef>
+              <a:fillRef idx="1">
+                <a:schemeClr val="accent1"/>
+              </a:fillRef>
+              <a:effectRef idx="0">
+                <a:schemeClr val="accent1"/>
+              </a:effectRef>
+              <a:fontRef idx="minor">
+                <a:schemeClr val="lt1"/>
+              </a:fontRef>
+            </p:style>
+            <p:txBody>
+              <a:bodyPr rtlCol="0" anchor="ctr"/>
+              <a:lstStyle/>
+              <a:p>
+                <a:pPr algn="ctr"/>
+                <a:endParaRPr kumimoji="1" lang="ja-JP" altLang="en-US" dirty="0">
+                  <a:ea typeface="メイリオ" panose="020B0604030504040204" pitchFamily="50" charset="-128"/>
+                </a:endParaRPr>
+              </a:p>
+            </p:txBody>
+          </p:sp>
+        </p:grpSp>
+        <p:sp>
+          <p:nvSpPr>
+            <p:cNvPr id="21" name="テキスト ボックス 20"/>
+            <p:cNvSpPr txBox="1"/>
+            <p:nvPr/>
+          </p:nvSpPr>
+          <p:spPr>
+            <a:xfrm>
+              <a:off x="6545729" y="2788385"/>
+              <a:ext cx="1728192" cy="523220"/>
+            </a:xfrm>
+            <a:prstGeom prst="rect">
+              <a:avLst/>
+            </a:prstGeom>
+            <a:noFill/>
+          </p:spPr>
+          <p:txBody>
+            <a:bodyPr wrap="square" rtlCol="0">
+              <a:spAutoFit/>
+            </a:bodyPr>
+            <a:lstStyle/>
+            <a:p>
+              <a:r>
+                <a:rPr kumimoji="1" lang="ja-JP" altLang="en-US" sz="2800" dirty="0" smtClean="0">
+                  <a:ea typeface="メイリオ" panose="020B0604030504040204" pitchFamily="50" charset="-128"/>
+                </a:rPr>
+                <a:t>ビジネス</a:t>
+              </a:r>
+              <a:endParaRPr kumimoji="1" lang="ja-JP" altLang="en-US" sz="2800" dirty="0">
+                <a:ea typeface="メイリオ" panose="020B0604030504040204" pitchFamily="50" charset="-128"/>
+              </a:endParaRPr>
+            </a:p>
+          </p:txBody>
+        </p:sp>
+        <p:sp>
+          <p:nvSpPr>
+            <p:cNvPr id="22" name="テキスト ボックス 21"/>
+            <p:cNvSpPr txBox="1"/>
+            <p:nvPr/>
+          </p:nvSpPr>
+          <p:spPr>
+            <a:xfrm>
+              <a:off x="7409825" y="4082488"/>
+              <a:ext cx="461729" cy="523220"/>
+            </a:xfrm>
+            <a:prstGeom prst="rect">
+              <a:avLst/>
+            </a:prstGeom>
+            <a:noFill/>
+          </p:spPr>
+          <p:txBody>
+            <a:bodyPr wrap="square" rtlCol="0">
+              <a:spAutoFit/>
+            </a:bodyPr>
+            <a:lstStyle/>
+            <a:p>
+              <a:r>
+                <a:rPr kumimoji="1" lang="en-US" altLang="ja-JP" sz="2800" dirty="0" smtClean="0">
+                  <a:ea typeface="メイリオ" panose="020B0604030504040204" pitchFamily="50" charset="-128"/>
+                </a:rPr>
+                <a:t>IT</a:t>
+              </a:r>
+              <a:endParaRPr kumimoji="1" lang="ja-JP" altLang="en-US" sz="2800" dirty="0">
+                <a:ea typeface="メイリオ" panose="020B0604030504040204" pitchFamily="50" charset="-128"/>
+              </a:endParaRPr>
+            </a:p>
+          </p:txBody>
+        </p:sp>
+      </p:grpSp>
+      <p:cxnSp>
+        <p:nvCxnSpPr>
+          <p:cNvPr id="24" name="直線コネクタ 23"/>
+          <p:cNvCxnSpPr>
+            <a:endCxn id="13" idx="4"/>
+          </p:cNvCxnSpPr>
+          <p:nvPr/>
+        </p:nvCxnSpPr>
+        <p:spPr>
+          <a:xfrm flipV="1">
+            <a:off x="1530817" y="2861920"/>
+            <a:ext cx="3077187" cy="750131"/>
+          </a:xfrm>
+          <a:prstGeom prst="line">
+            <a:avLst/>
+          </a:prstGeom>
+        </p:spPr>
+        <p:style>
+          <a:lnRef idx="3">
+            <a:schemeClr val="accent2"/>
+          </a:lnRef>
+          <a:fillRef idx="0">
+            <a:schemeClr val="accent2"/>
+          </a:fillRef>
+          <a:effectRef idx="2">
+            <a:schemeClr val="accent2"/>
+          </a:effectRef>
+          <a:fontRef idx="minor">
+            <a:schemeClr val="tx1"/>
+          </a:fontRef>
+        </p:style>
+      </p:cxnSp>
+      <p:cxnSp>
+        <p:nvCxnSpPr>
+          <p:cNvPr id="26" name="直線コネクタ 25"/>
+          <p:cNvCxnSpPr>
+            <a:stCxn id="5" idx="4"/>
+            <a:endCxn id="11" idx="4"/>
+          </p:cNvCxnSpPr>
+          <p:nvPr/>
+        </p:nvCxnSpPr>
+        <p:spPr>
+          <a:xfrm>
+            <a:off x="1530817" y="4525435"/>
+            <a:ext cx="3092866" cy="18583"/>
+          </a:xfrm>
+          <a:prstGeom prst="line">
+            <a:avLst/>
+          </a:prstGeom>
+        </p:spPr>
+        <p:style>
+          <a:lnRef idx="3">
+            <a:schemeClr val="accent2"/>
+          </a:lnRef>
+          <a:fillRef idx="0">
+            <a:schemeClr val="accent2"/>
+          </a:fillRef>
+          <a:effectRef idx="2">
+            <a:schemeClr val="accent2"/>
+          </a:effectRef>
+          <a:fontRef idx="minor">
+            <a:schemeClr val="tx1"/>
+          </a:fontRef>
+        </p:style>
+      </p:cxnSp>
+      <p:cxnSp>
+        <p:nvCxnSpPr>
+          <p:cNvPr id="29" name="直線コネクタ 28"/>
+          <p:cNvCxnSpPr>
+            <a:stCxn id="13" idx="4"/>
+            <a:endCxn id="19" idx="0"/>
+          </p:cNvCxnSpPr>
+          <p:nvPr/>
+        </p:nvCxnSpPr>
+        <p:spPr>
+          <a:xfrm flipV="1">
+            <a:off x="4608004" y="1687173"/>
+            <a:ext cx="2996662" cy="1174747"/>
+          </a:xfrm>
+          <a:prstGeom prst="line">
+            <a:avLst/>
+          </a:prstGeom>
+        </p:spPr>
+        <p:style>
+          <a:lnRef idx="3">
+            <a:schemeClr val="accent2"/>
+          </a:lnRef>
+          <a:fillRef idx="0">
+            <a:schemeClr val="accent2"/>
+          </a:fillRef>
+          <a:effectRef idx="2">
+            <a:schemeClr val="accent2"/>
+          </a:effectRef>
+          <a:fontRef idx="minor">
+            <a:schemeClr val="tx1"/>
+          </a:fontRef>
+        </p:style>
+      </p:cxnSp>
+      <p:cxnSp>
+        <p:nvCxnSpPr>
+          <p:cNvPr id="32" name="直線コネクタ 31"/>
+          <p:cNvCxnSpPr>
+            <a:stCxn id="13" idx="0"/>
+            <a:endCxn id="18" idx="4"/>
+          </p:cNvCxnSpPr>
+          <p:nvPr/>
+        </p:nvCxnSpPr>
+        <p:spPr>
+          <a:xfrm flipV="1">
+            <a:off x="4608004" y="4532787"/>
+            <a:ext cx="3028680" cy="11229"/>
+          </a:xfrm>
+          <a:prstGeom prst="line">
+            <a:avLst/>
+          </a:prstGeom>
+        </p:spPr>
+        <p:style>
+          <a:lnRef idx="3">
+            <a:schemeClr val="accent2"/>
+          </a:lnRef>
+          <a:fillRef idx="0">
+            <a:schemeClr val="accent2"/>
+          </a:fillRef>
+          <a:effectRef idx="2">
+            <a:schemeClr val="accent2"/>
+          </a:effectRef>
+          <a:fontRef idx="minor">
+            <a:schemeClr val="tx1"/>
+          </a:fontRef>
+        </p:style>
+      </p:cxnSp>
       <p:sp>
         <p:nvSpPr>
-          <p:cNvPr id="21" name="右矢印 20"/>
+          <p:cNvPr id="38" name="正方形/長方形 37"/>
           <p:cNvSpPr/>
           <p:nvPr/>
         </p:nvSpPr>
         <p:spPr>
           <a:xfrm>
-            <a:off x="3995936" y="2264361"/>
-            <a:ext cx="978408" cy="3791400"/>
+            <a:off x="5225363" y="6487997"/>
+            <a:ext cx="3918637" cy="369332"/>
           </a:xfrm>
-          <a:prstGeom prst="rightArrow">
+          <a:prstGeom prst="rect">
             <a:avLst/>
           </a:prstGeom>
         </p:spPr>
-        <p:style>
-          <a:lnRef idx="2">
-            <a:schemeClr val="accent1">
-              <a:shade val="50000"/>
-            </a:schemeClr>
-          </a:lnRef>
-          <a:fillRef idx="1">
-            <a:schemeClr val="accent1"/>
-          </a:fillRef>
-          <a:effectRef idx="0">
-            <a:schemeClr val="accent1"/>
-          </a:effectRef>
-          <a:fontRef idx="minor">
-            <a:schemeClr val="lt1"/>
-          </a:fontRef>
-        </p:style>
         <p:txBody>
-          <a:bodyPr rtlCol="0" anchor="ctr"/>
+          <a:bodyPr wrap="none">
+            <a:spAutoFit/>
+          </a:bodyPr>
           <a:lstStyle/>
           <a:p>
-            <a:pPr algn="ctr"/>
-            <a:endParaRPr kumimoji="1" lang="ja-JP" altLang="en-US" dirty="0">
-              <a:ea typeface="メイリオ" panose="020B0604030504040204" pitchFamily="50" charset="-128"/>
-            </a:endParaRPr>
+            <a:r>
+              <a:rPr lang="en-US" altLang="ja-JP" dirty="0"/>
+              <a:t>https://www.flickr.com/photos/ehsank/</a:t>
+            </a:r>
+            <a:endParaRPr lang="ja-JP" altLang="en-US" dirty="0"/>
+          </a:p>
+        </p:txBody>
+      </p:sp>
+      <p:sp>
+        <p:nvSpPr>
+          <p:cNvPr id="39" name="テキスト ボックス 38"/>
+          <p:cNvSpPr txBox="1"/>
+          <p:nvPr/>
+        </p:nvSpPr>
+        <p:spPr>
+          <a:xfrm>
+            <a:off x="1259632" y="4538401"/>
+            <a:ext cx="543739" cy="523220"/>
+          </a:xfrm>
+          <a:prstGeom prst="rect">
+            <a:avLst/>
+          </a:prstGeom>
+          <a:noFill/>
+        </p:spPr>
+        <p:txBody>
+          <a:bodyPr wrap="none" rtlCol="0">
+            <a:spAutoFit/>
+          </a:bodyPr>
+          <a:lstStyle/>
+          <a:p>
+            <a:r>
+              <a:rPr kumimoji="1" lang="ja-JP" altLang="en-US" sz="2800" dirty="0" smtClean="0"/>
+              <a:t>昔</a:t>
+            </a:r>
+            <a:endParaRPr kumimoji="1" lang="ja-JP" altLang="en-US" sz="2800" dirty="0"/>
+          </a:p>
+        </p:txBody>
+      </p:sp>
+      <p:sp>
+        <p:nvSpPr>
+          <p:cNvPr id="43" name="テキスト ボックス 42"/>
+          <p:cNvSpPr txBox="1"/>
+          <p:nvPr/>
+        </p:nvSpPr>
+        <p:spPr>
+          <a:xfrm>
+            <a:off x="3871874" y="4561964"/>
+            <a:ext cx="1678665" cy="523220"/>
+          </a:xfrm>
+          <a:prstGeom prst="rect">
+            <a:avLst/>
+          </a:prstGeom>
+          <a:noFill/>
+        </p:spPr>
+        <p:txBody>
+          <a:bodyPr wrap="none" rtlCol="0">
+            <a:spAutoFit/>
+          </a:bodyPr>
+          <a:lstStyle/>
+          <a:p>
+            <a:r>
+              <a:rPr lang="ja-JP" altLang="en-US" sz="2800" dirty="0"/>
+              <a:t>ちょっと前</a:t>
+            </a:r>
+            <a:endParaRPr kumimoji="1" lang="ja-JP" altLang="en-US" sz="2800" dirty="0"/>
+          </a:p>
+        </p:txBody>
+      </p:sp>
+      <p:sp>
+        <p:nvSpPr>
+          <p:cNvPr id="44" name="テキスト ボックス 43"/>
+          <p:cNvSpPr txBox="1"/>
+          <p:nvPr/>
+        </p:nvSpPr>
+        <p:spPr>
+          <a:xfrm>
+            <a:off x="7325268" y="4561964"/>
+            <a:ext cx="543739" cy="523220"/>
+          </a:xfrm>
+          <a:prstGeom prst="rect">
+            <a:avLst/>
+          </a:prstGeom>
+          <a:noFill/>
+        </p:spPr>
+        <p:txBody>
+          <a:bodyPr wrap="none" rtlCol="0">
+            <a:spAutoFit/>
+          </a:bodyPr>
+          <a:lstStyle/>
+          <a:p>
+            <a:r>
+              <a:rPr kumimoji="1" lang="ja-JP" altLang="en-US" sz="2800" dirty="0" smtClean="0"/>
+              <a:t>今</a:t>
+            </a:r>
+            <a:endParaRPr kumimoji="1" lang="ja-JP" altLang="en-US" sz="2800" dirty="0"/>
           </a:p>
         </p:txBody>
       </p:sp>
     </p:spTree>
     <p:extLst>
       <p:ext uri="{BB962C8B-B14F-4D97-AF65-F5344CB8AC3E}">
-        <p14:creationId xmlns:p14="http://schemas.microsoft.com/office/powerpoint/2010/main" val="496987676"/>
+        <p14:creationId xmlns:p14="http://schemas.microsoft.com/office/powerpoint/2010/main" val="4133723063"/>
       </p:ext>
     </p:extLst>
   </p:cSld>
@@ -16035,14 +16787,375 @@
   <p:timing>
     <p:tnLst>
       <p:par>
-        <p:cTn id="1" dur="indefinite" restart="never" nodeType="tmRoot"/>
+        <p:cTn id="1" dur="indefinite" restart="never" nodeType="tmRoot">
+          <p:childTnLst>
+            <p:seq concurrent="1" nextAc="seek">
+              <p:cTn id="2" dur="indefinite" nodeType="mainSeq">
+                <p:childTnLst>
+                  <p:par>
+                    <p:cTn id="3" fill="hold">
+                      <p:stCondLst>
+                        <p:cond delay="indefinite"/>
+                      </p:stCondLst>
+                      <p:childTnLst>
+                        <p:par>
+                          <p:cTn id="4" fill="hold">
+                            <p:stCondLst>
+                              <p:cond delay="0"/>
+                            </p:stCondLst>
+                            <p:childTnLst>
+                              <p:par>
+                                <p:cTn id="5" presetID="10" presetClass="entr" presetSubtype="0" fill="hold" nodeType="clickEffect">
+                                  <p:stCondLst>
+                                    <p:cond delay="0"/>
+                                  </p:stCondLst>
+                                  <p:childTnLst>
+                                    <p:set>
+                                      <p:cBhvr>
+                                        <p:cTn id="6" dur="1" fill="hold">
+                                          <p:stCondLst>
+                                            <p:cond delay="0"/>
+                                          </p:stCondLst>
+                                        </p:cTn>
+                                        <p:tgtEl>
+                                          <p:spTgt spid="35"/>
+                                        </p:tgtEl>
+                                        <p:attrNameLst>
+                                          <p:attrName>style.visibility</p:attrName>
+                                        </p:attrNameLst>
+                                      </p:cBhvr>
+                                      <p:to>
+                                        <p:strVal val="visible"/>
+                                      </p:to>
+                                    </p:set>
+                                    <p:animEffect transition="in" filter="fade">
+                                      <p:cBhvr>
+                                        <p:cTn id="7" dur="500"/>
+                                        <p:tgtEl>
+                                          <p:spTgt spid="35"/>
+                                        </p:tgtEl>
+                                      </p:cBhvr>
+                                    </p:animEffect>
+                                  </p:childTnLst>
+                                </p:cTn>
+                              </p:par>
+                              <p:par>
+                                <p:cTn id="8" presetID="10" presetClass="entr" presetSubtype="0" fill="hold" grpId="0" nodeType="withEffect">
+                                  <p:stCondLst>
+                                    <p:cond delay="0"/>
+                                  </p:stCondLst>
+                                  <p:childTnLst>
+                                    <p:set>
+                                      <p:cBhvr>
+                                        <p:cTn id="9" dur="1" fill="hold">
+                                          <p:stCondLst>
+                                            <p:cond delay="0"/>
+                                          </p:stCondLst>
+                                        </p:cTn>
+                                        <p:tgtEl>
+                                          <p:spTgt spid="43"/>
+                                        </p:tgtEl>
+                                        <p:attrNameLst>
+                                          <p:attrName>style.visibility</p:attrName>
+                                        </p:attrNameLst>
+                                      </p:cBhvr>
+                                      <p:to>
+                                        <p:strVal val="visible"/>
+                                      </p:to>
+                                    </p:set>
+                                    <p:animEffect transition="in" filter="fade">
+                                      <p:cBhvr>
+                                        <p:cTn id="10" dur="500"/>
+                                        <p:tgtEl>
+                                          <p:spTgt spid="43"/>
+                                        </p:tgtEl>
+                                      </p:cBhvr>
+                                    </p:animEffect>
+                                  </p:childTnLst>
+                                </p:cTn>
+                              </p:par>
+                            </p:childTnLst>
+                          </p:cTn>
+                        </p:par>
+                        <p:par>
+                          <p:cTn id="11" fill="hold">
+                            <p:stCondLst>
+                              <p:cond delay="500"/>
+                            </p:stCondLst>
+                            <p:childTnLst>
+                              <p:par>
+                                <p:cTn id="12" presetID="10" presetClass="entr" presetSubtype="0" fill="hold" nodeType="afterEffect">
+                                  <p:stCondLst>
+                                    <p:cond delay="250"/>
+                                  </p:stCondLst>
+                                  <p:childTnLst>
+                                    <p:set>
+                                      <p:cBhvr>
+                                        <p:cTn id="13" dur="1" fill="hold">
+                                          <p:stCondLst>
+                                            <p:cond delay="0"/>
+                                          </p:stCondLst>
+                                        </p:cTn>
+                                        <p:tgtEl>
+                                          <p:spTgt spid="24"/>
+                                        </p:tgtEl>
+                                        <p:attrNameLst>
+                                          <p:attrName>style.visibility</p:attrName>
+                                        </p:attrNameLst>
+                                      </p:cBhvr>
+                                      <p:to>
+                                        <p:strVal val="visible"/>
+                                      </p:to>
+                                    </p:set>
+                                    <p:animEffect transition="in" filter="fade">
+                                      <p:cBhvr>
+                                        <p:cTn id="14" dur="500"/>
+                                        <p:tgtEl>
+                                          <p:spTgt spid="24"/>
+                                        </p:tgtEl>
+                                      </p:cBhvr>
+                                    </p:animEffect>
+                                  </p:childTnLst>
+                                </p:cTn>
+                              </p:par>
+                              <p:par>
+                                <p:cTn id="15" presetID="10" presetClass="entr" presetSubtype="0" fill="hold" nodeType="withEffect">
+                                  <p:stCondLst>
+                                    <p:cond delay="250"/>
+                                  </p:stCondLst>
+                                  <p:childTnLst>
+                                    <p:set>
+                                      <p:cBhvr>
+                                        <p:cTn id="16" dur="1" fill="hold">
+                                          <p:stCondLst>
+                                            <p:cond delay="0"/>
+                                          </p:stCondLst>
+                                        </p:cTn>
+                                        <p:tgtEl>
+                                          <p:spTgt spid="26"/>
+                                        </p:tgtEl>
+                                        <p:attrNameLst>
+                                          <p:attrName>style.visibility</p:attrName>
+                                        </p:attrNameLst>
+                                      </p:cBhvr>
+                                      <p:to>
+                                        <p:strVal val="visible"/>
+                                      </p:to>
+                                    </p:set>
+                                    <p:animEffect transition="in" filter="fade">
+                                      <p:cBhvr>
+                                        <p:cTn id="17" dur="500"/>
+                                        <p:tgtEl>
+                                          <p:spTgt spid="26"/>
+                                        </p:tgtEl>
+                                      </p:cBhvr>
+                                    </p:animEffect>
+                                  </p:childTnLst>
+                                </p:cTn>
+                              </p:par>
+                            </p:childTnLst>
+                          </p:cTn>
+                        </p:par>
+                      </p:childTnLst>
+                    </p:cTn>
+                  </p:par>
+                  <p:par>
+                    <p:cTn id="18" fill="hold">
+                      <p:stCondLst>
+                        <p:cond delay="indefinite"/>
+                      </p:stCondLst>
+                      <p:childTnLst>
+                        <p:par>
+                          <p:cTn id="19" fill="hold">
+                            <p:stCondLst>
+                              <p:cond delay="0"/>
+                            </p:stCondLst>
+                            <p:childTnLst>
+                              <p:par>
+                                <p:cTn id="20" presetID="10" presetClass="entr" presetSubtype="0" fill="hold" nodeType="clickEffect">
+                                  <p:stCondLst>
+                                    <p:cond delay="0"/>
+                                  </p:stCondLst>
+                                  <p:childTnLst>
+                                    <p:set>
+                                      <p:cBhvr>
+                                        <p:cTn id="21" dur="1" fill="hold">
+                                          <p:stCondLst>
+                                            <p:cond delay="0"/>
+                                          </p:stCondLst>
+                                        </p:cTn>
+                                        <p:tgtEl>
+                                          <p:spTgt spid="36"/>
+                                        </p:tgtEl>
+                                        <p:attrNameLst>
+                                          <p:attrName>style.visibility</p:attrName>
+                                        </p:attrNameLst>
+                                      </p:cBhvr>
+                                      <p:to>
+                                        <p:strVal val="visible"/>
+                                      </p:to>
+                                    </p:set>
+                                    <p:animEffect transition="in" filter="fade">
+                                      <p:cBhvr>
+                                        <p:cTn id="22" dur="500"/>
+                                        <p:tgtEl>
+                                          <p:spTgt spid="36"/>
+                                        </p:tgtEl>
+                                      </p:cBhvr>
+                                    </p:animEffect>
+                                  </p:childTnLst>
+                                </p:cTn>
+                              </p:par>
+                              <p:par>
+                                <p:cTn id="23" presetID="10" presetClass="entr" presetSubtype="0" fill="hold" grpId="0" nodeType="withEffect">
+                                  <p:stCondLst>
+                                    <p:cond delay="0"/>
+                                  </p:stCondLst>
+                                  <p:childTnLst>
+                                    <p:set>
+                                      <p:cBhvr>
+                                        <p:cTn id="24" dur="1" fill="hold">
+                                          <p:stCondLst>
+                                            <p:cond delay="0"/>
+                                          </p:stCondLst>
+                                        </p:cTn>
+                                        <p:tgtEl>
+                                          <p:spTgt spid="44"/>
+                                        </p:tgtEl>
+                                        <p:attrNameLst>
+                                          <p:attrName>style.visibility</p:attrName>
+                                        </p:attrNameLst>
+                                      </p:cBhvr>
+                                      <p:to>
+                                        <p:strVal val="visible"/>
+                                      </p:to>
+                                    </p:set>
+                                    <p:animEffect transition="in" filter="fade">
+                                      <p:cBhvr>
+                                        <p:cTn id="25" dur="500"/>
+                                        <p:tgtEl>
+                                          <p:spTgt spid="44"/>
+                                        </p:tgtEl>
+                                      </p:cBhvr>
+                                    </p:animEffect>
+                                  </p:childTnLst>
+                                </p:cTn>
+                              </p:par>
+                            </p:childTnLst>
+                          </p:cTn>
+                        </p:par>
+                        <p:par>
+                          <p:cTn id="26" fill="hold">
+                            <p:stCondLst>
+                              <p:cond delay="500"/>
+                            </p:stCondLst>
+                            <p:childTnLst>
+                              <p:par>
+                                <p:cTn id="27" presetID="10" presetClass="entr" presetSubtype="0" fill="hold" nodeType="afterEffect">
+                                  <p:stCondLst>
+                                    <p:cond delay="250"/>
+                                  </p:stCondLst>
+                                  <p:childTnLst>
+                                    <p:set>
+                                      <p:cBhvr>
+                                        <p:cTn id="28" dur="1" fill="hold">
+                                          <p:stCondLst>
+                                            <p:cond delay="0"/>
+                                          </p:stCondLst>
+                                        </p:cTn>
+                                        <p:tgtEl>
+                                          <p:spTgt spid="29"/>
+                                        </p:tgtEl>
+                                        <p:attrNameLst>
+                                          <p:attrName>style.visibility</p:attrName>
+                                        </p:attrNameLst>
+                                      </p:cBhvr>
+                                      <p:to>
+                                        <p:strVal val="visible"/>
+                                      </p:to>
+                                    </p:set>
+                                    <p:animEffect transition="in" filter="fade">
+                                      <p:cBhvr>
+                                        <p:cTn id="29" dur="500"/>
+                                        <p:tgtEl>
+                                          <p:spTgt spid="29"/>
+                                        </p:tgtEl>
+                                      </p:cBhvr>
+                                    </p:animEffect>
+                                  </p:childTnLst>
+                                </p:cTn>
+                              </p:par>
+                              <p:par>
+                                <p:cTn id="30" presetID="10" presetClass="entr" presetSubtype="0" fill="hold" nodeType="withEffect">
+                                  <p:stCondLst>
+                                    <p:cond delay="250"/>
+                                  </p:stCondLst>
+                                  <p:childTnLst>
+                                    <p:set>
+                                      <p:cBhvr>
+                                        <p:cTn id="31" dur="1" fill="hold">
+                                          <p:stCondLst>
+                                            <p:cond delay="0"/>
+                                          </p:stCondLst>
+                                        </p:cTn>
+                                        <p:tgtEl>
+                                          <p:spTgt spid="32"/>
+                                        </p:tgtEl>
+                                        <p:attrNameLst>
+                                          <p:attrName>style.visibility</p:attrName>
+                                        </p:attrNameLst>
+                                      </p:cBhvr>
+                                      <p:to>
+                                        <p:strVal val="visible"/>
+                                      </p:to>
+                                    </p:set>
+                                    <p:animEffect transition="in" filter="fade">
+                                      <p:cBhvr>
+                                        <p:cTn id="32" dur="500"/>
+                                        <p:tgtEl>
+                                          <p:spTgt spid="32"/>
+                                        </p:tgtEl>
+                                      </p:cBhvr>
+                                    </p:animEffect>
+                                  </p:childTnLst>
+                                </p:cTn>
+                              </p:par>
+                            </p:childTnLst>
+                          </p:cTn>
+                        </p:par>
+                      </p:childTnLst>
+                    </p:cTn>
+                  </p:par>
+                </p:childTnLst>
+              </p:cTn>
+              <p:prevCondLst>
+                <p:cond evt="onPrev" delay="0">
+                  <p:tgtEl>
+                    <p:sldTgt/>
+                  </p:tgtEl>
+                </p:cond>
+              </p:prevCondLst>
+              <p:nextCondLst>
+                <p:cond evt="onNext" delay="0">
+                  <p:tgtEl>
+                    <p:sldTgt/>
+                  </p:tgtEl>
+                </p:cond>
+              </p:nextCondLst>
+            </p:seq>
+          </p:childTnLst>
+        </p:cTn>
       </p:par>
     </p:tnLst>
+    <p:bldLst>
+      <p:bldP spid="43" grpId="0"/>
+      <p:bldP spid="44" grpId="0"/>
+    </p:bldLst>
   </p:timing>
 </p:sld>
 </file>
 
-<file path=ppt/slides/slide17.xml><?xml version="1.0" encoding="utf-8"?>
+<file path=ppt/slides/slide14.xml><?xml version="1.0" encoding="utf-8"?>
 <p:sld xmlns:a="http://schemas.openxmlformats.org/drawingml/2006/main" xmlns:r="http://schemas.openxmlformats.org/officeDocument/2006/relationships" xmlns:p="http://schemas.openxmlformats.org/presentationml/2006/main">
   <p:cSld>
     <p:spTree>
@@ -16092,14 +17205,14 @@
             <p:ph idx="1"/>
             <p:extLst>
               <p:ext uri="{D42A27DB-BD31-4B8C-83A1-F6EECF244321}">
-                <p14:modId xmlns:p14="http://schemas.microsoft.com/office/powerpoint/2010/main" val="353641085"/>
+                <p14:modId xmlns:p14="http://schemas.microsoft.com/office/powerpoint/2010/main" val="2708660629"/>
               </p:ext>
             </p:extLst>
           </p:nvPr>
         </p:nvGraphicFramePr>
         <p:xfrm>
-          <a:off x="1403648" y="2348880"/>
-          <a:ext cx="6203032" cy="3225435"/>
+          <a:off x="827584" y="1804814"/>
+          <a:ext cx="7427168" cy="4089531"/>
         </p:xfrm>
         <a:graphic>
           <a:graphicData uri="http://schemas.openxmlformats.org/drawingml/2006/diagram">
@@ -16115,8 +17228,8 @@
         </p:nvSpPr>
         <p:spPr>
           <a:xfrm>
-            <a:off x="4013426" y="3754834"/>
-            <a:ext cx="1134638" cy="369332"/>
+            <a:off x="3995936" y="3526415"/>
+            <a:ext cx="1134638" cy="646331"/>
           </a:xfrm>
           <a:prstGeom prst="rect">
             <a:avLst/>
@@ -16129,11 +17242,24 @@
           </a:bodyPr>
           <a:lstStyle/>
           <a:p>
+            <a:pPr algn="ctr"/>
             <a:r>
               <a:rPr kumimoji="1" lang="ja-JP" altLang="en-US" dirty="0" smtClean="0">
                 <a:ea typeface="メイリオ" panose="020B0604030504040204" pitchFamily="50" charset="-128"/>
               </a:rPr>
               <a:t>システム</a:t>
+            </a:r>
+            <a:endParaRPr kumimoji="1" lang="en-US" altLang="ja-JP" dirty="0" smtClean="0">
+              <a:ea typeface="メイリオ" panose="020B0604030504040204" pitchFamily="50" charset="-128"/>
+            </a:endParaRPr>
+          </a:p>
+          <a:p>
+            <a:pPr algn="ctr"/>
+            <a:r>
+              <a:rPr lang="ja-JP" altLang="en-US" dirty="0">
+                <a:ea typeface="メイリオ" panose="020B0604030504040204" pitchFamily="50" charset="-128"/>
+              </a:rPr>
+              <a:t>仕様</a:t>
             </a:r>
             <a:endParaRPr kumimoji="1" lang="ja-JP" altLang="en-US" dirty="0">
               <a:ea typeface="メイリオ" panose="020B0604030504040204" pitchFamily="50" charset="-128"/>
@@ -16161,7 +17287,266 @@
 </p:sld>
 </file>
 
-<file path=ppt/slides/slide18.xml><?xml version="1.0" encoding="utf-8"?>
+<file path=ppt/slides/slide15.xml><?xml version="1.0" encoding="utf-8"?>
+<p:sld xmlns:a="http://schemas.openxmlformats.org/drawingml/2006/main" xmlns:r="http://schemas.openxmlformats.org/officeDocument/2006/relationships" xmlns:p="http://schemas.openxmlformats.org/presentationml/2006/main">
+  <p:cSld>
+    <p:spTree>
+      <p:nvGrpSpPr>
+        <p:cNvPr id="1" name=""/>
+        <p:cNvGrpSpPr/>
+        <p:nvPr/>
+      </p:nvGrpSpPr>
+      <p:grpSpPr>
+        <a:xfrm>
+          <a:off x="0" y="0"/>
+          <a:ext cx="0" cy="0"/>
+          <a:chOff x="0" y="0"/>
+          <a:chExt cx="0" cy="0"/>
+        </a:xfrm>
+      </p:grpSpPr>
+      <p:sp>
+        <p:nvSpPr>
+          <p:cNvPr id="5" name="円/楕円 4"/>
+          <p:cNvSpPr/>
+          <p:nvPr/>
+        </p:nvSpPr>
+        <p:spPr>
+          <a:xfrm>
+            <a:off x="3491880" y="3040369"/>
+            <a:ext cx="1800200" cy="878923"/>
+          </a:xfrm>
+          <a:prstGeom prst="ellipse">
+            <a:avLst/>
+          </a:prstGeom>
+        </p:spPr>
+        <p:style>
+          <a:lnRef idx="2">
+            <a:schemeClr val="accent1">
+              <a:shade val="50000"/>
+            </a:schemeClr>
+          </a:lnRef>
+          <a:fillRef idx="1">
+            <a:schemeClr val="accent1"/>
+          </a:fillRef>
+          <a:effectRef idx="0">
+            <a:schemeClr val="accent1"/>
+          </a:effectRef>
+          <a:fontRef idx="minor">
+            <a:schemeClr val="lt1"/>
+          </a:fontRef>
+        </p:style>
+        <p:txBody>
+          <a:bodyPr rtlCol="0" anchor="ctr"/>
+          <a:lstStyle/>
+          <a:p>
+            <a:pPr algn="ctr"/>
+            <a:r>
+              <a:rPr kumimoji="1" lang="ja-JP" altLang="en-US" dirty="0" smtClean="0"/>
+              <a:t>システム</a:t>
+            </a:r>
+            <a:endParaRPr kumimoji="1" lang="ja-JP" altLang="en-US" dirty="0"/>
+          </a:p>
+        </p:txBody>
+      </p:sp>
+      <p:pic>
+        <p:nvPicPr>
+          <p:cNvPr id="4098" name="Picture 2" descr="http://png-2.findicons.com/files/icons/1699/elegant/256/user.png"/>
+          <p:cNvPicPr>
+            <a:picLocks noChangeAspect="1" noChangeArrowheads="1"/>
+          </p:cNvPicPr>
+          <p:nvPr/>
+        </p:nvPicPr>
+        <p:blipFill>
+          <a:blip r:embed="rId2">
+            <a:duotone>
+              <a:schemeClr val="accent5">
+                <a:shade val="45000"/>
+                <a:satMod val="135000"/>
+              </a:schemeClr>
+              <a:prstClr val="white"/>
+            </a:duotone>
+            <a:extLst>
+              <a:ext uri="{28A0092B-C50C-407E-A947-70E740481C1C}">
+                <a14:useLocalDpi xmlns:a14="http://schemas.microsoft.com/office/drawing/2010/main" val="0"/>
+              </a:ext>
+            </a:extLst>
+          </a:blip>
+          <a:srcRect/>
+          <a:stretch>
+            <a:fillRect/>
+          </a:stretch>
+        </p:blipFill>
+        <p:spPr bwMode="auto">
+          <a:xfrm>
+            <a:off x="6012160" y="2060848"/>
+            <a:ext cx="2438400" cy="2438400"/>
+          </a:xfrm>
+          <a:prstGeom prst="rect">
+            <a:avLst/>
+          </a:prstGeom>
+          <a:noFill/>
+          <a:scene3d>
+            <a:camera prst="orthographicFront">
+              <a:rot lat="0" lon="10800000" rev="0"/>
+            </a:camera>
+            <a:lightRig rig="threePt" dir="t"/>
+          </a:scene3d>
+          <a:extLst>
+            <a:ext uri="{909E8E84-426E-40DD-AFC4-6F175D3DCCD1}">
+              <a14:hiddenFill xmlns:a14="http://schemas.microsoft.com/office/drawing/2010/main">
+                <a:solidFill>
+                  <a:srgbClr val="FFFFFF"/>
+                </a:solidFill>
+              </a14:hiddenFill>
+            </a:ext>
+          </a:extLst>
+        </p:spPr>
+      </p:pic>
+      <p:pic>
+        <p:nvPicPr>
+          <p:cNvPr id="7" name="Picture 2" descr="http://png-2.findicons.com/files/icons/1699/elegant/256/user.png"/>
+          <p:cNvPicPr>
+            <a:picLocks noChangeAspect="1" noChangeArrowheads="1"/>
+          </p:cNvPicPr>
+          <p:nvPr/>
+        </p:nvPicPr>
+        <p:blipFill>
+          <a:blip r:embed="rId2">
+            <a:duotone>
+              <a:schemeClr val="accent6">
+                <a:shade val="45000"/>
+                <a:satMod val="135000"/>
+              </a:schemeClr>
+              <a:prstClr val="white"/>
+            </a:duotone>
+            <a:extLst>
+              <a:ext uri="{28A0092B-C50C-407E-A947-70E740481C1C}">
+                <a14:useLocalDpi xmlns:a14="http://schemas.microsoft.com/office/drawing/2010/main" val="0"/>
+              </a:ext>
+            </a:extLst>
+          </a:blip>
+          <a:srcRect/>
+          <a:stretch>
+            <a:fillRect/>
+          </a:stretch>
+        </p:blipFill>
+        <p:spPr bwMode="auto">
+          <a:xfrm>
+            <a:off x="179512" y="2060848"/>
+            <a:ext cx="2438400" cy="2438400"/>
+          </a:xfrm>
+          <a:prstGeom prst="rect">
+            <a:avLst/>
+          </a:prstGeom>
+          <a:noFill/>
+          <a:extLst>
+            <a:ext uri="{909E8E84-426E-40DD-AFC4-6F175D3DCCD1}">
+              <a14:hiddenFill xmlns:a14="http://schemas.microsoft.com/office/drawing/2010/main">
+                <a:solidFill>
+                  <a:srgbClr val="FFFFFF"/>
+                </a:solidFill>
+              </a14:hiddenFill>
+            </a:ext>
+          </a:extLst>
+        </p:spPr>
+      </p:pic>
+      <p:sp>
+        <p:nvSpPr>
+          <p:cNvPr id="6" name="右矢印 5"/>
+          <p:cNvSpPr/>
+          <p:nvPr/>
+        </p:nvSpPr>
+        <p:spPr>
+          <a:xfrm>
+            <a:off x="2267744" y="3237515"/>
+            <a:ext cx="978408" cy="484632"/>
+          </a:xfrm>
+          <a:prstGeom prst="rightArrow">
+            <a:avLst/>
+          </a:prstGeom>
+        </p:spPr>
+        <p:style>
+          <a:lnRef idx="2">
+            <a:schemeClr val="accent6"/>
+          </a:lnRef>
+          <a:fillRef idx="1">
+            <a:schemeClr val="lt1"/>
+          </a:fillRef>
+          <a:effectRef idx="0">
+            <a:schemeClr val="accent6"/>
+          </a:effectRef>
+          <a:fontRef idx="minor">
+            <a:schemeClr val="dk1"/>
+          </a:fontRef>
+        </p:style>
+        <p:txBody>
+          <a:bodyPr rtlCol="0" anchor="ctr"/>
+          <a:lstStyle/>
+          <a:p>
+            <a:pPr algn="ctr"/>
+            <a:endParaRPr kumimoji="1" lang="ja-JP" altLang="en-US"/>
+          </a:p>
+        </p:txBody>
+      </p:sp>
+      <p:sp>
+        <p:nvSpPr>
+          <p:cNvPr id="9" name="右矢印 8"/>
+          <p:cNvSpPr/>
+          <p:nvPr/>
+        </p:nvSpPr>
+        <p:spPr>
+          <a:xfrm rot="10800000">
+            <a:off x="5436096" y="3237515"/>
+            <a:ext cx="978408" cy="484632"/>
+          </a:xfrm>
+          <a:prstGeom prst="rightArrow">
+            <a:avLst/>
+          </a:prstGeom>
+        </p:spPr>
+        <p:style>
+          <a:lnRef idx="2">
+            <a:schemeClr val="accent6"/>
+          </a:lnRef>
+          <a:fillRef idx="1">
+            <a:schemeClr val="lt1"/>
+          </a:fillRef>
+          <a:effectRef idx="0">
+            <a:schemeClr val="accent6"/>
+          </a:effectRef>
+          <a:fontRef idx="minor">
+            <a:schemeClr val="dk1"/>
+          </a:fontRef>
+        </p:style>
+        <p:txBody>
+          <a:bodyPr rtlCol="0" anchor="ctr"/>
+          <a:lstStyle/>
+          <a:p>
+            <a:pPr algn="ctr"/>
+            <a:endParaRPr kumimoji="1" lang="ja-JP" altLang="en-US"/>
+          </a:p>
+        </p:txBody>
+      </p:sp>
+    </p:spTree>
+    <p:extLst>
+      <p:ext uri="{BB962C8B-B14F-4D97-AF65-F5344CB8AC3E}">
+        <p14:creationId xmlns:p14="http://schemas.microsoft.com/office/powerpoint/2010/main" val="890715390"/>
+      </p:ext>
+    </p:extLst>
+  </p:cSld>
+  <p:clrMapOvr>
+    <a:masterClrMapping/>
+  </p:clrMapOvr>
+  <p:timing>
+    <p:tnLst>
+      <p:par>
+        <p:cTn id="1" dur="indefinite" restart="never" nodeType="tmRoot"/>
+      </p:par>
+    </p:tnLst>
+  </p:timing>
+</p:sld>
+</file>
+
+<file path=ppt/slides/slide16.xml><?xml version="1.0" encoding="utf-8"?>
 <p:sld xmlns:a="http://schemas.openxmlformats.org/drawingml/2006/main" xmlns:r="http://schemas.openxmlformats.org/officeDocument/2006/relationships" xmlns:p="http://schemas.openxmlformats.org/presentationml/2006/main">
   <p:cSld>
     <p:spTree>
@@ -16280,7 +17665,7 @@
 </p:sld>
 </file>
 
-<file path=ppt/slides/slide19.xml><?xml version="1.0" encoding="utf-8"?>
+<file path=ppt/slides/slide17.xml><?xml version="1.0" encoding="utf-8"?>
 <p:sld xmlns:a="http://schemas.openxmlformats.org/drawingml/2006/main" xmlns:r="http://schemas.openxmlformats.org/officeDocument/2006/relationships" xmlns:p="http://schemas.openxmlformats.org/presentationml/2006/main">
   <p:cSld>
     <p:spTree>
@@ -16615,254 +18000,7 @@
 </p:sld>
 </file>
 
-<file path=ppt/slides/slide2.xml><?xml version="1.0" encoding="utf-8"?>
-<p:sld xmlns:a="http://schemas.openxmlformats.org/drawingml/2006/main" xmlns:r="http://schemas.openxmlformats.org/officeDocument/2006/relationships" xmlns:p="http://schemas.openxmlformats.org/presentationml/2006/main">
-  <p:cSld>
-    <p:spTree>
-      <p:nvGrpSpPr>
-        <p:cNvPr id="1" name=""/>
-        <p:cNvGrpSpPr/>
-        <p:nvPr/>
-      </p:nvGrpSpPr>
-      <p:grpSpPr>
-        <a:xfrm>
-          <a:off x="0" y="0"/>
-          <a:ext cx="0" cy="0"/>
-          <a:chOff x="0" y="0"/>
-          <a:chExt cx="0" cy="0"/>
-        </a:xfrm>
-      </p:grpSpPr>
-      <p:pic>
-        <p:nvPicPr>
-          <p:cNvPr id="1026" name="Picture 2" descr="C:\Users\ishii\AppData\Local\Temp\2787361337_d4331af99b_b.jpg"/>
-          <p:cNvPicPr>
-            <a:picLocks noChangeAspect="1" noChangeArrowheads="1"/>
-          </p:cNvPicPr>
-          <p:nvPr/>
-        </p:nvPicPr>
-        <p:blipFill>
-          <a:blip r:embed="rId2">
-            <a:extLst>
-              <a:ext uri="{28A0092B-C50C-407E-A947-70E740481C1C}">
-                <a14:useLocalDpi xmlns:a14="http://schemas.microsoft.com/office/drawing/2010/main" val="0"/>
-              </a:ext>
-            </a:extLst>
-          </a:blip>
-          <a:srcRect/>
-          <a:stretch>
-            <a:fillRect/>
-          </a:stretch>
-        </p:blipFill>
-        <p:spPr bwMode="auto">
-          <a:xfrm>
-            <a:off x="0" y="459879"/>
-            <a:ext cx="9144000" cy="5938242"/>
-          </a:xfrm>
-          <a:prstGeom prst="rect">
-            <a:avLst/>
-          </a:prstGeom>
-          <a:noFill/>
-          <a:extLst>
-            <a:ext uri="{909E8E84-426E-40DD-AFC4-6F175D3DCCD1}">
-              <a14:hiddenFill xmlns:a14="http://schemas.microsoft.com/office/drawing/2010/main">
-                <a:solidFill>
-                  <a:srgbClr val="FFFFFF"/>
-                </a:solidFill>
-              </a14:hiddenFill>
-            </a:ext>
-          </a:extLst>
-        </p:spPr>
-      </p:pic>
-      <p:sp>
-        <p:nvSpPr>
-          <p:cNvPr id="2" name="テキスト ボックス 1"/>
-          <p:cNvSpPr txBox="1"/>
-          <p:nvPr/>
-        </p:nvSpPr>
-        <p:spPr>
-          <a:xfrm>
-            <a:off x="323528" y="928990"/>
-            <a:ext cx="5109091" cy="584775"/>
-          </a:xfrm>
-          <a:prstGeom prst="rect">
-            <a:avLst/>
-          </a:prstGeom>
-          <a:noFill/>
-        </p:spPr>
-        <p:txBody>
-          <a:bodyPr wrap="none" rtlCol="0">
-            <a:spAutoFit/>
-          </a:bodyPr>
-          <a:lstStyle/>
-          <a:p>
-            <a:r>
-              <a:rPr kumimoji="1" lang="ja-JP" altLang="en-US" sz="3200" dirty="0" smtClean="0">
-                <a:ea typeface="メイリオ" panose="020B0604030504040204" pitchFamily="50" charset="-128"/>
-              </a:rPr>
-              <a:t>アジャイル開発ってなに？</a:t>
-            </a:r>
-            <a:endParaRPr kumimoji="1" lang="ja-JP" altLang="en-US" sz="3200" dirty="0">
-              <a:ea typeface="メイリオ" panose="020B0604030504040204" pitchFamily="50" charset="-128"/>
-            </a:endParaRPr>
-          </a:p>
-        </p:txBody>
-      </p:sp>
-      <p:sp>
-        <p:nvSpPr>
-          <p:cNvPr id="4" name="テキスト ボックス 3"/>
-          <p:cNvSpPr txBox="1"/>
-          <p:nvPr/>
-        </p:nvSpPr>
-        <p:spPr>
-          <a:xfrm>
-            <a:off x="5532114" y="1772816"/>
-            <a:ext cx="3611886" cy="584775"/>
-          </a:xfrm>
-          <a:prstGeom prst="rect">
-            <a:avLst/>
-          </a:prstGeom>
-          <a:noFill/>
-        </p:spPr>
-        <p:txBody>
-          <a:bodyPr wrap="none" rtlCol="0">
-            <a:spAutoFit/>
-          </a:bodyPr>
-          <a:lstStyle/>
-          <a:p>
-            <a:r>
-              <a:rPr lang="en-US" altLang="ja-JP" sz="3200" dirty="0" smtClean="0">
-                <a:ea typeface="メイリオ" panose="020B0604030504040204" pitchFamily="50" charset="-128"/>
-              </a:rPr>
-              <a:t>WF</a:t>
-            </a:r>
-            <a:r>
-              <a:rPr lang="ja-JP" altLang="en-US" sz="3200" dirty="0" smtClean="0">
-                <a:ea typeface="メイリオ" panose="020B0604030504040204" pitchFamily="50" charset="-128"/>
-              </a:rPr>
-              <a:t>じゃないなにか</a:t>
-            </a:r>
-            <a:endParaRPr kumimoji="1" lang="ja-JP" altLang="en-US" sz="3200" dirty="0">
-              <a:ea typeface="メイリオ" panose="020B0604030504040204" pitchFamily="50" charset="-128"/>
-            </a:endParaRPr>
-          </a:p>
-        </p:txBody>
-      </p:sp>
-      <p:sp>
-        <p:nvSpPr>
-          <p:cNvPr id="5" name="テキスト ボックス 4"/>
-          <p:cNvSpPr txBox="1"/>
-          <p:nvPr/>
-        </p:nvSpPr>
-        <p:spPr>
-          <a:xfrm>
-            <a:off x="47647" y="5813345"/>
-            <a:ext cx="6340197" cy="584775"/>
-          </a:xfrm>
-          <a:prstGeom prst="rect">
-            <a:avLst/>
-          </a:prstGeom>
-          <a:noFill/>
-        </p:spPr>
-        <p:txBody>
-          <a:bodyPr wrap="none" rtlCol="0">
-            <a:spAutoFit/>
-          </a:bodyPr>
-          <a:lstStyle/>
-          <a:p>
-            <a:r>
-              <a:rPr kumimoji="1" lang="ja-JP" altLang="en-US" sz="3200" dirty="0" smtClean="0">
-                <a:ea typeface="メイリオ" panose="020B0604030504040204" pitchFamily="50" charset="-128"/>
-              </a:rPr>
-              <a:t>「早い」「安い」「うまい」？？</a:t>
-            </a:r>
-            <a:endParaRPr kumimoji="1" lang="ja-JP" altLang="en-US" sz="3200" dirty="0">
-              <a:ea typeface="メイリオ" panose="020B0604030504040204" pitchFamily="50" charset="-128"/>
-            </a:endParaRPr>
-          </a:p>
-        </p:txBody>
-      </p:sp>
-      <p:sp>
-        <p:nvSpPr>
-          <p:cNvPr id="6" name="テキスト ボックス 5"/>
-          <p:cNvSpPr txBox="1"/>
-          <p:nvPr/>
-        </p:nvSpPr>
-        <p:spPr>
-          <a:xfrm>
-            <a:off x="179512" y="4005064"/>
-            <a:ext cx="3877985" cy="584775"/>
-          </a:xfrm>
-          <a:prstGeom prst="rect">
-            <a:avLst/>
-          </a:prstGeom>
-          <a:noFill/>
-        </p:spPr>
-        <p:txBody>
-          <a:bodyPr wrap="none" rtlCol="0">
-            <a:spAutoFit/>
-          </a:bodyPr>
-          <a:lstStyle/>
-          <a:p>
-            <a:r>
-              <a:rPr kumimoji="1" lang="ja-JP" altLang="en-US" sz="3200" dirty="0" smtClean="0">
-                <a:ea typeface="メイリオ" panose="020B0604030504040204" pitchFamily="50" charset="-128"/>
-              </a:rPr>
-              <a:t>ドキュメントいらず</a:t>
-            </a:r>
-            <a:endParaRPr kumimoji="1" lang="ja-JP" altLang="en-US" sz="3200" dirty="0">
-              <a:ea typeface="メイリオ" panose="020B0604030504040204" pitchFamily="50" charset="-128"/>
-            </a:endParaRPr>
-          </a:p>
-        </p:txBody>
-      </p:sp>
-      <p:sp>
-        <p:nvSpPr>
-          <p:cNvPr id="7" name="テキスト ボックス 6"/>
-          <p:cNvSpPr txBox="1"/>
-          <p:nvPr/>
-        </p:nvSpPr>
-        <p:spPr>
-          <a:xfrm>
-            <a:off x="6300192" y="3136612"/>
-            <a:ext cx="2646878" cy="584775"/>
-          </a:xfrm>
-          <a:prstGeom prst="rect">
-            <a:avLst/>
-          </a:prstGeom>
-          <a:noFill/>
-        </p:spPr>
-        <p:txBody>
-          <a:bodyPr wrap="none" rtlCol="0">
-            <a:spAutoFit/>
-          </a:bodyPr>
-          <a:lstStyle/>
-          <a:p>
-            <a:r>
-              <a:rPr kumimoji="1" lang="ja-JP" altLang="en-US" sz="3200" dirty="0" smtClean="0">
-                <a:ea typeface="メイリオ" panose="020B0604030504040204" pitchFamily="50" charset="-128"/>
-              </a:rPr>
-              <a:t>緩くやる感じ</a:t>
-            </a:r>
-            <a:endParaRPr kumimoji="1" lang="ja-JP" altLang="en-US" sz="3200" dirty="0">
-              <a:ea typeface="メイリオ" panose="020B0604030504040204" pitchFamily="50" charset="-128"/>
-            </a:endParaRPr>
-          </a:p>
-        </p:txBody>
-      </p:sp>
-    </p:spTree>
-    <p:extLst>
-      <p:ext uri="{BB962C8B-B14F-4D97-AF65-F5344CB8AC3E}">
-        <p14:creationId xmlns:p14="http://schemas.microsoft.com/office/powerpoint/2010/main" val="325225966"/>
-      </p:ext>
-    </p:extLst>
-  </p:cSld>
-  <p:clrMapOvr>
-    <a:masterClrMapping/>
-  </p:clrMapOvr>
-</p:sld>
-</file>
-
-<file path=ppt/slides/slide20.xml><?xml version="1.0" encoding="utf-8"?>
+<file path=ppt/slides/slide18.xml><?xml version="1.0" encoding="utf-8"?>
 <p:sld xmlns:a="http://schemas.openxmlformats.org/drawingml/2006/main" xmlns:r="http://schemas.openxmlformats.org/officeDocument/2006/relationships" xmlns:p="http://schemas.openxmlformats.org/presentationml/2006/main">
   <p:cSld>
     <p:spTree>
@@ -17042,7 +18180,7 @@
 </p:sld>
 </file>
 
-<file path=ppt/slides/slide21.xml><?xml version="1.0" encoding="utf-8"?>
+<file path=ppt/slides/slide19.xml><?xml version="1.0" encoding="utf-8"?>
 <p:sld xmlns:a="http://schemas.openxmlformats.org/drawingml/2006/main" xmlns:r="http://schemas.openxmlformats.org/officeDocument/2006/relationships" xmlns:p="http://schemas.openxmlformats.org/presentationml/2006/main">
   <p:cSld>
     <p:spTree>
@@ -17118,6 +18256,267 @@
   <p:clrMapOvr>
     <a:masterClrMapping/>
   </p:clrMapOvr>
+  <p:timing>
+    <p:tnLst>
+      <p:par>
+        <p:cTn id="1" dur="indefinite" restart="never" nodeType="tmRoot"/>
+      </p:par>
+    </p:tnLst>
+  </p:timing>
+</p:sld>
+</file>
+
+<file path=ppt/slides/slide2.xml><?xml version="1.0" encoding="utf-8"?>
+<p:sld xmlns:a="http://schemas.openxmlformats.org/drawingml/2006/main" xmlns:r="http://schemas.openxmlformats.org/officeDocument/2006/relationships" xmlns:p="http://schemas.openxmlformats.org/presentationml/2006/main">
+  <p:cSld>
+    <p:spTree>
+      <p:nvGrpSpPr>
+        <p:cNvPr id="1" name=""/>
+        <p:cNvGrpSpPr/>
+        <p:nvPr/>
+      </p:nvGrpSpPr>
+      <p:grpSpPr>
+        <a:xfrm>
+          <a:off x="0" y="0"/>
+          <a:ext cx="0" cy="0"/>
+          <a:chOff x="0" y="0"/>
+          <a:chExt cx="0" cy="0"/>
+        </a:xfrm>
+      </p:grpSpPr>
+      <p:pic>
+        <p:nvPicPr>
+          <p:cNvPr id="1026" name="Picture 2" descr="C:\Users\ishii\AppData\Local\Temp\2787361337_d4331af99b_b.jpg"/>
+          <p:cNvPicPr>
+            <a:picLocks noChangeAspect="1" noChangeArrowheads="1"/>
+          </p:cNvPicPr>
+          <p:nvPr/>
+        </p:nvPicPr>
+        <p:blipFill>
+          <a:blip r:embed="rId2">
+            <a:extLst>
+              <a:ext uri="{28A0092B-C50C-407E-A947-70E740481C1C}">
+                <a14:useLocalDpi xmlns:a14="http://schemas.microsoft.com/office/drawing/2010/main" val="0"/>
+              </a:ext>
+            </a:extLst>
+          </a:blip>
+          <a:srcRect/>
+          <a:stretch>
+            <a:fillRect/>
+          </a:stretch>
+        </p:blipFill>
+        <p:spPr bwMode="auto">
+          <a:xfrm>
+            <a:off x="0" y="459879"/>
+            <a:ext cx="9144000" cy="5938242"/>
+          </a:xfrm>
+          <a:prstGeom prst="rect">
+            <a:avLst/>
+          </a:prstGeom>
+          <a:noFill/>
+          <a:extLst>
+            <a:ext uri="{909E8E84-426E-40DD-AFC4-6F175D3DCCD1}">
+              <a14:hiddenFill xmlns:a14="http://schemas.microsoft.com/office/drawing/2010/main">
+                <a:solidFill>
+                  <a:srgbClr val="FFFFFF"/>
+                </a:solidFill>
+              </a14:hiddenFill>
+            </a:ext>
+          </a:extLst>
+        </p:spPr>
+      </p:pic>
+      <p:sp>
+        <p:nvSpPr>
+          <p:cNvPr id="2" name="テキスト ボックス 1"/>
+          <p:cNvSpPr txBox="1"/>
+          <p:nvPr/>
+        </p:nvSpPr>
+        <p:spPr>
+          <a:xfrm>
+            <a:off x="323528" y="928990"/>
+            <a:ext cx="5109091" cy="584775"/>
+          </a:xfrm>
+          <a:prstGeom prst="rect">
+            <a:avLst/>
+          </a:prstGeom>
+          <a:noFill/>
+        </p:spPr>
+        <p:txBody>
+          <a:bodyPr wrap="none" rtlCol="0">
+            <a:spAutoFit/>
+          </a:bodyPr>
+          <a:lstStyle/>
+          <a:p>
+            <a:r>
+              <a:rPr kumimoji="1" lang="ja-JP" altLang="en-US" sz="3200" dirty="0" smtClean="0">
+                <a:ea typeface="メイリオ" panose="020B0604030504040204" pitchFamily="50" charset="-128"/>
+              </a:rPr>
+              <a:t>アジャイル開発ってなに？</a:t>
+            </a:r>
+            <a:endParaRPr kumimoji="1" lang="ja-JP" altLang="en-US" sz="3200" dirty="0">
+              <a:ea typeface="メイリオ" panose="020B0604030504040204" pitchFamily="50" charset="-128"/>
+            </a:endParaRPr>
+          </a:p>
+        </p:txBody>
+      </p:sp>
+      <p:sp>
+        <p:nvSpPr>
+          <p:cNvPr id="4" name="テキスト ボックス 3"/>
+          <p:cNvSpPr txBox="1"/>
+          <p:nvPr/>
+        </p:nvSpPr>
+        <p:spPr>
+          <a:xfrm>
+            <a:off x="5420714" y="1829374"/>
+            <a:ext cx="3611886" cy="584775"/>
+          </a:xfrm>
+          <a:prstGeom prst="rect">
+            <a:avLst/>
+          </a:prstGeom>
+          <a:noFill/>
+        </p:spPr>
+        <p:txBody>
+          <a:bodyPr wrap="none" rtlCol="0">
+            <a:spAutoFit/>
+          </a:bodyPr>
+          <a:lstStyle/>
+          <a:p>
+            <a:r>
+              <a:rPr lang="en-US" altLang="ja-JP" sz="3200" dirty="0" smtClean="0">
+                <a:ea typeface="メイリオ" panose="020B0604030504040204" pitchFamily="50" charset="-128"/>
+              </a:rPr>
+              <a:t>WF</a:t>
+            </a:r>
+            <a:r>
+              <a:rPr lang="ja-JP" altLang="en-US" sz="3200" dirty="0" smtClean="0">
+                <a:ea typeface="メイリオ" panose="020B0604030504040204" pitchFamily="50" charset="-128"/>
+              </a:rPr>
+              <a:t>じゃないなにか</a:t>
+            </a:r>
+            <a:endParaRPr kumimoji="1" lang="ja-JP" altLang="en-US" sz="3200" dirty="0">
+              <a:ea typeface="メイリオ" panose="020B0604030504040204" pitchFamily="50" charset="-128"/>
+            </a:endParaRPr>
+          </a:p>
+        </p:txBody>
+      </p:sp>
+      <p:sp>
+        <p:nvSpPr>
+          <p:cNvPr id="5" name="テキスト ボックス 4"/>
+          <p:cNvSpPr txBox="1"/>
+          <p:nvPr/>
+        </p:nvSpPr>
+        <p:spPr>
+          <a:xfrm>
+            <a:off x="47647" y="5813345"/>
+            <a:ext cx="6340197" cy="584775"/>
+          </a:xfrm>
+          <a:prstGeom prst="rect">
+            <a:avLst/>
+          </a:prstGeom>
+          <a:noFill/>
+        </p:spPr>
+        <p:txBody>
+          <a:bodyPr wrap="none" rtlCol="0">
+            <a:spAutoFit/>
+          </a:bodyPr>
+          <a:lstStyle/>
+          <a:p>
+            <a:r>
+              <a:rPr kumimoji="1" lang="ja-JP" altLang="en-US" sz="3200" dirty="0" smtClean="0">
+                <a:ea typeface="メイリオ" panose="020B0604030504040204" pitchFamily="50" charset="-128"/>
+              </a:rPr>
+              <a:t>「早い」「安い」「うまい」？？</a:t>
+            </a:r>
+            <a:endParaRPr kumimoji="1" lang="ja-JP" altLang="en-US" sz="3200" dirty="0">
+              <a:ea typeface="メイリオ" panose="020B0604030504040204" pitchFamily="50" charset="-128"/>
+            </a:endParaRPr>
+          </a:p>
+        </p:txBody>
+      </p:sp>
+      <p:sp>
+        <p:nvSpPr>
+          <p:cNvPr id="6" name="テキスト ボックス 5"/>
+          <p:cNvSpPr txBox="1"/>
+          <p:nvPr/>
+        </p:nvSpPr>
+        <p:spPr>
+          <a:xfrm>
+            <a:off x="179512" y="4005064"/>
+            <a:ext cx="3877985" cy="584775"/>
+          </a:xfrm>
+          <a:prstGeom prst="rect">
+            <a:avLst/>
+          </a:prstGeom>
+          <a:noFill/>
+        </p:spPr>
+        <p:txBody>
+          <a:bodyPr wrap="none" rtlCol="0">
+            <a:spAutoFit/>
+          </a:bodyPr>
+          <a:lstStyle/>
+          <a:p>
+            <a:r>
+              <a:rPr kumimoji="1" lang="ja-JP" altLang="en-US" sz="3200" dirty="0" smtClean="0">
+                <a:ea typeface="メイリオ" panose="020B0604030504040204" pitchFamily="50" charset="-128"/>
+              </a:rPr>
+              <a:t>ドキュメントいらず</a:t>
+            </a:r>
+            <a:endParaRPr kumimoji="1" lang="ja-JP" altLang="en-US" sz="3200" dirty="0">
+              <a:ea typeface="メイリオ" panose="020B0604030504040204" pitchFamily="50" charset="-128"/>
+            </a:endParaRPr>
+          </a:p>
+        </p:txBody>
+      </p:sp>
+      <p:sp>
+        <p:nvSpPr>
+          <p:cNvPr id="7" name="テキスト ボックス 6"/>
+          <p:cNvSpPr txBox="1"/>
+          <p:nvPr/>
+        </p:nvSpPr>
+        <p:spPr>
+          <a:xfrm>
+            <a:off x="6300192" y="3136612"/>
+            <a:ext cx="2646878" cy="584775"/>
+          </a:xfrm>
+          <a:prstGeom prst="rect">
+            <a:avLst/>
+          </a:prstGeom>
+          <a:noFill/>
+        </p:spPr>
+        <p:txBody>
+          <a:bodyPr wrap="none" rtlCol="0">
+            <a:spAutoFit/>
+          </a:bodyPr>
+          <a:lstStyle/>
+          <a:p>
+            <a:r>
+              <a:rPr kumimoji="1" lang="ja-JP" altLang="en-US" sz="3200" dirty="0" smtClean="0">
+                <a:ea typeface="メイリオ" panose="020B0604030504040204" pitchFamily="50" charset="-128"/>
+              </a:rPr>
+              <a:t>緩くやる感じ</a:t>
+            </a:r>
+            <a:endParaRPr kumimoji="1" lang="ja-JP" altLang="en-US" sz="3200" dirty="0">
+              <a:ea typeface="メイリオ" panose="020B0604030504040204" pitchFamily="50" charset="-128"/>
+            </a:endParaRPr>
+          </a:p>
+        </p:txBody>
+      </p:sp>
+    </p:spTree>
+    <p:extLst>
+      <p:ext uri="{BB962C8B-B14F-4D97-AF65-F5344CB8AC3E}">
+        <p14:creationId xmlns:p14="http://schemas.microsoft.com/office/powerpoint/2010/main" val="325225966"/>
+      </p:ext>
+    </p:extLst>
+  </p:cSld>
+  <p:clrMapOvr>
+    <a:masterClrMapping/>
+  </p:clrMapOvr>
+  <p:timing>
+    <p:tnLst>
+      <p:par>
+        <p:cTn id="1" dur="indefinite" restart="never" nodeType="tmRoot"/>
+      </p:par>
+    </p:tnLst>
+  </p:timing>
 </p:sld>
 </file>
 
@@ -17200,7 +18599,7 @@
         </p:nvSpPr>
         <p:spPr>
           <a:xfrm>
-            <a:off x="0" y="6239053"/>
+            <a:off x="0" y="6237312"/>
             <a:ext cx="9144465" cy="646331"/>
           </a:xfrm>
           <a:prstGeom prst="rect">
@@ -17266,6 +18665,13 @@
   <p:clrMapOvr>
     <a:masterClrMapping/>
   </p:clrMapOvr>
+  <p:timing>
+    <p:tnLst>
+      <p:par>
+        <p:cTn id="1" dur="indefinite" restart="never" nodeType="tmRoot"/>
+      </p:par>
+    </p:tnLst>
+  </p:timing>
 </p:sld>
 </file>
 
@@ -17414,6 +18820,13 @@
   <p:clrMapOvr>
     <a:masterClrMapping/>
   </p:clrMapOvr>
+  <p:timing>
+    <p:tnLst>
+      <p:par>
+        <p:cTn id="1" dur="indefinite" restart="never" nodeType="tmRoot"/>
+      </p:par>
+    </p:tnLst>
+  </p:timing>
 </p:sld>
 </file>
 
@@ -17562,10 +18975,185 @@
   <p:clrMapOvr>
     <a:masterClrMapping/>
   </p:clrMapOvr>
+  <p:timing>
+    <p:tnLst>
+      <p:par>
+        <p:cTn id="1" dur="indefinite" restart="never" nodeType="tmRoot"/>
+      </p:par>
+    </p:tnLst>
+  </p:timing>
 </p:sld>
 </file>
 
 <file path=ppt/slides/slide6.xml><?xml version="1.0" encoding="utf-8"?>
+<p:sld xmlns:a="http://schemas.openxmlformats.org/drawingml/2006/main" xmlns:r="http://schemas.openxmlformats.org/officeDocument/2006/relationships" xmlns:p="http://schemas.openxmlformats.org/presentationml/2006/main">
+  <p:cSld>
+    <p:spTree>
+      <p:nvGrpSpPr>
+        <p:cNvPr id="1" name=""/>
+        <p:cNvGrpSpPr/>
+        <p:nvPr/>
+      </p:nvGrpSpPr>
+      <p:grpSpPr>
+        <a:xfrm>
+          <a:off x="0" y="0"/>
+          <a:ext cx="0" cy="0"/>
+          <a:chOff x="0" y="0"/>
+          <a:chExt cx="0" cy="0"/>
+        </a:xfrm>
+      </p:grpSpPr>
+      <p:pic>
+        <p:nvPicPr>
+          <p:cNvPr id="1026" name="Picture 2" descr="C:\Users\ishii\AppData\Local\Temp\2120169102_fa877957f8_b.jpg"/>
+          <p:cNvPicPr>
+            <a:picLocks noChangeAspect="1" noChangeArrowheads="1"/>
+          </p:cNvPicPr>
+          <p:nvPr/>
+        </p:nvPicPr>
+        <p:blipFill>
+          <a:blip r:embed="rId2">
+            <a:extLst>
+              <a:ext uri="{28A0092B-C50C-407E-A947-70E740481C1C}">
+                <a14:useLocalDpi xmlns:a14="http://schemas.microsoft.com/office/drawing/2010/main" val="0"/>
+              </a:ext>
+            </a:extLst>
+          </a:blip>
+          <a:srcRect/>
+          <a:stretch>
+            <a:fillRect/>
+          </a:stretch>
+        </p:blipFill>
+        <p:spPr bwMode="auto">
+          <a:xfrm>
+            <a:off x="3131840" y="2851552"/>
+            <a:ext cx="5723917" cy="3817808"/>
+          </a:xfrm>
+          <a:prstGeom prst="rect">
+            <a:avLst/>
+          </a:prstGeom>
+          <a:noFill/>
+          <a:extLst>
+            <a:ext uri="{909E8E84-426E-40DD-AFC4-6F175D3DCCD1}">
+              <a14:hiddenFill xmlns:a14="http://schemas.microsoft.com/office/drawing/2010/main">
+                <a:solidFill>
+                  <a:srgbClr val="FFFFFF"/>
+                </a:solidFill>
+              </a14:hiddenFill>
+            </a:ext>
+          </a:extLst>
+        </p:spPr>
+      </p:pic>
+      <p:sp>
+        <p:nvSpPr>
+          <p:cNvPr id="4" name="正方形/長方形 3"/>
+          <p:cNvSpPr/>
+          <p:nvPr/>
+        </p:nvSpPr>
+        <p:spPr>
+          <a:xfrm>
+            <a:off x="247657" y="1487900"/>
+            <a:ext cx="8716089" cy="1569660"/>
+          </a:xfrm>
+          <a:prstGeom prst="rect">
+            <a:avLst/>
+          </a:prstGeom>
+        </p:spPr>
+        <p:txBody>
+          <a:bodyPr wrap="square">
+            <a:spAutoFit/>
+          </a:bodyPr>
+          <a:lstStyle/>
+          <a:p>
+            <a:r>
+              <a:rPr lang="en-US" altLang="ja-JP" sz="3200" dirty="0">
+                <a:ea typeface="メイリオ" panose="020B0604030504040204" pitchFamily="50" charset="-128"/>
+              </a:rPr>
+              <a:t>2001</a:t>
+            </a:r>
+            <a:r>
+              <a:rPr lang="ja-JP" altLang="en-US" sz="3200" dirty="0">
+                <a:ea typeface="メイリオ" panose="020B0604030504040204" pitchFamily="50" charset="-128"/>
+              </a:rPr>
+              <a:t>年</a:t>
+            </a:r>
+            <a:r>
+              <a:rPr lang="en-US" altLang="ja-JP" sz="3200" dirty="0">
+                <a:ea typeface="メイリオ" panose="020B0604030504040204" pitchFamily="50" charset="-128"/>
+              </a:rPr>
+              <a:t>2</a:t>
+            </a:r>
+            <a:r>
+              <a:rPr lang="ja-JP" altLang="en-US" sz="3200" dirty="0">
+                <a:ea typeface="メイリオ" panose="020B0604030504040204" pitchFamily="50" charset="-128"/>
+              </a:rPr>
+              <a:t>月、</a:t>
+            </a:r>
+            <a:r>
+              <a:rPr lang="en-US" altLang="ja-JP" sz="3200" dirty="0">
+                <a:ea typeface="メイリオ" panose="020B0604030504040204" pitchFamily="50" charset="-128"/>
+              </a:rPr>
+              <a:t>17</a:t>
+            </a:r>
+            <a:r>
+              <a:rPr lang="ja-JP" altLang="en-US" sz="3200" dirty="0">
+                <a:ea typeface="メイリオ" panose="020B0604030504040204" pitchFamily="50" charset="-128"/>
+              </a:rPr>
+              <a:t>名の著名なエンジニアが、ソフトウェア開発手法をアジャイルソフトウェア開発宣言としてまとめた</a:t>
+            </a:r>
+          </a:p>
+        </p:txBody>
+      </p:sp>
+      <p:sp>
+        <p:nvSpPr>
+          <p:cNvPr id="6" name="タイトル 1"/>
+          <p:cNvSpPr>
+            <a:spLocks noGrp="1"/>
+          </p:cNvSpPr>
+          <p:nvPr>
+            <p:ph type="title"/>
+          </p:nvPr>
+        </p:nvSpPr>
+        <p:spPr>
+          <a:xfrm>
+            <a:off x="502169" y="404664"/>
+            <a:ext cx="8229600" cy="1143000"/>
+          </a:xfrm>
+        </p:spPr>
+        <p:txBody>
+          <a:bodyPr>
+            <a:normAutofit/>
+          </a:bodyPr>
+          <a:lstStyle/>
+          <a:p>
+            <a:r>
+              <a:rPr lang="ja-JP" altLang="en-US" b="1" dirty="0" smtClean="0"/>
+              <a:t>アジャイルの始まり</a:t>
+            </a:r>
+            <a:endParaRPr kumimoji="1" lang="ja-JP" altLang="en-US" dirty="0"/>
+          </a:p>
+        </p:txBody>
+      </p:sp>
+    </p:spTree>
+    <p:extLst>
+      <p:ext uri="{BB962C8B-B14F-4D97-AF65-F5344CB8AC3E}">
+        <p14:creationId xmlns:p14="http://schemas.microsoft.com/office/powerpoint/2010/main" val="1949212690"/>
+      </p:ext>
+    </p:extLst>
+  </p:cSld>
+  <p:clrMapOvr>
+    <a:masterClrMapping/>
+  </p:clrMapOvr>
+  <p:timing>
+    <p:tnLst>
+      <p:par>
+        <p:cTn id="1" dur="indefinite" restart="never" nodeType="tmRoot"/>
+      </p:par>
+    </p:tnLst>
+  </p:timing>
+</p:sld>
+</file>
+
+<file path=ppt/slides/slide7.xml><?xml version="1.0" encoding="utf-8"?>
 <p:sld xmlns:a="http://schemas.openxmlformats.org/drawingml/2006/main" xmlns:r="http://schemas.openxmlformats.org/officeDocument/2006/relationships" xmlns:p="http://schemas.openxmlformats.org/presentationml/2006/main">
   <p:cSld>
     <p:spTree>
@@ -17635,7 +19223,7 @@
         </p:nvSpPr>
         <p:spPr>
           <a:xfrm>
-            <a:off x="529208" y="773832"/>
+            <a:off x="502169" y="404664"/>
             <a:ext cx="8229600" cy="1143000"/>
           </a:xfrm>
         </p:spPr>
@@ -17646,14 +19234,71 @@
           <a:lstStyle/>
           <a:p>
             <a:r>
-              <a:rPr lang="ja-JP" altLang="en-US" b="1" dirty="0" smtClean="0"/>
-              <a:t>アジャイルソフトウェア開発</a:t>
-            </a:r>
-            <a:r>
-              <a:rPr lang="ja-JP" altLang="en-US" b="1" dirty="0" smtClean="0"/>
-              <a:t>宣言</a:t>
-            </a:r>
-            <a:endParaRPr kumimoji="1" lang="ja-JP" altLang="en-US" dirty="0"/>
+              <a:rPr lang="ja-JP" altLang="en-US" b="1" dirty="0" smtClean="0">
+                <a:solidFill>
+                  <a:schemeClr val="bg2">
+                    <a:lumMod val="75000"/>
+                  </a:schemeClr>
+                </a:solidFill>
+              </a:rPr>
+              <a:t>アジャイルソフトウェア開発宣言</a:t>
+            </a:r>
+            <a:r>
+              <a:rPr lang="en-US" altLang="ja-JP" b="1" dirty="0" smtClean="0">
+                <a:solidFill>
+                  <a:schemeClr val="bg2">
+                    <a:lumMod val="75000"/>
+                  </a:schemeClr>
+                </a:solidFill>
+              </a:rPr>
+              <a:t/>
+            </a:r>
+            <a:br>
+              <a:rPr lang="en-US" altLang="ja-JP" b="1" dirty="0" smtClean="0">
+                <a:solidFill>
+                  <a:schemeClr val="bg2">
+                    <a:lumMod val="75000"/>
+                  </a:schemeClr>
+                </a:solidFill>
+              </a:rPr>
+            </a:br>
+            <a:r>
+              <a:rPr lang="en-US" altLang="ja-JP" sz="2200" dirty="0" smtClean="0">
+                <a:solidFill>
+                  <a:schemeClr val="bg2">
+                    <a:lumMod val="75000"/>
+                  </a:schemeClr>
+                </a:solidFill>
+              </a:rPr>
+              <a:t>(February </a:t>
+            </a:r>
+            <a:r>
+              <a:rPr lang="en-US" altLang="ja-JP" sz="2200" dirty="0">
+                <a:solidFill>
+                  <a:schemeClr val="bg2">
+                    <a:lumMod val="75000"/>
+                  </a:schemeClr>
+                </a:solidFill>
+              </a:rPr>
+              <a:t>11-13, </a:t>
+            </a:r>
+            <a:r>
+              <a:rPr lang="en-US" altLang="ja-JP" sz="2200" dirty="0" smtClean="0">
+                <a:solidFill>
+                  <a:schemeClr val="bg2">
+                    <a:lumMod val="75000"/>
+                  </a:schemeClr>
+                </a:solidFill>
+              </a:rPr>
+              <a:t>2001)</a:t>
+            </a:r>
+            <a:endParaRPr kumimoji="1" lang="ja-JP" altLang="en-US" dirty="0">
+              <a:solidFill>
+                <a:schemeClr val="bg2">
+                  <a:lumMod val="75000"/>
+                </a:schemeClr>
+              </a:solidFill>
+            </a:endParaRPr>
           </a:p>
         </p:txBody>
       </p:sp>
@@ -17838,7 +19483,7 @@
             <a:r>
               <a:rPr lang="ja-JP" altLang="en-US" sz="2800" b="1" dirty="0">
                 <a:solidFill>
-                  <a:srgbClr val="FF0000"/>
+                  <a:srgbClr val="FFC000"/>
                 </a:solidFill>
                 <a:effectLst/>
                 <a:ea typeface="メイリオ" panose="020B0604030504040204" pitchFamily="50" charset="-128"/>
@@ -17875,7 +19520,7 @@
             <a:r>
               <a:rPr lang="ja-JP" altLang="en-US" sz="2800" b="1" dirty="0">
                 <a:solidFill>
-                  <a:srgbClr val="FF0000"/>
+                  <a:srgbClr val="FFC000"/>
                 </a:solidFill>
                 <a:effectLst/>
                 <a:ea typeface="メイリオ" panose="020B0604030504040204" pitchFamily="50" charset="-128"/>
@@ -17912,7 +19557,7 @@
             <a:r>
               <a:rPr lang="ja-JP" altLang="en-US" sz="2800" b="1" dirty="0">
                 <a:solidFill>
-                  <a:srgbClr val="FF0000"/>
+                  <a:srgbClr val="FFC000"/>
                 </a:solidFill>
                 <a:effectLst/>
                 <a:ea typeface="メイリオ" panose="020B0604030504040204" pitchFamily="50" charset="-128"/>
@@ -17949,7 +19594,7 @@
             <a:r>
               <a:rPr lang="ja-JP" altLang="en-US" sz="2800" b="1" dirty="0">
                 <a:solidFill>
-                  <a:srgbClr val="FF0000"/>
+                  <a:srgbClr val="FFC000"/>
                 </a:solidFill>
                 <a:effectLst/>
                 <a:ea typeface="メイリオ" panose="020B0604030504040204" pitchFamily="50" charset="-128"/>
@@ -18058,7 +19703,7 @@
         </p:nvSpPr>
         <p:spPr>
           <a:xfrm>
-            <a:off x="4644008" y="6516052"/>
+            <a:off x="4572000" y="6516052"/>
             <a:ext cx="4609339" cy="369332"/>
           </a:xfrm>
           <a:prstGeom prst="rect">
@@ -18103,7 +19748,7 @@
 </p:sld>
 </file>
 
-<file path=ppt/slides/slide7.xml><?xml version="1.0" encoding="utf-8"?>
+<file path=ppt/slides/slide8.xml><?xml version="1.0" encoding="utf-8"?>
 <p:sld xmlns:a="http://schemas.openxmlformats.org/drawingml/2006/main" xmlns:r="http://schemas.openxmlformats.org/officeDocument/2006/relationships" xmlns:p="http://schemas.openxmlformats.org/presentationml/2006/main">
   <p:cSld>
     <p:spTree>
@@ -18169,13 +19814,13 @@
         </p:nvSpPr>
         <p:spPr>
           <a:xfrm>
-            <a:off x="2968948" y="5013176"/>
-            <a:ext cx="3219214" cy="864096"/>
+            <a:off x="2771800" y="5013176"/>
+            <a:ext cx="3416362" cy="864096"/>
           </a:xfrm>
           <a:prstGeom prst="wedgeRoundRectCallout">
             <a:avLst>
-              <a:gd name="adj1" fmla="val 53568"/>
-              <a:gd name="adj2" fmla="val -103686"/>
+              <a:gd name="adj1" fmla="val 47966"/>
+              <a:gd name="adj2" fmla="val -109838"/>
               <a:gd name="adj3" fmla="val 16667"/>
             </a:avLst>
           </a:prstGeom>
@@ -18203,7 +19848,13 @@
               <a:rPr kumimoji="1" lang="ja-JP" altLang="en-US" sz="2000" dirty="0" smtClean="0">
                 <a:ea typeface="メイリオ" panose="020B0604030504040204" pitchFamily="50" charset="-128"/>
               </a:rPr>
-              <a:t>仕様変更しまくるぜ！！</a:t>
+              <a:t>今すぐ仕様を変更しろ！</a:t>
+            </a:r>
+            <a:r>
+              <a:rPr kumimoji="1" lang="ja-JP" altLang="en-US" sz="2000" dirty="0" smtClean="0">
+                <a:ea typeface="メイリオ" panose="020B0604030504040204" pitchFamily="50" charset="-128"/>
+              </a:rPr>
+              <a:t>！</a:t>
             </a:r>
             <a:endParaRPr kumimoji="1" lang="ja-JP" altLang="en-US" sz="2000" dirty="0">
               <a:ea typeface="メイリオ" panose="020B0604030504040204" pitchFamily="50" charset="-128"/>
@@ -18250,40 +19901,10 @@
           <a:p>
             <a:pPr algn="ctr"/>
             <a:r>
-              <a:rPr kumimoji="1" lang="en-US" altLang="ja-JP" sz="2000" dirty="0" smtClean="0">
-                <a:ea typeface="メイリオ" panose="020B0604030504040204" pitchFamily="50" charset="-128"/>
-              </a:rPr>
-              <a:t>MS</a:t>
-            </a:r>
-            <a:r>
-              <a:rPr lang="ja-JP" altLang="en-US" sz="2000" dirty="0">
-                <a:ea typeface="メイリオ" panose="020B0604030504040204" pitchFamily="50" charset="-128"/>
-              </a:rPr>
-              <a:t> </a:t>
-            </a:r>
-            <a:r>
-              <a:rPr kumimoji="1" lang="en-US" altLang="ja-JP" sz="2000" dirty="0" smtClean="0">
-                <a:ea typeface="メイリオ" panose="020B0604030504040204" pitchFamily="50" charset="-128"/>
-              </a:rPr>
-              <a:t>Project</a:t>
-            </a:r>
-            <a:r>
               <a:rPr kumimoji="1" lang="ja-JP" altLang="en-US" sz="2000" dirty="0" smtClean="0">
                 <a:ea typeface="メイリオ" panose="020B0604030504040204" pitchFamily="50" charset="-128"/>
               </a:rPr>
-              <a:t>は</a:t>
-            </a:r>
-            <a:r>
-              <a:rPr lang="ja-JP" altLang="en-US" sz="2000" dirty="0">
-                <a:ea typeface="メイリオ" panose="020B0604030504040204" pitchFamily="50" charset="-128"/>
-              </a:rPr>
-              <a:t>クビ</a:t>
-            </a:r>
-            <a:r>
-              <a:rPr kumimoji="1" lang="ja-JP" altLang="en-US" sz="2000" dirty="0" smtClean="0">
-                <a:ea typeface="メイリオ" panose="020B0604030504040204" pitchFamily="50" charset="-128"/>
-              </a:rPr>
-              <a:t>だ！！</a:t>
+              <a:t>計画なんて必要ない</a:t>
             </a:r>
             <a:endParaRPr kumimoji="1" lang="ja-JP" altLang="en-US" sz="2000" dirty="0">
               <a:ea typeface="メイリオ" panose="020B0604030504040204" pitchFamily="50" charset="-128"/>
@@ -18355,7 +19976,7 @@
               <a:rPr kumimoji="1" lang="ja-JP" altLang="en-US" sz="2000" dirty="0" smtClean="0">
                 <a:ea typeface="メイリオ" panose="020B0604030504040204" pitchFamily="50" charset="-128"/>
               </a:rPr>
-              <a:t>仕様書なんかくそくらえ！！</a:t>
+              <a:t>ドキュメント書くなんてクソ</a:t>
             </a:r>
             <a:endParaRPr kumimoji="1" lang="ja-JP" altLang="en-US" sz="2000" dirty="0">
               <a:ea typeface="メイリオ" panose="020B0604030504040204" pitchFamily="50" charset="-128"/>
@@ -18373,10 +19994,17 @@
   <p:clrMapOvr>
     <a:masterClrMapping/>
   </p:clrMapOvr>
+  <p:timing>
+    <p:tnLst>
+      <p:par>
+        <p:cTn id="1" dur="indefinite" restart="never" nodeType="tmRoot"/>
+      </p:par>
+    </p:tnLst>
+  </p:timing>
 </p:sld>
 </file>
 
-<file path=ppt/slides/slide8.xml><?xml version="1.0" encoding="utf-8"?>
+<file path=ppt/slides/slide9.xml><?xml version="1.0" encoding="utf-8"?>
 <p:sld xmlns:a="http://schemas.openxmlformats.org/drawingml/2006/main" xmlns:r="http://schemas.openxmlformats.org/officeDocument/2006/relationships" xmlns:p="http://schemas.openxmlformats.org/presentationml/2006/main">
   <p:cSld>
     <p:spTree>
@@ -18395,7 +20023,7 @@
       </p:grpSpPr>
       <p:pic>
         <p:nvPicPr>
-          <p:cNvPr id="2050" name="Picture 2" descr="C:\Users\ishii\AppData\Local\Temp\16646530026_f80c882ba6_o.jpg"/>
+          <p:cNvPr id="2050" name="Picture 2" descr="http://www.geocities.jp/gaijin_e3/s01.jpg"/>
           <p:cNvPicPr>
             <a:picLocks noChangeAspect="1" noChangeArrowheads="1"/>
           </p:cNvPicPr>
@@ -18416,8 +20044,8 @@
         </p:blipFill>
         <p:spPr bwMode="auto">
           <a:xfrm>
-            <a:off x="0" y="375920"/>
-            <a:ext cx="9144000" cy="6106160"/>
+            <a:off x="4932040" y="3717032"/>
+            <a:ext cx="3810000" cy="2857500"/>
           </a:xfrm>
           <a:prstGeom prst="rect">
             <a:avLst/>
@@ -18436,31 +20064,375 @@
       </p:pic>
       <p:sp>
         <p:nvSpPr>
-          <p:cNvPr id="4" name="正方形/長方形 3"/>
-          <p:cNvSpPr/>
+          <p:cNvPr id="5" name="Text Box 13"/>
+          <p:cNvSpPr txBox="1">
+            <a:spLocks noChangeArrowheads="1"/>
+          </p:cNvSpPr>
           <p:nvPr/>
         </p:nvSpPr>
-        <p:spPr>
+        <p:spPr bwMode="auto">
           <a:xfrm>
-            <a:off x="4534661" y="6488668"/>
-            <a:ext cx="4609339" cy="369332"/>
+            <a:off x="1043607" y="219536"/>
+            <a:ext cx="6499539" cy="2456057"/>
           </a:xfrm>
           <a:prstGeom prst="rect">
             <a:avLst/>
           </a:prstGeom>
+          <a:noFill/>
+          <a:ln>
+            <a:noFill/>
+          </a:ln>
+          <a:effectLst/>
+          <a:extLst>
+            <a:ext uri="{909E8E84-426E-40DD-AFC4-6F175D3DCCD1}">
+              <a14:hiddenFill xmlns:a14="http://schemas.microsoft.com/office/drawing/2010/main">
+                <a:solidFill>
+                  <a:schemeClr val="accent1"/>
+                </a:solidFill>
+              </a14:hiddenFill>
+            </a:ext>
+            <a:ext uri="{91240B29-F687-4F45-9708-019B960494DF}">
+              <a14:hiddenLine xmlns:a14="http://schemas.microsoft.com/office/drawing/2010/main" w="9525">
+                <a:solidFill>
+                  <a:schemeClr val="tx1"/>
+                </a:solidFill>
+                <a:miter lim="800000"/>
+                <a:headEnd/>
+                <a:tailEnd/>
+              </a14:hiddenLine>
+            </a:ext>
+            <a:ext uri="{AF507438-7753-43E0-B8FC-AC1667EBCBE1}">
+              <a14:hiddenEffects xmlns:a14="http://schemas.microsoft.com/office/drawing/2010/main">
+                <a:effectLst>
+                  <a:outerShdw dist="35921" dir="2700000" algn="ctr" rotWithShape="0">
+                    <a:schemeClr val="bg2"/>
+                  </a:outerShdw>
+                </a:effectLst>
+              </a14:hiddenEffects>
+            </a:ext>
+          </a:extLst>
         </p:spPr>
         <p:txBody>
-          <a:bodyPr wrap="none">
+          <a:bodyPr wrap="square">
             <a:spAutoFit/>
           </a:bodyPr>
           <a:lstStyle/>
           <a:p>
-            <a:r>
-              <a:rPr lang="en-US" altLang="ja-JP" dirty="0">
+            <a:pPr algn="ctr">
+              <a:lnSpc>
+                <a:spcPct val="120000"/>
+              </a:lnSpc>
+            </a:pPr>
+            <a:r>
+              <a:rPr lang="ja-JP" altLang="en-US" sz="1600" b="1" dirty="0">
+                <a:effectLst/>
                 <a:ea typeface="メイリオ" panose="020B0604030504040204" pitchFamily="50" charset="-128"/>
               </a:rPr>
-              <a:t>https://www.flickr.com/photos/kalexanderson/</a:t>
-            </a:r>
+              <a:t>プロセスやツールよりも</a:t>
+            </a:r>
+            <a:r>
+              <a:rPr lang="ja-JP" altLang="en-US" sz="3200" b="1" dirty="0">
+                <a:effectLst/>
+                <a:ea typeface="メイリオ" panose="020B0604030504040204" pitchFamily="50" charset="-128"/>
+              </a:rPr>
+              <a:t>個人と対話</a:t>
+            </a:r>
+            <a:r>
+              <a:rPr lang="ja-JP" altLang="en-US" sz="1600" b="1" dirty="0">
+                <a:effectLst/>
+                <a:ea typeface="メイリオ" panose="020B0604030504040204" pitchFamily="50" charset="-128"/>
+              </a:rPr>
+              <a:t>を、</a:t>
+            </a:r>
+            <a:r>
+              <a:rPr lang="ja-JP" altLang="en-US" sz="2400" b="1" dirty="0">
+                <a:effectLst/>
+                <a:ea typeface="メイリオ" panose="020B0604030504040204" pitchFamily="50" charset="-128"/>
+              </a:rPr>
+              <a:t/>
+            </a:r>
+            <a:br>
+              <a:rPr lang="ja-JP" altLang="en-US" sz="2400" b="1" dirty="0">
+                <a:effectLst/>
+                <a:ea typeface="メイリオ" panose="020B0604030504040204" pitchFamily="50" charset="-128"/>
+              </a:rPr>
+            </a:br>
+            <a:r>
+              <a:rPr lang="ja-JP" altLang="en-US" sz="1600" b="1" dirty="0">
+                <a:effectLst/>
+                <a:ea typeface="メイリオ" panose="020B0604030504040204" pitchFamily="50" charset="-128"/>
+              </a:rPr>
+              <a:t>包括的なドキュメントよりも</a:t>
+            </a:r>
+            <a:r>
+              <a:rPr lang="ja-JP" altLang="en-US" sz="3200" b="1" dirty="0">
+                <a:effectLst/>
+                <a:ea typeface="メイリオ" panose="020B0604030504040204" pitchFamily="50" charset="-128"/>
+              </a:rPr>
+              <a:t>動くソフトウェア</a:t>
+            </a:r>
+            <a:r>
+              <a:rPr lang="ja-JP" altLang="en-US" sz="1600" b="1" dirty="0">
+                <a:effectLst/>
+                <a:ea typeface="メイリオ" panose="020B0604030504040204" pitchFamily="50" charset="-128"/>
+              </a:rPr>
+              <a:t>を、</a:t>
+            </a:r>
+            <a:r>
+              <a:rPr lang="ja-JP" altLang="en-US" sz="3200" b="1" dirty="0">
+                <a:effectLst/>
+                <a:ea typeface="メイリオ" panose="020B0604030504040204" pitchFamily="50" charset="-128"/>
+              </a:rPr>
+              <a:t/>
+            </a:r>
+            <a:br>
+              <a:rPr lang="ja-JP" altLang="en-US" sz="3200" b="1" dirty="0">
+                <a:effectLst/>
+                <a:ea typeface="メイリオ" panose="020B0604030504040204" pitchFamily="50" charset="-128"/>
+              </a:rPr>
+            </a:br>
+            <a:r>
+              <a:rPr lang="ja-JP" altLang="en-US" sz="1600" b="1" dirty="0">
+                <a:effectLst/>
+                <a:ea typeface="メイリオ" panose="020B0604030504040204" pitchFamily="50" charset="-128"/>
+              </a:rPr>
+              <a:t>契約交渉よりも</a:t>
+            </a:r>
+            <a:r>
+              <a:rPr lang="ja-JP" altLang="en-US" sz="3200" b="1" dirty="0">
+                <a:effectLst/>
+                <a:ea typeface="メイリオ" panose="020B0604030504040204" pitchFamily="50" charset="-128"/>
+              </a:rPr>
+              <a:t>顧客との協調</a:t>
+            </a:r>
+            <a:r>
+              <a:rPr lang="ja-JP" altLang="en-US" sz="1600" b="1" dirty="0">
+                <a:effectLst/>
+                <a:ea typeface="メイリオ" panose="020B0604030504040204" pitchFamily="50" charset="-128"/>
+              </a:rPr>
+              <a:t>を、</a:t>
+            </a:r>
+            <a:r>
+              <a:rPr lang="ja-JP" altLang="en-US" sz="3200" b="1" dirty="0">
+                <a:effectLst/>
+                <a:ea typeface="メイリオ" panose="020B0604030504040204" pitchFamily="50" charset="-128"/>
+              </a:rPr>
+              <a:t/>
+            </a:r>
+            <a:br>
+              <a:rPr lang="ja-JP" altLang="en-US" sz="3200" b="1" dirty="0">
+                <a:effectLst/>
+                <a:ea typeface="メイリオ" panose="020B0604030504040204" pitchFamily="50" charset="-128"/>
+              </a:rPr>
+            </a:br>
+            <a:r>
+              <a:rPr lang="ja-JP" altLang="en-US" sz="1600" b="1" dirty="0">
+                <a:effectLst/>
+                <a:ea typeface="メイリオ" panose="020B0604030504040204" pitchFamily="50" charset="-128"/>
+              </a:rPr>
+              <a:t>計画に従うことよりも</a:t>
+            </a:r>
+            <a:r>
+              <a:rPr lang="ja-JP" altLang="en-US" sz="3200" b="1" dirty="0">
+                <a:effectLst/>
+                <a:ea typeface="メイリオ" panose="020B0604030504040204" pitchFamily="50" charset="-128"/>
+              </a:rPr>
+              <a:t>変化への対応</a:t>
+            </a:r>
+            <a:r>
+              <a:rPr lang="ja-JP" altLang="en-US" sz="1600" b="1" dirty="0">
+                <a:effectLst/>
+                <a:ea typeface="メイリオ" panose="020B0604030504040204" pitchFamily="50" charset="-128"/>
+              </a:rPr>
+              <a:t>を、</a:t>
+            </a:r>
+          </a:p>
+        </p:txBody>
+      </p:sp>
+      <p:sp>
+        <p:nvSpPr>
+          <p:cNvPr id="6" name="Text Box 14"/>
+          <p:cNvSpPr txBox="1">
+            <a:spLocks noChangeArrowheads="1"/>
+          </p:cNvSpPr>
+          <p:nvPr/>
+        </p:nvSpPr>
+        <p:spPr bwMode="auto">
+          <a:xfrm>
+            <a:off x="280346" y="2675593"/>
+            <a:ext cx="8461694" cy="978729"/>
+          </a:xfrm>
+          <a:prstGeom prst="rect">
+            <a:avLst/>
+          </a:prstGeom>
+          <a:noFill/>
+          <a:ln>
+            <a:noFill/>
+          </a:ln>
+          <a:effectLst/>
+          <a:extLst>
+            <a:ext uri="{909E8E84-426E-40DD-AFC4-6F175D3DCCD1}">
+              <a14:hiddenFill xmlns:a14="http://schemas.microsoft.com/office/drawing/2010/main">
+                <a:solidFill>
+                  <a:schemeClr val="accent1"/>
+                </a:solidFill>
+              </a14:hiddenFill>
+            </a:ext>
+            <a:ext uri="{91240B29-F687-4F45-9708-019B960494DF}">
+              <a14:hiddenLine xmlns:a14="http://schemas.microsoft.com/office/drawing/2010/main" w="9525">
+                <a:solidFill>
+                  <a:schemeClr val="tx1"/>
+                </a:solidFill>
+                <a:miter lim="800000"/>
+                <a:headEnd/>
+                <a:tailEnd/>
+              </a14:hiddenLine>
+            </a:ext>
+            <a:ext uri="{AF507438-7753-43E0-B8FC-AC1667EBCBE1}">
+              <a14:hiddenEffects xmlns:a14="http://schemas.microsoft.com/office/drawing/2010/main">
+                <a:effectLst>
+                  <a:outerShdw dist="35921" dir="2700000" algn="ctr" rotWithShape="0">
+                    <a:schemeClr val="bg2"/>
+                  </a:outerShdw>
+                </a:effectLst>
+              </a14:hiddenEffects>
+            </a:ext>
+          </a:extLst>
+        </p:spPr>
+        <p:txBody>
+          <a:bodyPr wrap="square">
+            <a:spAutoFit/>
+          </a:bodyPr>
+          <a:lstStyle/>
+          <a:p>
+            <a:pPr algn="ctr">
+              <a:lnSpc>
+                <a:spcPct val="120000"/>
+              </a:lnSpc>
+            </a:pPr>
+            <a:r>
+              <a:rPr lang="ja-JP" altLang="en-US" sz="2400" b="1" dirty="0">
+                <a:effectLst/>
+                <a:ea typeface="メイリオ" panose="020B0604030504040204" pitchFamily="50" charset="-128"/>
+              </a:rPr>
+              <a:t>価値とする。すなわち、左記のことがらに価値があることを</a:t>
+            </a:r>
+            <a:br>
+              <a:rPr lang="ja-JP" altLang="en-US" sz="2400" b="1" dirty="0">
+                <a:effectLst/>
+                <a:ea typeface="メイリオ" panose="020B0604030504040204" pitchFamily="50" charset="-128"/>
+              </a:rPr>
+            </a:br>
+            <a:r>
+              <a:rPr lang="ja-JP" altLang="en-US" sz="2400" b="1" dirty="0">
+                <a:effectLst/>
+                <a:ea typeface="メイリオ" panose="020B0604030504040204" pitchFamily="50" charset="-128"/>
+              </a:rPr>
+              <a:t>認めながらも、私たちは右記のことがらにより価値を置く。</a:t>
+            </a:r>
+          </a:p>
+        </p:txBody>
+      </p:sp>
+      <p:sp>
+        <p:nvSpPr>
+          <p:cNvPr id="7" name="Line 15"/>
+          <p:cNvSpPr>
+            <a:spLocks noChangeShapeType="1"/>
+          </p:cNvSpPr>
+          <p:nvPr/>
+        </p:nvSpPr>
+        <p:spPr bwMode="auto">
+          <a:xfrm>
+            <a:off x="3707904" y="3164957"/>
+            <a:ext cx="4824536" cy="7546"/>
+          </a:xfrm>
+          <a:prstGeom prst="line">
+            <a:avLst/>
+          </a:prstGeom>
+          <a:noFill/>
+          <a:ln w="50800">
+            <a:solidFill>
+              <a:srgbClr val="FF0000"/>
+            </a:solidFill>
+            <a:round/>
+            <a:headEnd/>
+            <a:tailEnd/>
+          </a:ln>
+          <a:effectLst/>
+          <a:extLst>
+            <a:ext uri="{909E8E84-426E-40DD-AFC4-6F175D3DCCD1}">
+              <a14:hiddenFill xmlns:a14="http://schemas.microsoft.com/office/drawing/2010/main">
+                <a:noFill/>
+              </a14:hiddenFill>
+            </a:ext>
+            <a:ext uri="{AF507438-7753-43E0-B8FC-AC1667EBCBE1}">
+              <a14:hiddenEffects xmlns:a14="http://schemas.microsoft.com/office/drawing/2010/main">
+                <a:effectLst>
+                  <a:outerShdw dist="35921" dir="2700000" algn="ctr" rotWithShape="0">
+                    <a:schemeClr val="bg2"/>
+                  </a:outerShdw>
+                </a:effectLst>
+              </a14:hiddenEffects>
+            </a:ext>
+          </a:extLst>
+        </p:spPr>
+        <p:txBody>
+          <a:bodyPr/>
+          <a:lstStyle/>
+          <a:p>
+            <a:endParaRPr lang="ja-JP" altLang="en-US" dirty="0">
+              <a:ea typeface="メイリオ" panose="020B0604030504040204" pitchFamily="50" charset="-128"/>
+            </a:endParaRPr>
+          </a:p>
+        </p:txBody>
+      </p:sp>
+      <p:sp>
+        <p:nvSpPr>
+          <p:cNvPr id="8" name="Line 16"/>
+          <p:cNvSpPr>
+            <a:spLocks noChangeShapeType="1"/>
+          </p:cNvSpPr>
+          <p:nvPr/>
+        </p:nvSpPr>
+        <p:spPr bwMode="auto">
+          <a:xfrm>
+            <a:off x="395536" y="3573016"/>
+            <a:ext cx="1930128" cy="0"/>
+          </a:xfrm>
+          <a:prstGeom prst="line">
+            <a:avLst/>
+          </a:prstGeom>
+          <a:noFill/>
+          <a:ln w="50800">
+            <a:solidFill>
+              <a:srgbClr val="FF0000"/>
+            </a:solidFill>
+            <a:round/>
+            <a:headEnd/>
+            <a:tailEnd/>
+          </a:ln>
+          <a:effectLst/>
+          <a:extLst>
+            <a:ext uri="{909E8E84-426E-40DD-AFC4-6F175D3DCCD1}">
+              <a14:hiddenFill xmlns:a14="http://schemas.microsoft.com/office/drawing/2010/main">
+                <a:noFill/>
+              </a14:hiddenFill>
+            </a:ext>
+            <a:ext uri="{AF507438-7753-43E0-B8FC-AC1667EBCBE1}">
+              <a14:hiddenEffects xmlns:a14="http://schemas.microsoft.com/office/drawing/2010/main">
+                <a:effectLst>
+                  <a:outerShdw dist="35921" dir="2700000" algn="ctr" rotWithShape="0">
+                    <a:schemeClr val="bg2"/>
+                  </a:outerShdw>
+                </a:effectLst>
+              </a14:hiddenEffects>
+            </a:ext>
+          </a:extLst>
+        </p:spPr>
+        <p:txBody>
+          <a:bodyPr/>
+          <a:lstStyle/>
+          <a:p>
             <a:endParaRPr lang="ja-JP" altLang="en-US" dirty="0">
               <a:ea typeface="メイリオ" panose="020B0604030504040204" pitchFamily="50" charset="-128"/>
             </a:endParaRPr>
@@ -18470,91 +20442,7 @@
     </p:spTree>
     <p:extLst>
       <p:ext uri="{BB962C8B-B14F-4D97-AF65-F5344CB8AC3E}">
-        <p14:creationId xmlns:p14="http://schemas.microsoft.com/office/powerpoint/2010/main" val="1932709807"/>
-      </p:ext>
-    </p:extLst>
-  </p:cSld>
-  <p:clrMapOvr>
-    <a:masterClrMapping/>
-  </p:clrMapOvr>
-</p:sld>
-</file>
-
-<file path=ppt/slides/slide9.xml><?xml version="1.0" encoding="utf-8"?>
-<p:sld xmlns:a="http://schemas.openxmlformats.org/drawingml/2006/main" xmlns:r="http://schemas.openxmlformats.org/officeDocument/2006/relationships" xmlns:p="http://schemas.openxmlformats.org/presentationml/2006/main">
-  <p:cSld>
-    <p:spTree>
-      <p:nvGrpSpPr>
-        <p:cNvPr id="1" name=""/>
-        <p:cNvGrpSpPr/>
-        <p:nvPr/>
-      </p:nvGrpSpPr>
-      <p:grpSpPr>
-        <a:xfrm>
-          <a:off x="0" y="0"/>
-          <a:ext cx="0" cy="0"/>
-          <a:chOff x="0" y="0"/>
-          <a:chExt cx="0" cy="0"/>
-        </a:xfrm>
-      </p:grpSpPr>
-      <p:sp>
-        <p:nvSpPr>
-          <p:cNvPr id="2" name="タイトル 1"/>
-          <p:cNvSpPr>
-            <a:spLocks noGrp="1"/>
-          </p:cNvSpPr>
-          <p:nvPr>
-            <p:ph type="title"/>
-          </p:nvPr>
-        </p:nvSpPr>
-        <p:spPr/>
-        <p:txBody>
-          <a:bodyPr/>
-          <a:lstStyle/>
-          <a:p>
-            <a:r>
-              <a:rPr lang="ja-JP" altLang="en-US" dirty="0"/>
-              <a:t>アジャイルとは</a:t>
-            </a:r>
-            <a:endParaRPr kumimoji="1" lang="ja-JP" altLang="en-US" dirty="0"/>
-          </a:p>
-        </p:txBody>
-      </p:sp>
-      <p:sp>
-        <p:nvSpPr>
-          <p:cNvPr id="3" name="コンテンツ プレースホルダー 2"/>
-          <p:cNvSpPr>
-            <a:spLocks noGrp="1"/>
-          </p:cNvSpPr>
-          <p:nvPr>
-            <p:ph idx="1"/>
-          </p:nvPr>
-        </p:nvSpPr>
-        <p:spPr/>
-        <p:txBody>
-          <a:bodyPr/>
-          <a:lstStyle/>
-          <a:p>
-            <a:r>
-              <a:rPr lang="ja-JP" altLang="en-US" dirty="0"/>
-              <a:t>ビジネスと</a:t>
-            </a:r>
-            <a:r>
-              <a:rPr lang="en-US" altLang="ja-JP" dirty="0"/>
-              <a:t>IT</a:t>
-            </a:r>
-            <a:r>
-              <a:rPr lang="ja-JP" altLang="en-US" dirty="0"/>
-              <a:t>の融合</a:t>
-            </a:r>
-            <a:endParaRPr kumimoji="1" lang="ja-JP" altLang="en-US" dirty="0"/>
-          </a:p>
-        </p:txBody>
-      </p:sp>
-    </p:spTree>
-    <p:extLst>
-      <p:ext uri="{BB962C8B-B14F-4D97-AF65-F5344CB8AC3E}">
-        <p14:creationId xmlns:p14="http://schemas.microsoft.com/office/powerpoint/2010/main" val="3452321410"/>
+        <p14:creationId xmlns:p14="http://schemas.microsoft.com/office/powerpoint/2010/main" val="4097314227"/>
       </p:ext>
     </p:extLst>
   </p:cSld>
@@ -19130,4 +21018,289 @@
   <a:objectDefaults/>
   <a:extraClrSchemeLst/>
 </a:theme>
+</file>
+
+<file path=ppt/theme/theme3.xml><?xml version="1.0" encoding="utf-8"?>
+<a:theme xmlns:a="http://schemas.openxmlformats.org/drawingml/2006/main" name="Office ​​テーマ">
+  <a:themeElements>
+    <a:clrScheme name="Office">
+      <a:dk1>
+        <a:sysClr val="windowText" lastClr="000000"/>
+      </a:dk1>
+      <a:lt1>
+        <a:sysClr val="window" lastClr="FFFFFF"/>
+      </a:lt1>
+      <a:dk2>
+        <a:srgbClr val="1F497D"/>
+      </a:dk2>
+      <a:lt2>
+        <a:srgbClr val="EEECE1"/>
+      </a:lt2>
+      <a:accent1>
+        <a:srgbClr val="4F81BD"/>
+      </a:accent1>
+      <a:accent2>
+        <a:srgbClr val="C0504D"/>
+      </a:accent2>
+      <a:accent3>
+        <a:srgbClr val="9BBB59"/>
+      </a:accent3>
+      <a:accent4>
+        <a:srgbClr val="8064A2"/>
+      </a:accent4>
+      <a:accent5>
+        <a:srgbClr val="4BACC6"/>
+      </a:accent5>
+      <a:accent6>
+        <a:srgbClr val="F79646"/>
+      </a:accent6>
+      <a:hlink>
+        <a:srgbClr val="0000FF"/>
+      </a:hlink>
+      <a:folHlink>
+        <a:srgbClr val="800080"/>
+      </a:folHlink>
+    </a:clrScheme>
+    <a:fontScheme name="Office">
+      <a:majorFont>
+        <a:latin typeface="Calibri"/>
+        <a:ea typeface=""/>
+        <a:cs typeface=""/>
+        <a:font script="Jpan" typeface="ＭＳ Ｐゴシック"/>
+        <a:font script="Hang" typeface="맑은 고딕"/>
+        <a:font script="Hans" typeface="宋体"/>
+        <a:font script="Hant" typeface="新細明體"/>
+        <a:font script="Arab" typeface="Times New Roman"/>
+        <a:font script="Hebr" typeface="Times New Roman"/>
+        <a:font script="Thai" typeface="Angsana New"/>
+        <a:font script="Ethi" typeface="Nyala"/>
+        <a:font script="Beng" typeface="Vrinda"/>
+        <a:font script="Gujr" typeface="Shruti"/>
+        <a:font script="Khmr" typeface="MoolBoran"/>
+        <a:font script="Knda" typeface="Tunga"/>
+        <a:font script="Guru" typeface="Raavi"/>
+        <a:font script="Cans" typeface="Euphemia"/>
+        <a:font script="Cher" typeface="Plantagenet Cherokee"/>
+        <a:font script="Yiii" typeface="Microsoft Yi Baiti"/>
+        <a:font script="Tibt" typeface="Microsoft Himalaya"/>
+        <a:font script="Thaa" typeface="MV Boli"/>
+        <a:font script="Deva" typeface="Mangal"/>
+        <a:font script="Telu" typeface="Gautami"/>
+        <a:font script="Taml" typeface="Latha"/>
+        <a:font script="Syrc" typeface="Estrangelo Edessa"/>
+        <a:font script="Orya" typeface="Kalinga"/>
+        <a:font script="Mlym" typeface="Kartika"/>
+        <a:font script="Laoo" typeface="DokChampa"/>
+        <a:font script="Sinh" typeface="Iskoola Pota"/>
+        <a:font script="Mong" typeface="Mongolian Baiti"/>
+        <a:font script="Viet" typeface="Times New Roman"/>
+        <a:font script="Uigh" typeface="Microsoft Uighur"/>
+        <a:font script="Geor" typeface="Sylfaen"/>
+      </a:majorFont>
+      <a:minorFont>
+        <a:latin typeface="Calibri"/>
+        <a:ea typeface=""/>
+        <a:cs typeface=""/>
+        <a:font script="Jpan" typeface="ＭＳ Ｐゴシック"/>
+        <a:font script="Hang" typeface="맑은 고딕"/>
+        <a:font script="Hans" typeface="宋体"/>
+        <a:font script="Hant" typeface="新細明體"/>
+        <a:font script="Arab" typeface="Arial"/>
+        <a:font script="Hebr" typeface="Arial"/>
+        <a:font script="Thai" typeface="Cordia New"/>
+        <a:font script="Ethi" typeface="Nyala"/>
+        <a:font script="Beng" typeface="Vrinda"/>
+        <a:font script="Gujr" typeface="Shruti"/>
+        <a:font script="Khmr" typeface="DaunPenh"/>
+        <a:font script="Knda" typeface="Tunga"/>
+        <a:font script="Guru" typeface="Raavi"/>
+        <a:font script="Cans" typeface="Euphemia"/>
+        <a:font script="Cher" typeface="Plantagenet Cherokee"/>
+        <a:font script="Yiii" typeface="Microsoft Yi Baiti"/>
+        <a:font script="Tibt" typeface="Microsoft Himalaya"/>
+        <a:font script="Thaa" typeface="MV Boli"/>
+        <a:font script="Deva" typeface="Mangal"/>
+        <a:font script="Telu" typeface="Gautami"/>
+        <a:font script="Taml" typeface="Latha"/>
+        <a:font script="Syrc" typeface="Estrangelo Edessa"/>
+        <a:font script="Orya" typeface="Kalinga"/>
+        <a:font script="Mlym" typeface="Kartika"/>
+        <a:font script="Laoo" typeface="DokChampa"/>
+        <a:font script="Sinh" typeface="Iskoola Pota"/>
+        <a:font script="Mong" typeface="Mongolian Baiti"/>
+        <a:font script="Viet" typeface="Arial"/>
+        <a:font script="Uigh" typeface="Microsoft Uighur"/>
+        <a:font script="Geor" typeface="Sylfaen"/>
+      </a:minorFont>
+    </a:fontScheme>
+    <a:fmtScheme name="Office">
+      <a:fillStyleLst>
+        <a:solidFill>
+          <a:schemeClr val="phClr"/>
+        </a:solidFill>
+        <a:gradFill rotWithShape="1">
+          <a:gsLst>
+            <a:gs pos="0">
+              <a:schemeClr val="phClr">
+                <a:tint val="50000"/>
+                <a:satMod val="300000"/>
+              </a:schemeClr>
+            </a:gs>
+            <a:gs pos="35000">
+              <a:schemeClr val="phClr">
+                <a:tint val="37000"/>
+                <a:satMod val="300000"/>
+              </a:schemeClr>
+            </a:gs>
+            <a:gs pos="100000">
+              <a:schemeClr val="phClr">
+                <a:tint val="15000"/>
+                <a:satMod val="350000"/>
+              </a:schemeClr>
+            </a:gs>
+          </a:gsLst>
+          <a:lin ang="16200000" scaled="1"/>
+        </a:gradFill>
+        <a:gradFill rotWithShape="1">
+          <a:gsLst>
+            <a:gs pos="0">
+              <a:schemeClr val="phClr">
+                <a:shade val="51000"/>
+                <a:satMod val="130000"/>
+              </a:schemeClr>
+            </a:gs>
+            <a:gs pos="80000">
+              <a:schemeClr val="phClr">
+                <a:shade val="93000"/>
+                <a:satMod val="130000"/>
+              </a:schemeClr>
+            </a:gs>
+            <a:gs pos="100000">
+              <a:schemeClr val="phClr">
+                <a:shade val="94000"/>
+                <a:satMod val="135000"/>
+              </a:schemeClr>
+            </a:gs>
+          </a:gsLst>
+          <a:lin ang="16200000" scaled="0"/>
+        </a:gradFill>
+      </a:fillStyleLst>
+      <a:lnStyleLst>
+        <a:ln w="9525" cap="flat" cmpd="sng" algn="ctr">
+          <a:solidFill>
+            <a:schemeClr val="phClr">
+              <a:shade val="95000"/>
+              <a:satMod val="105000"/>
+            </a:schemeClr>
+          </a:solidFill>
+          <a:prstDash val="solid"/>
+        </a:ln>
+        <a:ln w="25400" cap="flat" cmpd="sng" algn="ctr">
+          <a:solidFill>
+            <a:schemeClr val="phClr"/>
+          </a:solidFill>
+          <a:prstDash val="solid"/>
+        </a:ln>
+        <a:ln w="38100" cap="flat" cmpd="sng" algn="ctr">
+          <a:solidFill>
+            <a:schemeClr val="phClr"/>
+          </a:solidFill>
+          <a:prstDash val="solid"/>
+        </a:ln>
+      </a:lnStyleLst>
+      <a:effectStyleLst>
+        <a:effectStyle>
+          <a:effectLst>
+            <a:outerShdw blurRad="40000" dist="20000" dir="5400000" rotWithShape="0">
+              <a:srgbClr val="000000">
+                <a:alpha val="38000"/>
+              </a:srgbClr>
+            </a:outerShdw>
+          </a:effectLst>
+        </a:effectStyle>
+        <a:effectStyle>
+          <a:effectLst>
+            <a:outerShdw blurRad="40000" dist="23000" dir="5400000" rotWithShape="0">
+              <a:srgbClr val="000000">
+                <a:alpha val="35000"/>
+              </a:srgbClr>
+            </a:outerShdw>
+          </a:effectLst>
+        </a:effectStyle>
+        <a:effectStyle>
+          <a:effectLst>
+            <a:outerShdw blurRad="40000" dist="23000" dir="5400000" rotWithShape="0">
+              <a:srgbClr val="000000">
+                <a:alpha val="35000"/>
+              </a:srgbClr>
+            </a:outerShdw>
+          </a:effectLst>
+          <a:scene3d>
+            <a:camera prst="orthographicFront">
+              <a:rot lat="0" lon="0" rev="0"/>
+            </a:camera>
+            <a:lightRig rig="threePt" dir="t">
+              <a:rot lat="0" lon="0" rev="1200000"/>
+            </a:lightRig>
+          </a:scene3d>
+          <a:sp3d>
+            <a:bevelT w="63500" h="25400"/>
+          </a:sp3d>
+        </a:effectStyle>
+      </a:effectStyleLst>
+      <a:bgFillStyleLst>
+        <a:solidFill>
+          <a:schemeClr val="phClr"/>
+        </a:solidFill>
+        <a:gradFill rotWithShape="1">
+          <a:gsLst>
+            <a:gs pos="0">
+              <a:schemeClr val="phClr">
+                <a:tint val="40000"/>
+                <a:satMod val="350000"/>
+              </a:schemeClr>
+            </a:gs>
+            <a:gs pos="40000">
+              <a:schemeClr val="phClr">
+                <a:tint val="45000"/>
+                <a:shade val="99000"/>
+                <a:satMod val="350000"/>
+              </a:schemeClr>
+            </a:gs>
+            <a:gs pos="100000">
+              <a:schemeClr val="phClr">
+                <a:shade val="20000"/>
+                <a:satMod val="255000"/>
+              </a:schemeClr>
+            </a:gs>
+          </a:gsLst>
+          <a:path path="circle">
+            <a:fillToRect l="50000" t="-80000" r="50000" b="180000"/>
+          </a:path>
+        </a:gradFill>
+        <a:gradFill rotWithShape="1">
+          <a:gsLst>
+            <a:gs pos="0">
+              <a:schemeClr val="phClr">
+                <a:tint val="80000"/>
+                <a:satMod val="300000"/>
+              </a:schemeClr>
+            </a:gs>
+            <a:gs pos="100000">
+              <a:schemeClr val="phClr">
+                <a:shade val="30000"/>
+                <a:satMod val="200000"/>
+              </a:schemeClr>
+            </a:gs>
+          </a:gsLst>
+          <a:path path="circle">
+            <a:fillToRect l="50000" t="50000" r="50000" b="50000"/>
+          </a:path>
+        </a:gradFill>
+      </a:bgFillStyleLst>
+    </a:fmtScheme>
+  </a:themeElements>
+  <a:objectDefaults/>
+  <a:extraClrSchemeLst/>
+</a:theme>
 </file>